--- a/Interaction événementielle entre du code C et LabVIEW.pptx
+++ b/Interaction événementielle entre du code C et LabVIEW.pptx
@@ -5,39 +5,40 @@
     <p:sldMasterId id="2147483648" r:id="rId1"/>
   </p:sldMasterIdLst>
   <p:notesMasterIdLst>
-    <p:notesMasterId r:id="rId29"/>
+    <p:notesMasterId r:id="rId30"/>
   </p:notesMasterIdLst>
   <p:handoutMasterIdLst>
-    <p:handoutMasterId r:id="rId30"/>
+    <p:handoutMasterId r:id="rId31"/>
   </p:handoutMasterIdLst>
   <p:sldIdLst>
     <p:sldId id="256" r:id="rId2"/>
     <p:sldId id="259" r:id="rId3"/>
     <p:sldId id="260" r:id="rId4"/>
     <p:sldId id="257" r:id="rId5"/>
-    <p:sldId id="279" r:id="rId6"/>
-    <p:sldId id="291" r:id="rId7"/>
-    <p:sldId id="292" r:id="rId8"/>
-    <p:sldId id="293" r:id="rId9"/>
-    <p:sldId id="294" r:id="rId10"/>
-    <p:sldId id="307" r:id="rId11"/>
-    <p:sldId id="308" r:id="rId12"/>
-    <p:sldId id="280" r:id="rId13"/>
-    <p:sldId id="297" r:id="rId14"/>
-    <p:sldId id="296" r:id="rId15"/>
-    <p:sldId id="281" r:id="rId16"/>
-    <p:sldId id="299" r:id="rId17"/>
-    <p:sldId id="300" r:id="rId18"/>
-    <p:sldId id="301" r:id="rId19"/>
-    <p:sldId id="302" r:id="rId20"/>
-    <p:sldId id="303" r:id="rId21"/>
-    <p:sldId id="282" r:id="rId22"/>
-    <p:sldId id="283" r:id="rId23"/>
-    <p:sldId id="286" r:id="rId24"/>
-    <p:sldId id="287" r:id="rId25"/>
-    <p:sldId id="285" r:id="rId26"/>
-    <p:sldId id="309" r:id="rId27"/>
-    <p:sldId id="277" r:id="rId28"/>
+    <p:sldId id="310" r:id="rId6"/>
+    <p:sldId id="279" r:id="rId7"/>
+    <p:sldId id="291" r:id="rId8"/>
+    <p:sldId id="292" r:id="rId9"/>
+    <p:sldId id="293" r:id="rId10"/>
+    <p:sldId id="294" r:id="rId11"/>
+    <p:sldId id="307" r:id="rId12"/>
+    <p:sldId id="308" r:id="rId13"/>
+    <p:sldId id="280" r:id="rId14"/>
+    <p:sldId id="297" r:id="rId15"/>
+    <p:sldId id="296" r:id="rId16"/>
+    <p:sldId id="281" r:id="rId17"/>
+    <p:sldId id="299" r:id="rId18"/>
+    <p:sldId id="300" r:id="rId19"/>
+    <p:sldId id="301" r:id="rId20"/>
+    <p:sldId id="302" r:id="rId21"/>
+    <p:sldId id="303" r:id="rId22"/>
+    <p:sldId id="282" r:id="rId23"/>
+    <p:sldId id="283" r:id="rId24"/>
+    <p:sldId id="286" r:id="rId25"/>
+    <p:sldId id="287" r:id="rId26"/>
+    <p:sldId id="285" r:id="rId27"/>
+    <p:sldId id="309" r:id="rId28"/>
+    <p:sldId id="277" r:id="rId29"/>
   </p:sldIdLst>
   <p:sldSz cx="12192000" cy="6858000"/>
   <p:notesSz cx="6858000" cy="9144000"/>
@@ -156,6 +157,7 @@
         <p14:section name="BioLogic" id="{6387B55B-0105-4F7A-B420-2B9B76B403E5}">
           <p14:sldIdLst>
             <p14:sldId id="257"/>
+            <p14:sldId id="310"/>
           </p14:sldIdLst>
         </p14:section>
         <p14:section name="Contexte - Problématique" id="{5AC566ED-609A-405C-89A1-B54E689A3A87}">
@@ -204,7 +206,18 @@
       </p14:sectionLst>
     </p:ext>
     <p:ext uri="{EFAFB233-063F-42B5-8137-9DF3F51BA10A}">
-      <p15:sldGuideLst xmlns:p15="http://schemas.microsoft.com/office/powerpoint/2012/main"/>
+      <p15:sldGuideLst xmlns:p15="http://schemas.microsoft.com/office/powerpoint/2012/main">
+        <p15:guide id="1" orient="horz" pos="2160" userDrawn="1">
+          <p15:clr>
+            <a:srgbClr val="A4A3A4"/>
+          </p15:clr>
+        </p15:guide>
+        <p15:guide id="2" pos="3840" userDrawn="1">
+          <p15:clr>
+            <a:srgbClr val="A4A3A4"/>
+          </p15:clr>
+        </p15:guide>
+      </p15:sldGuideLst>
     </p:ext>
     <p:ext uri="{2D200454-40CA-4A62-9FC3-DE9A4176ACB9}">
       <p15:notesGuideLst xmlns:p15="http://schemas.microsoft.com/office/powerpoint/2012/main"/>
@@ -307,7 +320,7 @@
           <a:p>
             <a:fld id="{4591CB16-4673-4930-B6FC-25856395063D}" type="datetimeFigureOut">
               <a:rPr lang="en-US" smtClean="0"/>
-              <a:t>9/26/2022</a:t>
+              <a:t>9/27/2022</a:t>
             </a:fld>
             <a:endParaRPr lang="en-US"/>
           </a:p>
@@ -484,7 +497,7 @@
           <a:p>
             <a:fld id="{AE7EC601-48D3-4B8F-A8E3-6ABADF8AF347}" type="datetimeFigureOut">
               <a:rPr lang="en-US" smtClean="0"/>
-              <a:t>9/26/2022</a:t>
+              <a:t>9/27/2022</a:t>
             </a:fld>
             <a:endParaRPr lang="en-US"/>
           </a:p>
@@ -1692,7 +1705,7 @@
           <a:p>
             <a:fld id="{120FE46E-197A-4CBD-BA7D-B0097E0955D4}" type="datetime4">
               <a:rPr lang="fr-FR" smtClean="0"/>
-              <a:t>26 septembre 2022</a:t>
+              <a:t>27 septembre 2022</a:t>
             </a:fld>
             <a:endParaRPr lang="en-US" dirty="0"/>
           </a:p>
@@ -2260,7 +2273,7 @@
           <a:p>
             <a:fld id="{B10E64F7-29DD-4B19-9E5B-CDEF08E9AE8D}" type="datetime4">
               <a:rPr lang="fr-FR" smtClean="0"/>
-              <a:t>26 septembre 2022</a:t>
+              <a:t>27 septembre 2022</a:t>
             </a:fld>
             <a:endParaRPr lang="en-US" dirty="0"/>
           </a:p>
@@ -2643,7 +2656,7 @@
           <a:p>
             <a:fld id="{CB7FCD9B-B6EA-47DE-9D67-89DA1595B115}" type="datetime4">
               <a:rPr lang="fr-FR" smtClean="0"/>
-              <a:t>26 septembre 2022</a:t>
+              <a:t>27 septembre 2022</a:t>
             </a:fld>
             <a:endParaRPr lang="en-US" dirty="0"/>
           </a:p>
@@ -2828,7 +2841,7 @@
           <a:p>
             <a:fld id="{EA296415-DD52-4179-A752-ECDDB64AA4FE}" type="datetime4">
               <a:rPr lang="fr-FR" smtClean="0"/>
-              <a:t>26 septembre 2022</a:t>
+              <a:t>27 septembre 2022</a:t>
             </a:fld>
             <a:endParaRPr lang="en-US" dirty="0"/>
           </a:p>
@@ -2945,7 +2958,7 @@
           <a:p>
             <a:fld id="{68C0E5DC-579B-456C-9E78-94E877116598}" type="datetime4">
               <a:rPr lang="fr-FR" smtClean="0"/>
-              <a:t>26 septembre 2022</a:t>
+              <a:t>27 septembre 2022</a:t>
             </a:fld>
             <a:endParaRPr lang="en-US" dirty="0"/>
           </a:p>
@@ -3262,7 +3275,7 @@
           <a:p>
             <a:fld id="{8A967F75-F57F-47AC-BD2B-5AE3A9F2B9F8}" type="datetime4">
               <a:rPr lang="fr-FR" smtClean="0"/>
-              <a:t>26 septembre 2022</a:t>
+              <a:t>27 septembre 2022</a:t>
             </a:fld>
             <a:endParaRPr lang="en-US" dirty="0"/>
           </a:p>
@@ -3596,7 +3609,7 @@
           <a:p>
             <a:fld id="{6C0FE845-913A-47BF-806C-C514D8767152}" type="datetime4">
               <a:rPr lang="fr-FR" smtClean="0"/>
-              <a:t>26 septembre 2022</a:t>
+              <a:t>27 septembre 2022</a:t>
             </a:fld>
             <a:endParaRPr lang="en-US" dirty="0"/>
           </a:p>
@@ -3951,7 +3964,7 @@
           <a:p>
             <a:fld id="{E695EE16-81D1-45DB-834E-A0B0F632FF9B}" type="datetime4">
               <a:rPr lang="fr-FR" smtClean="0"/>
-              <a:t>26 septembre 2022</a:t>
+              <a:t>27 septembre 2022</a:t>
             </a:fld>
             <a:endParaRPr lang="en-US"/>
           </a:p>
@@ -4561,7 +4574,9 @@
         </p:nvSpPr>
         <p:spPr/>
         <p:txBody>
-          <a:bodyPr/>
+          <a:bodyPr>
+            <a:normAutofit fontScale="92500"/>
+          </a:bodyPr>
           <a:lstStyle/>
           <a:p>
             <a:r>
@@ -4589,13 +4604,15 @@
         </p:nvSpPr>
         <p:spPr/>
         <p:txBody>
-          <a:bodyPr/>
+          <a:bodyPr>
+            <a:normAutofit fontScale="85000" lnSpcReduction="10000"/>
+          </a:bodyPr>
           <a:lstStyle/>
           <a:p>
             <a:fld id="{3D38E89D-16A0-4C85-8400-9C86E1826DC0}" type="datetime4">
               <a:rPr lang="fr-FR" smtClean="0"/>
               <a:pPr/>
-              <a:t>26 septembre 2022</a:t>
+              <a:t>27 septembre 2022</a:t>
             </a:fld>
             <a:endParaRPr lang="en-US" dirty="0"/>
           </a:p>
@@ -4923,6 +4940,1228 @@
       </p:sp>
       <p:sp>
         <p:nvSpPr>
+          <p:cNvPr id="4" name="Espace réservé de la date 3">
+            <a:extLst>
+              <a:ext uri="{FF2B5EF4-FFF2-40B4-BE49-F238E27FC236}">
+                <a16:creationId xmlns:a16="http://schemas.microsoft.com/office/drawing/2014/main" id="{02495090-DEE2-495F-8F24-4A9D42B74D07}"/>
+              </a:ext>
+            </a:extLst>
+          </p:cNvPr>
+          <p:cNvSpPr>
+            <a:spLocks noGrp="1"/>
+          </p:cNvSpPr>
+          <p:nvPr>
+            <p:ph type="dt" sz="half" idx="10"/>
+          </p:nvPr>
+        </p:nvSpPr>
+        <p:spPr/>
+        <p:txBody>
+          <a:bodyPr/>
+          <a:lstStyle/>
+          <a:p>
+            <a:fld id="{3D38E89D-16A0-4C85-8400-9C86E1826DC0}" type="datetime4">
+              <a:rPr lang="fr-FR" smtClean="0"/>
+              <a:t>27 septembre 2022</a:t>
+            </a:fld>
+            <a:endParaRPr lang="en-US" dirty="0"/>
+          </a:p>
+        </p:txBody>
+      </p:sp>
+      <p:sp>
+        <p:nvSpPr>
+          <p:cNvPr id="5" name="Espace réservé du pied de page 4">
+            <a:extLst>
+              <a:ext uri="{FF2B5EF4-FFF2-40B4-BE49-F238E27FC236}">
+                <a16:creationId xmlns:a16="http://schemas.microsoft.com/office/drawing/2014/main" id="{4CB21D7D-907E-45C2-BBEA-0C8BE8185AEE}"/>
+              </a:ext>
+            </a:extLst>
+          </p:cNvPr>
+          <p:cNvSpPr>
+            <a:spLocks noGrp="1"/>
+          </p:cNvSpPr>
+          <p:nvPr>
+            <p:ph type="ftr" sz="quarter" idx="11"/>
+          </p:nvPr>
+        </p:nvSpPr>
+        <p:spPr/>
+        <p:txBody>
+          <a:bodyPr/>
+          <a:lstStyle/>
+          <a:p>
+            <a:endParaRPr lang="en-US" dirty="0"/>
+          </a:p>
+        </p:txBody>
+      </p:sp>
+      <p:sp>
+        <p:nvSpPr>
+          <p:cNvPr id="6" name="Espace réservé du numéro de diapositive 5">
+            <a:extLst>
+              <a:ext uri="{FF2B5EF4-FFF2-40B4-BE49-F238E27FC236}">
+                <a16:creationId xmlns:a16="http://schemas.microsoft.com/office/drawing/2014/main" id="{F95226C0-CE23-4F80-B746-EC07610468B2}"/>
+              </a:ext>
+            </a:extLst>
+          </p:cNvPr>
+          <p:cNvSpPr>
+            <a:spLocks noGrp="1"/>
+          </p:cNvSpPr>
+          <p:nvPr>
+            <p:ph type="sldNum" sz="quarter" idx="12"/>
+          </p:nvPr>
+        </p:nvSpPr>
+        <p:spPr/>
+        <p:txBody>
+          <a:bodyPr/>
+          <a:lstStyle/>
+          <a:p>
+            <a:fld id="{CB7920DE-DA26-4201-A337-FC43B769B7CA}" type="slidenum">
+              <a:rPr lang="en-US" smtClean="0"/>
+              <a:t>10</a:t>
+            </a:fld>
+            <a:endParaRPr lang="en-US"/>
+          </a:p>
+        </p:txBody>
+      </p:sp>
+      <p:sp>
+        <p:nvSpPr>
+          <p:cNvPr id="28" name="Espace réservé du contenu 2">
+            <a:extLst>
+              <a:ext uri="{FF2B5EF4-FFF2-40B4-BE49-F238E27FC236}">
+                <a16:creationId xmlns:a16="http://schemas.microsoft.com/office/drawing/2014/main" id="{726E8AB0-21A3-48EA-AF6E-1CF4457620E2}"/>
+              </a:ext>
+            </a:extLst>
+          </p:cNvPr>
+          <p:cNvSpPr txBox="1">
+            <a:spLocks/>
+          </p:cNvSpPr>
+          <p:nvPr/>
+        </p:nvSpPr>
+        <p:spPr>
+          <a:xfrm>
+            <a:off x="1151999" y="1367999"/>
+            <a:ext cx="10512000" cy="3232575"/>
+          </a:xfrm>
+          <a:prstGeom prst="rect">
+            <a:avLst/>
+          </a:prstGeom>
+        </p:spPr>
+        <p:txBody>
+          <a:bodyPr vert="horz" lIns="91440" tIns="45720" rIns="91440" bIns="45720" rtlCol="0">
+            <a:normAutofit/>
+          </a:bodyPr>
+          <a:lstStyle>
+            <a:lvl1pPr marL="263525" indent="-263525" algn="l" defTabSz="914400" rtl="0" eaLnBrk="1" latinLnBrk="0" hangingPunct="1">
+              <a:lnSpc>
+                <a:spcPct val="90000"/>
+              </a:lnSpc>
+              <a:spcBef>
+                <a:spcPts val="1000"/>
+              </a:spcBef>
+              <a:buClr>
+                <a:schemeClr val="accent4"/>
+              </a:buClr>
+              <a:buFont typeface="Wingdings" panose="05000000000000000000" pitchFamily="2" charset="2"/>
+              <a:buChar char="§"/>
+              <a:defRPr sz="2800" kern="1200">
+                <a:solidFill>
+                  <a:schemeClr val="tx1"/>
+                </a:solidFill>
+                <a:latin typeface="Gilroy" panose="00000500000000000000" pitchFamily="50" charset="0"/>
+                <a:ea typeface="+mn-ea"/>
+                <a:cs typeface="+mn-cs"/>
+              </a:defRPr>
+            </a:lvl1pPr>
+            <a:lvl2pPr marL="803275" indent="-265113" algn="l" defTabSz="914400" rtl="0" eaLnBrk="1" latinLnBrk="0" hangingPunct="1">
+              <a:lnSpc>
+                <a:spcPct val="90000"/>
+              </a:lnSpc>
+              <a:spcBef>
+                <a:spcPts val="500"/>
+              </a:spcBef>
+              <a:buClr>
+                <a:schemeClr val="accent1"/>
+              </a:buClr>
+              <a:buFont typeface="Wingdings" panose="05000000000000000000" pitchFamily="2" charset="2"/>
+              <a:buChar char="§"/>
+              <a:defRPr sz="2400" kern="1200">
+                <a:solidFill>
+                  <a:schemeClr val="tx1"/>
+                </a:solidFill>
+                <a:latin typeface="Gilroy" panose="00000500000000000000" pitchFamily="50" charset="0"/>
+                <a:ea typeface="+mn-ea"/>
+                <a:cs typeface="+mn-cs"/>
+              </a:defRPr>
+            </a:lvl2pPr>
+            <a:lvl3pPr marL="1076325" indent="-265113" algn="l" defTabSz="914400" rtl="0" eaLnBrk="1" latinLnBrk="0" hangingPunct="1">
+              <a:lnSpc>
+                <a:spcPct val="90000"/>
+              </a:lnSpc>
+              <a:spcBef>
+                <a:spcPts val="500"/>
+              </a:spcBef>
+              <a:buClr>
+                <a:schemeClr val="tx2"/>
+              </a:buClr>
+              <a:buFont typeface="Wingdings" panose="05000000000000000000" pitchFamily="2" charset="2"/>
+              <a:buChar char="§"/>
+              <a:defRPr sz="2000" kern="1200">
+                <a:solidFill>
+                  <a:schemeClr val="tx1"/>
+                </a:solidFill>
+                <a:latin typeface="Gilroy" panose="00000500000000000000" pitchFamily="50" charset="0"/>
+                <a:ea typeface="+mn-ea"/>
+                <a:cs typeface="+mn-cs"/>
+              </a:defRPr>
+            </a:lvl3pPr>
+            <a:lvl4pPr marL="1341438" indent="-273050" algn="l" defTabSz="914400" rtl="0" eaLnBrk="1" latinLnBrk="0" hangingPunct="1">
+              <a:lnSpc>
+                <a:spcPct val="90000"/>
+              </a:lnSpc>
+              <a:spcBef>
+                <a:spcPts val="500"/>
+              </a:spcBef>
+              <a:buFont typeface="Wingdings" panose="05000000000000000000" pitchFamily="2" charset="2"/>
+              <a:buChar char="§"/>
+              <a:defRPr sz="1800" kern="1200">
+                <a:solidFill>
+                  <a:schemeClr val="tx1"/>
+                </a:solidFill>
+                <a:latin typeface="Gilroy" panose="00000500000000000000" pitchFamily="50" charset="0"/>
+                <a:ea typeface="+mn-ea"/>
+                <a:cs typeface="+mn-cs"/>
+              </a:defRPr>
+            </a:lvl4pPr>
+            <a:lvl5pPr marL="2057400" indent="-228600" algn="l" defTabSz="914400" rtl="0" eaLnBrk="1" latinLnBrk="0" hangingPunct="1">
+              <a:lnSpc>
+                <a:spcPct val="90000"/>
+              </a:lnSpc>
+              <a:spcBef>
+                <a:spcPts val="500"/>
+              </a:spcBef>
+              <a:buFont typeface="Arial" panose="020B0604020202020204" pitchFamily="34" charset="0"/>
+              <a:buChar char="•"/>
+              <a:defRPr sz="1800" kern="1200">
+                <a:solidFill>
+                  <a:schemeClr val="tx1"/>
+                </a:solidFill>
+                <a:latin typeface="Gilroy" panose="00000500000000000000" pitchFamily="50" charset="0"/>
+                <a:ea typeface="+mn-ea"/>
+                <a:cs typeface="+mn-cs"/>
+              </a:defRPr>
+            </a:lvl5pPr>
+            <a:lvl6pPr marL="2514600" indent="-228600" algn="l" defTabSz="914400" rtl="0" eaLnBrk="1" latinLnBrk="0" hangingPunct="1">
+              <a:lnSpc>
+                <a:spcPct val="90000"/>
+              </a:lnSpc>
+              <a:spcBef>
+                <a:spcPts val="500"/>
+              </a:spcBef>
+              <a:buFont typeface="Arial" panose="020B0604020202020204" pitchFamily="34" charset="0"/>
+              <a:buChar char="•"/>
+              <a:defRPr sz="1800" kern="1200">
+                <a:solidFill>
+                  <a:schemeClr val="tx1"/>
+                </a:solidFill>
+                <a:latin typeface="+mn-lt"/>
+                <a:ea typeface="+mn-ea"/>
+                <a:cs typeface="+mn-cs"/>
+              </a:defRPr>
+            </a:lvl6pPr>
+            <a:lvl7pPr marL="2971800" indent="-228600" algn="l" defTabSz="914400" rtl="0" eaLnBrk="1" latinLnBrk="0" hangingPunct="1">
+              <a:lnSpc>
+                <a:spcPct val="90000"/>
+              </a:lnSpc>
+              <a:spcBef>
+                <a:spcPts val="500"/>
+              </a:spcBef>
+              <a:buFont typeface="Arial" panose="020B0604020202020204" pitchFamily="34" charset="0"/>
+              <a:buChar char="•"/>
+              <a:defRPr sz="1800" kern="1200">
+                <a:solidFill>
+                  <a:schemeClr val="tx1"/>
+                </a:solidFill>
+                <a:latin typeface="+mn-lt"/>
+                <a:ea typeface="+mn-ea"/>
+                <a:cs typeface="+mn-cs"/>
+              </a:defRPr>
+            </a:lvl7pPr>
+            <a:lvl8pPr marL="3429000" indent="-228600" algn="l" defTabSz="914400" rtl="0" eaLnBrk="1" latinLnBrk="0" hangingPunct="1">
+              <a:lnSpc>
+                <a:spcPct val="90000"/>
+              </a:lnSpc>
+              <a:spcBef>
+                <a:spcPts val="500"/>
+              </a:spcBef>
+              <a:buFont typeface="Arial" panose="020B0604020202020204" pitchFamily="34" charset="0"/>
+              <a:buChar char="•"/>
+              <a:defRPr sz="1800" kern="1200">
+                <a:solidFill>
+                  <a:schemeClr val="tx1"/>
+                </a:solidFill>
+                <a:latin typeface="+mn-lt"/>
+                <a:ea typeface="+mn-ea"/>
+                <a:cs typeface="+mn-cs"/>
+              </a:defRPr>
+            </a:lvl8pPr>
+            <a:lvl9pPr marL="3886200" indent="-228600" algn="l" defTabSz="914400" rtl="0" eaLnBrk="1" latinLnBrk="0" hangingPunct="1">
+              <a:lnSpc>
+                <a:spcPct val="90000"/>
+              </a:lnSpc>
+              <a:spcBef>
+                <a:spcPts val="500"/>
+              </a:spcBef>
+              <a:buFont typeface="Arial" panose="020B0604020202020204" pitchFamily="34" charset="0"/>
+              <a:buChar char="•"/>
+              <a:defRPr sz="1800" kern="1200">
+                <a:solidFill>
+                  <a:schemeClr val="tx1"/>
+                </a:solidFill>
+                <a:latin typeface="+mn-lt"/>
+                <a:ea typeface="+mn-ea"/>
+                <a:cs typeface="+mn-cs"/>
+              </a:defRPr>
+            </a:lvl9pPr>
+          </a:lstStyle>
+          <a:p>
+            <a:r>
+              <a:rPr lang="fr-FR" dirty="0"/>
+              <a:t>Heureusement, j’ai mon collègue en face qui m’a dit :</a:t>
+            </a:r>
+          </a:p>
+          <a:p>
+            <a:pPr marL="0" indent="0" algn="ctr">
+              <a:buNone/>
+            </a:pPr>
+            <a:r>
+              <a:rPr lang="fr-FR" sz="4000" b="1" dirty="0"/>
+              <a:t>« C facile, je C faire ! »</a:t>
+            </a:r>
+          </a:p>
+          <a:p>
+            <a:endParaRPr lang="fr-FR" dirty="0"/>
+          </a:p>
+        </p:txBody>
+      </p:sp>
+      <p:grpSp>
+        <p:nvGrpSpPr>
+          <p:cNvPr id="29" name="Groupe 28">
+            <a:extLst>
+              <a:ext uri="{FF2B5EF4-FFF2-40B4-BE49-F238E27FC236}">
+                <a16:creationId xmlns:a16="http://schemas.microsoft.com/office/drawing/2014/main" id="{61ADFB60-C035-48C5-8292-E79BFC21C359}"/>
+              </a:ext>
+            </a:extLst>
+          </p:cNvPr>
+          <p:cNvGrpSpPr/>
+          <p:nvPr/>
+        </p:nvGrpSpPr>
+        <p:grpSpPr>
+          <a:xfrm>
+            <a:off x="5238572" y="4087208"/>
+            <a:ext cx="1780910" cy="2201540"/>
+            <a:chOff x="9582150" y="3657600"/>
+            <a:chExt cx="2276475" cy="2708340"/>
+          </a:xfrm>
+        </p:grpSpPr>
+        <p:sp>
+          <p:nvSpPr>
+            <p:cNvPr id="30" name="Rectangle 29">
+              <a:extLst>
+                <a:ext uri="{FF2B5EF4-FFF2-40B4-BE49-F238E27FC236}">
+                  <a16:creationId xmlns:a16="http://schemas.microsoft.com/office/drawing/2014/main" id="{7ED8ECF6-1F40-4A16-ACBD-AF3CE25CD873}"/>
+                </a:ext>
+              </a:extLst>
+            </p:cNvPr>
+            <p:cNvSpPr/>
+            <p:nvPr/>
+          </p:nvSpPr>
+          <p:spPr>
+            <a:xfrm>
+              <a:off x="9582150" y="3657600"/>
+              <a:ext cx="2276475" cy="2708340"/>
+            </a:xfrm>
+            <a:prstGeom prst="rect">
+              <a:avLst/>
+            </a:prstGeom>
+            <a:noFill/>
+            <a:ln>
+              <a:solidFill>
+                <a:srgbClr val="FF7854"/>
+              </a:solidFill>
+            </a:ln>
+          </p:spPr>
+          <p:style>
+            <a:lnRef idx="2">
+              <a:schemeClr val="accent1">
+                <a:shade val="50000"/>
+              </a:schemeClr>
+            </a:lnRef>
+            <a:fillRef idx="1">
+              <a:schemeClr val="accent1"/>
+            </a:fillRef>
+            <a:effectRef idx="0">
+              <a:schemeClr val="accent1"/>
+            </a:effectRef>
+            <a:fontRef idx="minor">
+              <a:schemeClr val="lt1"/>
+            </a:fontRef>
+          </p:style>
+          <p:txBody>
+            <a:bodyPr rtlCol="0" anchor="ctr"/>
+            <a:lstStyle/>
+            <a:p>
+              <a:pPr algn="ctr"/>
+              <a:endParaRPr lang="fr-FR"/>
+            </a:p>
+          </p:txBody>
+        </p:sp>
+        <p:sp>
+          <p:nvSpPr>
+            <p:cNvPr id="31" name="Rectangle 30">
+              <a:extLst>
+                <a:ext uri="{FF2B5EF4-FFF2-40B4-BE49-F238E27FC236}">
+                  <a16:creationId xmlns:a16="http://schemas.microsoft.com/office/drawing/2014/main" id="{ACEC7850-72D6-4B0B-8F1B-B0D6CC0D8409}"/>
+                </a:ext>
+              </a:extLst>
+            </p:cNvPr>
+            <p:cNvSpPr/>
+            <p:nvPr/>
+          </p:nvSpPr>
+          <p:spPr>
+            <a:xfrm>
+              <a:off x="9753600" y="3829050"/>
+              <a:ext cx="771525" cy="114300"/>
+            </a:xfrm>
+            <a:prstGeom prst="rect">
+              <a:avLst/>
+            </a:prstGeom>
+            <a:solidFill>
+              <a:srgbClr val="FF7854"/>
+            </a:solidFill>
+            <a:ln>
+              <a:solidFill>
+                <a:srgbClr val="FF7854"/>
+              </a:solidFill>
+            </a:ln>
+          </p:spPr>
+          <p:style>
+            <a:lnRef idx="2">
+              <a:schemeClr val="accent2">
+                <a:shade val="50000"/>
+              </a:schemeClr>
+            </a:lnRef>
+            <a:fillRef idx="1">
+              <a:schemeClr val="accent2"/>
+            </a:fillRef>
+            <a:effectRef idx="0">
+              <a:schemeClr val="accent2"/>
+            </a:effectRef>
+            <a:fontRef idx="minor">
+              <a:schemeClr val="lt1"/>
+            </a:fontRef>
+          </p:style>
+          <p:txBody>
+            <a:bodyPr rtlCol="0" anchor="ctr"/>
+            <a:lstStyle/>
+            <a:p>
+              <a:pPr algn="ctr"/>
+              <a:endParaRPr lang="fr-FR"/>
+            </a:p>
+          </p:txBody>
+        </p:sp>
+        <p:sp>
+          <p:nvSpPr>
+            <p:cNvPr id="32" name="Rectangle 31">
+              <a:extLst>
+                <a:ext uri="{FF2B5EF4-FFF2-40B4-BE49-F238E27FC236}">
+                  <a16:creationId xmlns:a16="http://schemas.microsoft.com/office/drawing/2014/main" id="{A3F52402-14A8-4391-BA8F-F725339C1AE8}"/>
+                </a:ext>
+              </a:extLst>
+            </p:cNvPr>
+            <p:cNvSpPr/>
+            <p:nvPr/>
+          </p:nvSpPr>
+          <p:spPr>
+            <a:xfrm>
+              <a:off x="10067925" y="4100512"/>
+              <a:ext cx="326231" cy="114300"/>
+            </a:xfrm>
+            <a:prstGeom prst="rect">
+              <a:avLst/>
+            </a:prstGeom>
+            <a:solidFill>
+              <a:srgbClr val="FF7854"/>
+            </a:solidFill>
+            <a:ln>
+              <a:solidFill>
+                <a:srgbClr val="FF7854"/>
+              </a:solidFill>
+            </a:ln>
+          </p:spPr>
+          <p:style>
+            <a:lnRef idx="2">
+              <a:schemeClr val="accent2">
+                <a:shade val="50000"/>
+              </a:schemeClr>
+            </a:lnRef>
+            <a:fillRef idx="1">
+              <a:schemeClr val="accent2"/>
+            </a:fillRef>
+            <a:effectRef idx="0">
+              <a:schemeClr val="accent2"/>
+            </a:effectRef>
+            <a:fontRef idx="minor">
+              <a:schemeClr val="lt1"/>
+            </a:fontRef>
+          </p:style>
+          <p:txBody>
+            <a:bodyPr rtlCol="0" anchor="ctr"/>
+            <a:lstStyle/>
+            <a:p>
+              <a:pPr algn="ctr"/>
+              <a:endParaRPr lang="fr-FR"/>
+            </a:p>
+          </p:txBody>
+        </p:sp>
+        <p:sp>
+          <p:nvSpPr>
+            <p:cNvPr id="33" name="Rectangle 32">
+              <a:extLst>
+                <a:ext uri="{FF2B5EF4-FFF2-40B4-BE49-F238E27FC236}">
+                  <a16:creationId xmlns:a16="http://schemas.microsoft.com/office/drawing/2014/main" id="{1EC53332-7994-4D4A-851E-FACA1DBE9525}"/>
+                </a:ext>
+              </a:extLst>
+            </p:cNvPr>
+            <p:cNvSpPr/>
+            <p:nvPr/>
+          </p:nvSpPr>
+          <p:spPr>
+            <a:xfrm>
+              <a:off x="10301129" y="4322303"/>
+              <a:ext cx="481171" cy="114300"/>
+            </a:xfrm>
+            <a:prstGeom prst="rect">
+              <a:avLst/>
+            </a:prstGeom>
+            <a:solidFill>
+              <a:srgbClr val="FF7854"/>
+            </a:solidFill>
+            <a:ln>
+              <a:solidFill>
+                <a:srgbClr val="FF7854"/>
+              </a:solidFill>
+            </a:ln>
+          </p:spPr>
+          <p:style>
+            <a:lnRef idx="2">
+              <a:schemeClr val="accent2">
+                <a:shade val="50000"/>
+              </a:schemeClr>
+            </a:lnRef>
+            <a:fillRef idx="1">
+              <a:schemeClr val="accent2"/>
+            </a:fillRef>
+            <a:effectRef idx="0">
+              <a:schemeClr val="accent2"/>
+            </a:effectRef>
+            <a:fontRef idx="minor">
+              <a:schemeClr val="lt1"/>
+            </a:fontRef>
+          </p:style>
+          <p:txBody>
+            <a:bodyPr rtlCol="0" anchor="ctr"/>
+            <a:lstStyle/>
+            <a:p>
+              <a:pPr algn="ctr"/>
+              <a:endParaRPr lang="fr-FR"/>
+            </a:p>
+          </p:txBody>
+        </p:sp>
+        <p:sp>
+          <p:nvSpPr>
+            <p:cNvPr id="34" name="Rectangle 33">
+              <a:extLst>
+                <a:ext uri="{FF2B5EF4-FFF2-40B4-BE49-F238E27FC236}">
+                  <a16:creationId xmlns:a16="http://schemas.microsoft.com/office/drawing/2014/main" id="{45EA8EA2-6F74-4BDA-A4F6-54C5AAF9A5BA}"/>
+                </a:ext>
+              </a:extLst>
+            </p:cNvPr>
+            <p:cNvSpPr/>
+            <p:nvPr/>
+          </p:nvSpPr>
+          <p:spPr>
+            <a:xfrm>
+              <a:off x="10928509" y="4322303"/>
+              <a:ext cx="481171" cy="114300"/>
+            </a:xfrm>
+            <a:prstGeom prst="rect">
+              <a:avLst/>
+            </a:prstGeom>
+            <a:solidFill>
+              <a:srgbClr val="FF7854"/>
+            </a:solidFill>
+            <a:ln>
+              <a:solidFill>
+                <a:srgbClr val="FF7854"/>
+              </a:solidFill>
+            </a:ln>
+          </p:spPr>
+          <p:style>
+            <a:lnRef idx="2">
+              <a:schemeClr val="accent2">
+                <a:shade val="50000"/>
+              </a:schemeClr>
+            </a:lnRef>
+            <a:fillRef idx="1">
+              <a:schemeClr val="accent2"/>
+            </a:fillRef>
+            <a:effectRef idx="0">
+              <a:schemeClr val="accent2"/>
+            </a:effectRef>
+            <a:fontRef idx="minor">
+              <a:schemeClr val="lt1"/>
+            </a:fontRef>
+          </p:style>
+          <p:txBody>
+            <a:bodyPr rtlCol="0" anchor="ctr"/>
+            <a:lstStyle/>
+            <a:p>
+              <a:pPr algn="ctr"/>
+              <a:endParaRPr lang="fr-FR"/>
+            </a:p>
+          </p:txBody>
+        </p:sp>
+        <p:sp>
+          <p:nvSpPr>
+            <p:cNvPr id="35" name="Rectangle 34">
+              <a:extLst>
+                <a:ext uri="{FF2B5EF4-FFF2-40B4-BE49-F238E27FC236}">
+                  <a16:creationId xmlns:a16="http://schemas.microsoft.com/office/drawing/2014/main" id="{BFB0C220-556A-44D7-907D-01B59BCA13EE}"/>
+                </a:ext>
+              </a:extLst>
+            </p:cNvPr>
+            <p:cNvSpPr/>
+            <p:nvPr/>
+          </p:nvSpPr>
+          <p:spPr>
+            <a:xfrm>
+              <a:off x="10301129" y="4563364"/>
+              <a:ext cx="1326515" cy="114300"/>
+            </a:xfrm>
+            <a:prstGeom prst="rect">
+              <a:avLst/>
+            </a:prstGeom>
+            <a:solidFill>
+              <a:srgbClr val="FF7854"/>
+            </a:solidFill>
+            <a:ln>
+              <a:solidFill>
+                <a:srgbClr val="FF7854"/>
+              </a:solidFill>
+            </a:ln>
+          </p:spPr>
+          <p:style>
+            <a:lnRef idx="2">
+              <a:schemeClr val="accent2">
+                <a:shade val="50000"/>
+              </a:schemeClr>
+            </a:lnRef>
+            <a:fillRef idx="1">
+              <a:schemeClr val="accent2"/>
+            </a:fillRef>
+            <a:effectRef idx="0">
+              <a:schemeClr val="accent2"/>
+            </a:effectRef>
+            <a:fontRef idx="minor">
+              <a:schemeClr val="lt1"/>
+            </a:fontRef>
+          </p:style>
+          <p:txBody>
+            <a:bodyPr rtlCol="0" anchor="ctr"/>
+            <a:lstStyle/>
+            <a:p>
+              <a:pPr algn="ctr"/>
+              <a:endParaRPr lang="fr-FR"/>
+            </a:p>
+          </p:txBody>
+        </p:sp>
+        <p:sp>
+          <p:nvSpPr>
+            <p:cNvPr id="36" name="Rectangle 35">
+              <a:extLst>
+                <a:ext uri="{FF2B5EF4-FFF2-40B4-BE49-F238E27FC236}">
+                  <a16:creationId xmlns:a16="http://schemas.microsoft.com/office/drawing/2014/main" id="{D9F5FA9F-9761-4F3B-B1A3-622F1B5530AE}"/>
+                </a:ext>
+              </a:extLst>
+            </p:cNvPr>
+            <p:cNvSpPr/>
+            <p:nvPr/>
+          </p:nvSpPr>
+          <p:spPr>
+            <a:xfrm>
+              <a:off x="10301128" y="4791964"/>
+              <a:ext cx="814547" cy="114300"/>
+            </a:xfrm>
+            <a:prstGeom prst="rect">
+              <a:avLst/>
+            </a:prstGeom>
+            <a:solidFill>
+              <a:srgbClr val="FF7854"/>
+            </a:solidFill>
+            <a:ln>
+              <a:solidFill>
+                <a:srgbClr val="FF7854"/>
+              </a:solidFill>
+            </a:ln>
+          </p:spPr>
+          <p:style>
+            <a:lnRef idx="2">
+              <a:schemeClr val="accent2">
+                <a:shade val="50000"/>
+              </a:schemeClr>
+            </a:lnRef>
+            <a:fillRef idx="1">
+              <a:schemeClr val="accent2"/>
+            </a:fillRef>
+            <a:effectRef idx="0">
+              <a:schemeClr val="accent2"/>
+            </a:effectRef>
+            <a:fontRef idx="minor">
+              <a:schemeClr val="lt1"/>
+            </a:fontRef>
+          </p:style>
+          <p:txBody>
+            <a:bodyPr rtlCol="0" anchor="ctr"/>
+            <a:lstStyle/>
+            <a:p>
+              <a:pPr algn="ctr"/>
+              <a:endParaRPr lang="fr-FR"/>
+            </a:p>
+          </p:txBody>
+        </p:sp>
+        <p:sp>
+          <p:nvSpPr>
+            <p:cNvPr id="37" name="Rectangle 36">
+              <a:extLst>
+                <a:ext uri="{FF2B5EF4-FFF2-40B4-BE49-F238E27FC236}">
+                  <a16:creationId xmlns:a16="http://schemas.microsoft.com/office/drawing/2014/main" id="{A0F64F7F-52EF-4E34-9B02-24F00E0AC355}"/>
+                </a:ext>
+              </a:extLst>
+            </p:cNvPr>
+            <p:cNvSpPr/>
+            <p:nvPr/>
+          </p:nvSpPr>
+          <p:spPr>
+            <a:xfrm>
+              <a:off x="11204377" y="4791964"/>
+              <a:ext cx="205304" cy="114300"/>
+            </a:xfrm>
+            <a:prstGeom prst="rect">
+              <a:avLst/>
+            </a:prstGeom>
+            <a:solidFill>
+              <a:srgbClr val="FF7854"/>
+            </a:solidFill>
+            <a:ln>
+              <a:solidFill>
+                <a:srgbClr val="FF7854"/>
+              </a:solidFill>
+            </a:ln>
+          </p:spPr>
+          <p:style>
+            <a:lnRef idx="2">
+              <a:schemeClr val="accent2">
+                <a:shade val="50000"/>
+              </a:schemeClr>
+            </a:lnRef>
+            <a:fillRef idx="1">
+              <a:schemeClr val="accent2"/>
+            </a:fillRef>
+            <a:effectRef idx="0">
+              <a:schemeClr val="accent2"/>
+            </a:effectRef>
+            <a:fontRef idx="minor">
+              <a:schemeClr val="lt1"/>
+            </a:fontRef>
+          </p:style>
+          <p:txBody>
+            <a:bodyPr rtlCol="0" anchor="ctr"/>
+            <a:lstStyle/>
+            <a:p>
+              <a:pPr algn="ctr"/>
+              <a:endParaRPr lang="fr-FR"/>
+            </a:p>
+          </p:txBody>
+        </p:sp>
+        <p:sp>
+          <p:nvSpPr>
+            <p:cNvPr id="38" name="Rectangle 37">
+              <a:extLst>
+                <a:ext uri="{FF2B5EF4-FFF2-40B4-BE49-F238E27FC236}">
+                  <a16:creationId xmlns:a16="http://schemas.microsoft.com/office/drawing/2014/main" id="{6D6930CB-DE8F-4E01-A81D-6591A1EF9625}"/>
+                </a:ext>
+              </a:extLst>
+            </p:cNvPr>
+            <p:cNvSpPr/>
+            <p:nvPr/>
+          </p:nvSpPr>
+          <p:spPr>
+            <a:xfrm>
+              <a:off x="10067925" y="5006276"/>
+              <a:ext cx="481171" cy="114300"/>
+            </a:xfrm>
+            <a:prstGeom prst="rect">
+              <a:avLst/>
+            </a:prstGeom>
+            <a:solidFill>
+              <a:srgbClr val="FF7854"/>
+            </a:solidFill>
+            <a:ln>
+              <a:solidFill>
+                <a:srgbClr val="FF7854"/>
+              </a:solidFill>
+            </a:ln>
+          </p:spPr>
+          <p:style>
+            <a:lnRef idx="2">
+              <a:schemeClr val="accent2">
+                <a:shade val="50000"/>
+              </a:schemeClr>
+            </a:lnRef>
+            <a:fillRef idx="1">
+              <a:schemeClr val="accent2"/>
+            </a:fillRef>
+            <a:effectRef idx="0">
+              <a:schemeClr val="accent2"/>
+            </a:effectRef>
+            <a:fontRef idx="minor">
+              <a:schemeClr val="lt1"/>
+            </a:fontRef>
+          </p:style>
+          <p:txBody>
+            <a:bodyPr rtlCol="0" anchor="ctr"/>
+            <a:lstStyle/>
+            <a:p>
+              <a:pPr algn="ctr"/>
+              <a:endParaRPr lang="fr-FR"/>
+            </a:p>
+          </p:txBody>
+        </p:sp>
+        <p:sp>
+          <p:nvSpPr>
+            <p:cNvPr id="39" name="Rectangle 38">
+              <a:extLst>
+                <a:ext uri="{FF2B5EF4-FFF2-40B4-BE49-F238E27FC236}">
+                  <a16:creationId xmlns:a16="http://schemas.microsoft.com/office/drawing/2014/main" id="{C05081E0-2224-4283-B9AE-F720370B4BA4}"/>
+                </a:ext>
+              </a:extLst>
+            </p:cNvPr>
+            <p:cNvSpPr/>
+            <p:nvPr/>
+          </p:nvSpPr>
+          <p:spPr>
+            <a:xfrm>
+              <a:off x="10060542" y="5228067"/>
+              <a:ext cx="778908" cy="114300"/>
+            </a:xfrm>
+            <a:prstGeom prst="rect">
+              <a:avLst/>
+            </a:prstGeom>
+            <a:solidFill>
+              <a:srgbClr val="FF7854"/>
+            </a:solidFill>
+            <a:ln>
+              <a:solidFill>
+                <a:srgbClr val="FF7854"/>
+              </a:solidFill>
+            </a:ln>
+          </p:spPr>
+          <p:style>
+            <a:lnRef idx="2">
+              <a:schemeClr val="accent2">
+                <a:shade val="50000"/>
+              </a:schemeClr>
+            </a:lnRef>
+            <a:fillRef idx="1">
+              <a:schemeClr val="accent2"/>
+            </a:fillRef>
+            <a:effectRef idx="0">
+              <a:schemeClr val="accent2"/>
+            </a:effectRef>
+            <a:fontRef idx="minor">
+              <a:schemeClr val="lt1"/>
+            </a:fontRef>
+          </p:style>
+          <p:txBody>
+            <a:bodyPr rtlCol="0" anchor="ctr"/>
+            <a:lstStyle/>
+            <a:p>
+              <a:pPr algn="ctr"/>
+              <a:endParaRPr lang="fr-FR"/>
+            </a:p>
+          </p:txBody>
+        </p:sp>
+        <p:sp>
+          <p:nvSpPr>
+            <p:cNvPr id="40" name="Rectangle 39">
+              <a:extLst>
+                <a:ext uri="{FF2B5EF4-FFF2-40B4-BE49-F238E27FC236}">
+                  <a16:creationId xmlns:a16="http://schemas.microsoft.com/office/drawing/2014/main" id="{410C426D-2769-44C1-A439-4DF8B13DA68E}"/>
+                </a:ext>
+              </a:extLst>
+            </p:cNvPr>
+            <p:cNvSpPr/>
+            <p:nvPr/>
+          </p:nvSpPr>
+          <p:spPr>
+            <a:xfrm>
+              <a:off x="9750979" y="5526278"/>
+              <a:ext cx="778908" cy="114300"/>
+            </a:xfrm>
+            <a:prstGeom prst="rect">
+              <a:avLst/>
+            </a:prstGeom>
+            <a:solidFill>
+              <a:srgbClr val="FF7854"/>
+            </a:solidFill>
+            <a:ln>
+              <a:solidFill>
+                <a:srgbClr val="FF7854"/>
+              </a:solidFill>
+            </a:ln>
+          </p:spPr>
+          <p:style>
+            <a:lnRef idx="2">
+              <a:schemeClr val="accent2">
+                <a:shade val="50000"/>
+              </a:schemeClr>
+            </a:lnRef>
+            <a:fillRef idx="1">
+              <a:schemeClr val="accent2"/>
+            </a:fillRef>
+            <a:effectRef idx="0">
+              <a:schemeClr val="accent2"/>
+            </a:effectRef>
+            <a:fontRef idx="minor">
+              <a:schemeClr val="lt1"/>
+            </a:fontRef>
+          </p:style>
+          <p:txBody>
+            <a:bodyPr rtlCol="0" anchor="ctr"/>
+            <a:lstStyle/>
+            <a:p>
+              <a:pPr algn="ctr"/>
+              <a:endParaRPr lang="fr-FR"/>
+            </a:p>
+          </p:txBody>
+        </p:sp>
+        <p:sp>
+          <p:nvSpPr>
+            <p:cNvPr id="41" name="Rectangle 40">
+              <a:extLst>
+                <a:ext uri="{FF2B5EF4-FFF2-40B4-BE49-F238E27FC236}">
+                  <a16:creationId xmlns:a16="http://schemas.microsoft.com/office/drawing/2014/main" id="{6E581320-931C-4B87-BC65-707527BA09E8}"/>
+                </a:ext>
+              </a:extLst>
+            </p:cNvPr>
+            <p:cNvSpPr/>
+            <p:nvPr/>
+          </p:nvSpPr>
+          <p:spPr>
+            <a:xfrm>
+              <a:off x="9746217" y="5797003"/>
+              <a:ext cx="778908" cy="114300"/>
+            </a:xfrm>
+            <a:prstGeom prst="rect">
+              <a:avLst/>
+            </a:prstGeom>
+            <a:solidFill>
+              <a:srgbClr val="FF7854"/>
+            </a:solidFill>
+            <a:ln>
+              <a:solidFill>
+                <a:srgbClr val="FF7854"/>
+              </a:solidFill>
+            </a:ln>
+          </p:spPr>
+          <p:style>
+            <a:lnRef idx="2">
+              <a:schemeClr val="accent2">
+                <a:shade val="50000"/>
+              </a:schemeClr>
+            </a:lnRef>
+            <a:fillRef idx="1">
+              <a:schemeClr val="accent2"/>
+            </a:fillRef>
+            <a:effectRef idx="0">
+              <a:schemeClr val="accent2"/>
+            </a:effectRef>
+            <a:fontRef idx="minor">
+              <a:schemeClr val="lt1"/>
+            </a:fontRef>
+          </p:style>
+          <p:txBody>
+            <a:bodyPr rtlCol="0" anchor="ctr"/>
+            <a:lstStyle/>
+            <a:p>
+              <a:pPr algn="ctr"/>
+              <a:endParaRPr lang="fr-FR"/>
+            </a:p>
+          </p:txBody>
+        </p:sp>
+        <p:sp>
+          <p:nvSpPr>
+            <p:cNvPr id="42" name="ZoneTexte 41">
+              <a:extLst>
+                <a:ext uri="{FF2B5EF4-FFF2-40B4-BE49-F238E27FC236}">
+                  <a16:creationId xmlns:a16="http://schemas.microsoft.com/office/drawing/2014/main" id="{0EC38F6B-11C5-43CD-9688-78260BC74B41}"/>
+                </a:ext>
+              </a:extLst>
+            </p:cNvPr>
+            <p:cNvSpPr txBox="1"/>
+            <p:nvPr/>
+          </p:nvSpPr>
+          <p:spPr>
+            <a:xfrm>
+              <a:off x="10909008" y="5203559"/>
+              <a:ext cx="920439" cy="1135883"/>
+            </a:xfrm>
+            <a:prstGeom prst="rect">
+              <a:avLst/>
+            </a:prstGeom>
+            <a:noFill/>
+          </p:spPr>
+          <p:txBody>
+            <a:bodyPr wrap="none" rtlCol="0">
+              <a:spAutoFit/>
+            </a:bodyPr>
+            <a:lstStyle/>
+            <a:p>
+              <a:r>
+                <a:rPr lang="fr-FR" sz="5400" b="1" dirty="0">
+                  <a:solidFill>
+                    <a:srgbClr val="FF7854"/>
+                  </a:solidFill>
+                </a:rPr>
+                <a:t>C</a:t>
+              </a:r>
+              <a:endParaRPr lang="fr-FR" sz="1000" b="1" dirty="0">
+                <a:solidFill>
+                  <a:srgbClr val="FF7854"/>
+                </a:solidFill>
+              </a:endParaRPr>
+            </a:p>
+          </p:txBody>
+        </p:sp>
+      </p:grpSp>
+      <p:pic>
+        <p:nvPicPr>
+          <p:cNvPr id="43" name="Picture 20" descr="https://labviewwiki.org/w/images/thumb/2/2e/LabVIEWButton.png/90px-LabVIEWButton.png">
+            <a:extLst>
+              <a:ext uri="{FF2B5EF4-FFF2-40B4-BE49-F238E27FC236}">
+                <a16:creationId xmlns:a16="http://schemas.microsoft.com/office/drawing/2014/main" id="{00E614B2-90F7-4BE7-87FD-9B86B48CC41E}"/>
+              </a:ext>
+            </a:extLst>
+          </p:cNvPr>
+          <p:cNvPicPr>
+            <a:picLocks noChangeAspect="1" noChangeArrowheads="1"/>
+          </p:cNvPicPr>
+          <p:nvPr/>
+        </p:nvPicPr>
+        <p:blipFill>
+          <a:blip r:embed="rId2">
+            <a:extLst>
+              <a:ext uri="{28A0092B-C50C-407E-A947-70E740481C1C}">
+                <a14:useLocalDpi xmlns:a14="http://schemas.microsoft.com/office/drawing/2010/main" val="0"/>
+              </a:ext>
+            </a:extLst>
+          </a:blip>
+          <a:srcRect/>
+          <a:stretch>
+            <a:fillRect/>
+          </a:stretch>
+        </p:blipFill>
+        <p:spPr bwMode="auto">
+          <a:xfrm>
+            <a:off x="2615156" y="4766548"/>
+            <a:ext cx="857250" cy="857250"/>
+          </a:xfrm>
+          <a:prstGeom prst="rect">
+            <a:avLst/>
+          </a:prstGeom>
+          <a:noFill/>
+          <a:extLst>
+            <a:ext uri="{909E8E84-426E-40DD-AFC4-6F175D3DCCD1}">
+              <a14:hiddenFill xmlns:a14="http://schemas.microsoft.com/office/drawing/2010/main">
+                <a:solidFill>
+                  <a:srgbClr val="FFFFFF"/>
+                </a:solidFill>
+              </a14:hiddenFill>
+            </a:ext>
+          </a:extLst>
+        </p:spPr>
+      </p:pic>
+      <p:sp>
+        <p:nvSpPr>
+          <p:cNvPr id="44" name="ZoneTexte 43">
+            <a:extLst>
+              <a:ext uri="{FF2B5EF4-FFF2-40B4-BE49-F238E27FC236}">
+                <a16:creationId xmlns:a16="http://schemas.microsoft.com/office/drawing/2014/main" id="{4925B1A7-7770-4144-B87C-FB461418AF91}"/>
+              </a:ext>
+            </a:extLst>
+          </p:cNvPr>
+          <p:cNvSpPr txBox="1"/>
+          <p:nvPr/>
+        </p:nvSpPr>
+        <p:spPr>
+          <a:xfrm>
+            <a:off x="3956180" y="4410343"/>
+            <a:ext cx="798617" cy="1569660"/>
+          </a:xfrm>
+          <a:prstGeom prst="rect">
+            <a:avLst/>
+          </a:prstGeom>
+          <a:noFill/>
+        </p:spPr>
+        <p:txBody>
+          <a:bodyPr wrap="none" rtlCol="0">
+            <a:spAutoFit/>
+          </a:bodyPr>
+          <a:lstStyle/>
+          <a:p>
+            <a:r>
+              <a:rPr lang="fr-FR" sz="9600" b="1" dirty="0"/>
+              <a:t>+</a:t>
+            </a:r>
+            <a:endParaRPr lang="fr-FR" b="1" dirty="0"/>
+          </a:p>
+        </p:txBody>
+      </p:sp>
+      <p:pic>
+        <p:nvPicPr>
+          <p:cNvPr id="9" name="Image 8">
+            <a:extLst>
+              <a:ext uri="{FF2B5EF4-FFF2-40B4-BE49-F238E27FC236}">
+                <a16:creationId xmlns:a16="http://schemas.microsoft.com/office/drawing/2014/main" id="{2EF5EEBD-9C55-42C1-95B2-2CB9F7FDB357}"/>
+              </a:ext>
+            </a:extLst>
+          </p:cNvPr>
+          <p:cNvPicPr>
+            <a:picLocks noChangeAspect="1"/>
+          </p:cNvPicPr>
+          <p:nvPr/>
+        </p:nvPicPr>
+        <p:blipFill>
+          <a:blip r:embed="rId3"/>
+          <a:stretch>
+            <a:fillRect/>
+          </a:stretch>
+        </p:blipFill>
+        <p:spPr>
+          <a:xfrm>
+            <a:off x="8694745" y="4941049"/>
+            <a:ext cx="856057" cy="577838"/>
+          </a:xfrm>
+          <a:prstGeom prst="rect">
+            <a:avLst/>
+          </a:prstGeom>
+        </p:spPr>
+      </p:pic>
+      <p:sp>
+        <p:nvSpPr>
+          <p:cNvPr id="47" name="ZoneTexte 46">
+            <a:extLst>
+              <a:ext uri="{FF2B5EF4-FFF2-40B4-BE49-F238E27FC236}">
+                <a16:creationId xmlns:a16="http://schemas.microsoft.com/office/drawing/2014/main" id="{F8FBD735-B39C-4CFF-85ED-5CD4FD9065C0}"/>
+              </a:ext>
+            </a:extLst>
+          </p:cNvPr>
+          <p:cNvSpPr txBox="1"/>
+          <p:nvPr/>
+        </p:nvSpPr>
+        <p:spPr>
+          <a:xfrm>
+            <a:off x="7426095" y="4410343"/>
+            <a:ext cx="798617" cy="1569660"/>
+          </a:xfrm>
+          <a:prstGeom prst="rect">
+            <a:avLst/>
+          </a:prstGeom>
+          <a:noFill/>
+        </p:spPr>
+        <p:txBody>
+          <a:bodyPr wrap="none" rtlCol="0">
+            <a:spAutoFit/>
+          </a:bodyPr>
+          <a:lstStyle/>
+          <a:p>
+            <a:r>
+              <a:rPr lang="fr-FR" sz="9600" b="1" dirty="0"/>
+              <a:t>+</a:t>
+            </a:r>
+            <a:endParaRPr lang="fr-FR" b="1" dirty="0"/>
+          </a:p>
+        </p:txBody>
+      </p:sp>
+    </p:spTree>
+    <p:extLst>
+      <p:ext uri="{BB962C8B-B14F-4D97-AF65-F5344CB8AC3E}">
+        <p14:creationId xmlns:p14="http://schemas.microsoft.com/office/powerpoint/2010/main" val="452172400"/>
+      </p:ext>
+    </p:extLst>
+  </p:cSld>
+  <p:clrMapOvr>
+    <a:masterClrMapping/>
+  </p:clrMapOvr>
+</p:sld>
+</file>
+
+<file path=ppt/slides/slide11.xml><?xml version="1.0" encoding="utf-8"?>
+<p:sld xmlns:a="http://schemas.openxmlformats.org/drawingml/2006/main" xmlns:r="http://schemas.openxmlformats.org/officeDocument/2006/relationships" xmlns:p="http://schemas.openxmlformats.org/presentationml/2006/main">
+  <p:cSld>
+    <p:spTree>
+      <p:nvGrpSpPr>
+        <p:cNvPr id="1" name=""/>
+        <p:cNvGrpSpPr/>
+        <p:nvPr/>
+      </p:nvGrpSpPr>
+      <p:grpSpPr>
+        <a:xfrm>
+          <a:off x="0" y="0"/>
+          <a:ext cx="0" cy="0"/>
+          <a:chOff x="0" y="0"/>
+          <a:chExt cx="0" cy="0"/>
+        </a:xfrm>
+      </p:grpSpPr>
+      <p:sp>
+        <p:nvSpPr>
+          <p:cNvPr id="2" name="Titre 1">
+            <a:extLst>
+              <a:ext uri="{FF2B5EF4-FFF2-40B4-BE49-F238E27FC236}">
+                <a16:creationId xmlns:a16="http://schemas.microsoft.com/office/drawing/2014/main" id="{94788A94-466E-456C-9076-B31EEC656C2C}"/>
+              </a:ext>
+            </a:extLst>
+          </p:cNvPr>
+          <p:cNvSpPr>
+            <a:spLocks noGrp="1"/>
+          </p:cNvSpPr>
+          <p:nvPr>
+            <p:ph type="title"/>
+          </p:nvPr>
+        </p:nvSpPr>
+        <p:spPr/>
+        <p:txBody>
+          <a:bodyPr/>
+          <a:lstStyle/>
+          <a:p>
+            <a:r>
+              <a:rPr lang="fr-FR" dirty="0"/>
+              <a:t>Contexte - Solution</a:t>
+            </a:r>
+            <a:endParaRPr lang="en-US" dirty="0"/>
+          </a:p>
+        </p:txBody>
+      </p:sp>
+      <p:sp>
+        <p:nvSpPr>
           <p:cNvPr id="34" name="Espace réservé du contenu 33">
             <a:extLst>
               <a:ext uri="{FF2B5EF4-FFF2-40B4-BE49-F238E27FC236}">
@@ -4991,7 +6230,7 @@
             <a:fld id="{3D38E89D-16A0-4C85-8400-9C86E1826DC0}" type="datetime4">
               <a:rPr lang="fr-FR" smtClean="0"/>
               <a:pPr/>
-              <a:t>26 septembre 2022</a:t>
+              <a:t>27 septembre 2022</a:t>
             </a:fld>
             <a:endParaRPr lang="en-US" dirty="0"/>
           </a:p>
@@ -5046,7 +6285,7 @@
             <a:fld id="{CB7920DE-DA26-4201-A337-FC43B769B7CA}" type="slidenum">
               <a:rPr lang="en-US" smtClean="0"/>
               <a:pPr/>
-              <a:t>10</a:t>
+              <a:t>11</a:t>
             </a:fld>
             <a:endParaRPr lang="en-US"/>
           </a:p>
@@ -5095,7 +6334,7 @@
 </p:sld>
 </file>
 
-<file path=ppt/slides/slide11.xml><?xml version="1.0" encoding="utf-8"?>
+<file path=ppt/slides/slide12.xml><?xml version="1.0" encoding="utf-8"?>
 <p:sld xmlns:a="http://schemas.openxmlformats.org/drawingml/2006/main" xmlns:r="http://schemas.openxmlformats.org/officeDocument/2006/relationships" xmlns:p="http://schemas.openxmlformats.org/presentationml/2006/main">
   <p:cSld>
     <p:spTree>
@@ -5245,7 +6484,7 @@
             <a:fld id="{CB7920DE-DA26-4201-A337-FC43B769B7CA}" type="slidenum">
               <a:rPr lang="en-US" smtClean="0"/>
               <a:pPr/>
-              <a:t>11</a:t>
+              <a:t>12</a:t>
             </a:fld>
             <a:endParaRPr lang="en-US"/>
           </a:p>
@@ -5266,9 +6505,9 @@
         <p:grpSpPr>
           <a:xfrm>
             <a:off x="4260672" y="4092461"/>
-            <a:ext cx="1780910" cy="2387360"/>
+            <a:ext cx="1780910" cy="2246378"/>
             <a:chOff x="9582150" y="3657600"/>
-            <a:chExt cx="2276475" cy="2936936"/>
+            <a:chExt cx="2276475" cy="2763500"/>
           </a:xfrm>
         </p:grpSpPr>
         <p:sp>
@@ -5931,8 +7170,8 @@
           </p:nvSpPr>
           <p:spPr>
             <a:xfrm>
-              <a:off x="11050266" y="5231484"/>
-              <a:ext cx="807741" cy="1363052"/>
+              <a:off x="10899995" y="5285217"/>
+              <a:ext cx="920439" cy="1135883"/>
             </a:xfrm>
             <a:prstGeom prst="rect">
               <a:avLst/>
@@ -5946,14 +7185,14 @@
             <a:lstStyle/>
             <a:p>
               <a:r>
-                <a:rPr lang="fr-FR" sz="6600" b="1" dirty="0">
+                <a:rPr lang="fr-FR" sz="5400" b="1" dirty="0">
                   <a:solidFill>
                     <a:srgbClr val="FF7854"/>
                   </a:solidFill>
                 </a:rPr>
                 <a:t>C</a:t>
               </a:r>
-              <a:endParaRPr lang="fr-FR" sz="1100" b="1" dirty="0">
+              <a:endParaRPr lang="fr-FR" sz="1000" b="1" dirty="0">
                 <a:solidFill>
                   <a:srgbClr val="FF7854"/>
                 </a:solidFill>
@@ -6206,7 +7445,7 @@
             <a:fld id="{3D38E89D-16A0-4C85-8400-9C86E1826DC0}" type="datetime4">
               <a:rPr lang="fr-FR" smtClean="0"/>
               <a:pPr/>
-              <a:t>26 septembre 2022</a:t>
+              <a:t>27 septembre 2022</a:t>
             </a:fld>
             <a:endParaRPr lang="en-US" dirty="0"/>
           </a:p>
@@ -6237,7 +7476,7 @@
 </p:sld>
 </file>
 
-<file path=ppt/slides/slide12.xml><?xml version="1.0" encoding="utf-8"?>
+<file path=ppt/slides/slide13.xml><?xml version="1.0" encoding="utf-8"?>
 <p:sld xmlns:a="http://schemas.openxmlformats.org/drawingml/2006/main" xmlns:r="http://schemas.openxmlformats.org/officeDocument/2006/relationships" xmlns:p="http://schemas.openxmlformats.org/presentationml/2006/main">
   <p:cSld>
     <p:spTree>
@@ -6276,7 +7515,7 @@
           <a:lstStyle/>
           <a:p>
             <a:r>
-              <a:rPr lang="fr-FR"/>
+              <a:rPr lang="fr-FR" dirty="0"/>
               <a:t>Prérequis - Utilisation d’événements utilisateurs</a:t>
             </a:r>
             <a:endParaRPr lang="en-US" dirty="0"/>
@@ -6301,7 +7540,9 @@
         </p:nvSpPr>
         <p:spPr/>
         <p:txBody>
-          <a:bodyPr/>
+          <a:bodyPr>
+            <a:normAutofit/>
+          </a:bodyPr>
           <a:lstStyle/>
           <a:p>
             <a:r>
@@ -6335,7 +7576,7 @@
             <a:fld id="{3D38E89D-16A0-4C85-8400-9C86E1826DC0}" type="datetime4">
               <a:rPr lang="fr-FR" smtClean="0"/>
               <a:pPr/>
-              <a:t>26 septembre 2022</a:t>
+              <a:t>27 septembre 2022</a:t>
             </a:fld>
             <a:endParaRPr lang="en-US" dirty="0"/>
           </a:p>
@@ -6390,7 +7631,7 @@
             <a:fld id="{CB7920DE-DA26-4201-A337-FC43B769B7CA}" type="slidenum">
               <a:rPr lang="en-US" smtClean="0"/>
               <a:pPr/>
-              <a:t>12</a:t>
+              <a:t>13</a:t>
             </a:fld>
             <a:endParaRPr lang="en-US"/>
           </a:p>
@@ -6542,7 +7783,7 @@
 </p:sld>
 </file>
 
-<file path=ppt/slides/slide13.xml><?xml version="1.0" encoding="utf-8"?>
+<file path=ppt/slides/slide14.xml><?xml version="1.0" encoding="utf-8"?>
 <p:sld xmlns:a="http://schemas.openxmlformats.org/drawingml/2006/main" xmlns:r="http://schemas.openxmlformats.org/officeDocument/2006/relationships" xmlns:p="http://schemas.openxmlformats.org/presentationml/2006/main">
   <p:cSld>
     <p:spTree>
@@ -6649,7 +7890,7 @@
             <a:fld id="{3D38E89D-16A0-4C85-8400-9C86E1826DC0}" type="datetime4">
               <a:rPr lang="fr-FR" smtClean="0"/>
               <a:pPr/>
-              <a:t>26 septembre 2022</a:t>
+              <a:t>27 septembre 2022</a:t>
             </a:fld>
             <a:endParaRPr lang="en-US" dirty="0"/>
           </a:p>
@@ -6704,7 +7945,7 @@
             <a:fld id="{CB7920DE-DA26-4201-A337-FC43B769B7CA}" type="slidenum">
               <a:rPr lang="en-US" smtClean="0"/>
               <a:pPr/>
-              <a:t>13</a:t>
+              <a:t>14</a:t>
             </a:fld>
             <a:endParaRPr lang="en-US"/>
           </a:p>
@@ -6911,7 +8152,7 @@
 </p:sld>
 </file>
 
-<file path=ppt/slides/slide14.xml><?xml version="1.0" encoding="utf-8"?>
+<file path=ppt/slides/slide15.xml><?xml version="1.0" encoding="utf-8"?>
 <p:sld xmlns:a="http://schemas.openxmlformats.org/drawingml/2006/main" xmlns:r="http://schemas.openxmlformats.org/officeDocument/2006/relationships" xmlns:p="http://schemas.openxmlformats.org/presentationml/2006/main">
   <p:cSld>
     <p:spTree>
@@ -7027,7 +8268,7 @@
             <a:fld id="{3D38E89D-16A0-4C85-8400-9C86E1826DC0}" type="datetime4">
               <a:rPr lang="fr-FR" smtClean="0"/>
               <a:pPr/>
-              <a:t>26 septembre 2022</a:t>
+              <a:t>27 septembre 2022</a:t>
             </a:fld>
             <a:endParaRPr lang="en-US" dirty="0"/>
           </a:p>
@@ -7082,7 +8323,7 @@
             <a:fld id="{CB7920DE-DA26-4201-A337-FC43B769B7CA}" type="slidenum">
               <a:rPr lang="en-US" smtClean="0"/>
               <a:pPr/>
-              <a:t>14</a:t>
+              <a:t>15</a:t>
             </a:fld>
             <a:endParaRPr lang="en-US" dirty="0"/>
           </a:p>
@@ -7280,7 +8521,7 @@
 </p:sld>
 </file>
 
-<file path=ppt/slides/slide15.xml><?xml version="1.0" encoding="utf-8"?>
+<file path=ppt/slides/slide16.xml><?xml version="1.0" encoding="utf-8"?>
 <p:sld xmlns:a="http://schemas.openxmlformats.org/drawingml/2006/main" xmlns:r="http://schemas.openxmlformats.org/officeDocument/2006/relationships" xmlns:p="http://schemas.openxmlformats.org/presentationml/2006/main">
   <p:cSld>
     <p:spTree>
@@ -7417,7 +8658,7 @@
           <a:p>
             <a:fld id="{3D38E89D-16A0-4C85-8400-9C86E1826DC0}" type="datetime4">
               <a:rPr lang="fr-FR" smtClean="0"/>
-              <a:t>26 septembre 2022</a:t>
+              <a:t>27 septembre 2022</a:t>
             </a:fld>
             <a:endParaRPr lang="en-US" dirty="0"/>
           </a:p>
@@ -7471,7 +8712,7 @@
           <a:p>
             <a:fld id="{CB7920DE-DA26-4201-A337-FC43B769B7CA}" type="slidenum">
               <a:rPr lang="en-US" smtClean="0"/>
-              <a:t>15</a:t>
+              <a:t>16</a:t>
             </a:fld>
             <a:endParaRPr lang="en-US"/>
           </a:p>
@@ -7598,7 +8839,7 @@
 </p:sld>
 </file>
 
-<file path=ppt/slides/slide16.xml><?xml version="1.0" encoding="utf-8"?>
+<file path=ppt/slides/slide17.xml><?xml version="1.0" encoding="utf-8"?>
 <p:sld xmlns:a="http://schemas.openxmlformats.org/drawingml/2006/main" xmlns:r="http://schemas.openxmlformats.org/officeDocument/2006/relationships" xmlns:p="http://schemas.openxmlformats.org/presentationml/2006/main">
   <p:cSld>
     <p:spTree>
@@ -7667,24 +8908,7 @@
           <a:p>
             <a:r>
               <a:rPr lang="fr-FR" dirty="0"/>
-              <a:t>.NET </a:t>
-            </a:r>
-            <a:r>
-              <a:rPr lang="fr-FR" dirty="0" err="1"/>
-              <a:t>Assembly</a:t>
-            </a:r>
-            <a:endParaRPr lang="fr-FR" dirty="0"/>
-          </a:p>
-          <a:p>
-            <a:r>
-              <a:rPr lang="fr-FR" dirty="0"/>
-              <a:t>Header (.h)</a:t>
-            </a:r>
-          </a:p>
-          <a:p>
-            <a:r>
-              <a:rPr lang="fr-FR" dirty="0"/>
-              <a:t>Type de données</a:t>
+              <a:t>Configuration manuelle</a:t>
             </a:r>
           </a:p>
           <a:p>
@@ -7717,7 +8941,7 @@
             <a:fld id="{3D38E89D-16A0-4C85-8400-9C86E1826DC0}" type="datetime4">
               <a:rPr lang="fr-FR" smtClean="0"/>
               <a:pPr/>
-              <a:t>26 septembre 2022</a:t>
+              <a:t>27 septembre 2022</a:t>
             </a:fld>
             <a:endParaRPr lang="en-US" dirty="0"/>
           </a:p>
@@ -7772,7 +8996,7 @@
             <a:fld id="{CB7920DE-DA26-4201-A337-FC43B769B7CA}" type="slidenum">
               <a:rPr lang="en-US" smtClean="0"/>
               <a:pPr/>
-              <a:t>16</a:t>
+              <a:t>17</a:t>
             </a:fld>
             <a:endParaRPr lang="en-US"/>
           </a:p>
@@ -7810,10 +9034,10 @@
       </p:pic>
       <p:pic>
         <p:nvPicPr>
-          <p:cNvPr id="9" name="Image 8">
-            <a:extLst>
-              <a:ext uri="{FF2B5EF4-FFF2-40B4-BE49-F238E27FC236}">
-                <a16:creationId xmlns:a16="http://schemas.microsoft.com/office/drawing/2014/main" id="{597A521E-D7AB-447E-95AB-DEB72D6DB8F7}"/>
+          <p:cNvPr id="14" name="Image 13">
+            <a:extLst>
+              <a:ext uri="{FF2B5EF4-FFF2-40B4-BE49-F238E27FC236}">
+                <a16:creationId xmlns:a16="http://schemas.microsoft.com/office/drawing/2014/main" id="{4BEBC719-DF29-453A-ACC9-2B2552CA410D}"/>
               </a:ext>
             </a:extLst>
           </p:cNvPr>
@@ -7830,37 +9054,7 @@
         </p:blipFill>
         <p:spPr>
           <a:xfrm>
-            <a:off x="4499932" y="1475132"/>
-            <a:ext cx="299152" cy="293523"/>
-          </a:xfrm>
-          <a:prstGeom prst="rect">
-            <a:avLst/>
-          </a:prstGeom>
-        </p:spPr>
-      </p:pic>
-      <p:pic>
-        <p:nvPicPr>
-          <p:cNvPr id="14" name="Image 13">
-            <a:extLst>
-              <a:ext uri="{FF2B5EF4-FFF2-40B4-BE49-F238E27FC236}">
-                <a16:creationId xmlns:a16="http://schemas.microsoft.com/office/drawing/2014/main" id="{4BEBC719-DF29-453A-ACC9-2B2552CA410D}"/>
-              </a:ext>
-            </a:extLst>
-          </p:cNvPr>
-          <p:cNvPicPr>
-            <a:picLocks noChangeAspect="1"/>
-          </p:cNvPicPr>
-          <p:nvPr/>
-        </p:nvPicPr>
-        <p:blipFill>
-          <a:blip r:embed="rId4"/>
-          <a:stretch>
-            <a:fillRect/>
-          </a:stretch>
-        </p:blipFill>
-        <p:spPr>
-          <a:xfrm>
-            <a:off x="4552439" y="2463363"/>
+            <a:off x="5478551" y="1474109"/>
             <a:ext cx="246645" cy="243416"/>
           </a:xfrm>
           <a:prstGeom prst="rect">
@@ -7883,7 +9077,7 @@
           <p:nvPr/>
         </p:nvPicPr>
         <p:blipFill>
-          <a:blip r:embed="rId5"/>
+          <a:blip r:embed="rId4"/>
           <a:stretch>
             <a:fillRect/>
           </a:stretch>
@@ -7921,7 +9115,7 @@
           <p:nvPr/>
         </p:nvPicPr>
         <p:blipFill>
-          <a:blip r:embed="rId6"/>
+          <a:blip r:embed="rId5"/>
           <a:stretch>
             <a:fillRect/>
           </a:stretch>
@@ -8028,36 +9222,6 @@
           </a:fontRef>
         </p:style>
       </p:cxnSp>
-      <p:pic>
-        <p:nvPicPr>
-          <p:cNvPr id="24" name="Image 23">
-            <a:extLst>
-              <a:ext uri="{FF2B5EF4-FFF2-40B4-BE49-F238E27FC236}">
-                <a16:creationId xmlns:a16="http://schemas.microsoft.com/office/drawing/2014/main" id="{8142CBF0-1720-4F71-82C1-381E167A8FD6}"/>
-              </a:ext>
-            </a:extLst>
-          </p:cNvPr>
-          <p:cNvPicPr>
-            <a:picLocks noChangeAspect="1"/>
-          </p:cNvPicPr>
-          <p:nvPr/>
-        </p:nvPicPr>
-        <p:blipFill>
-          <a:blip r:embed="rId3"/>
-          <a:stretch>
-            <a:fillRect/>
-          </a:stretch>
-        </p:blipFill>
-        <p:spPr>
-          <a:xfrm>
-            <a:off x="4506999" y="1969247"/>
-            <a:ext cx="299152" cy="293523"/>
-          </a:xfrm>
-          <a:prstGeom prst="rect">
-            <a:avLst/>
-          </a:prstGeom>
-        </p:spPr>
-      </p:pic>
     </p:spTree>
     <p:extLst>
       <p:ext uri="{BB962C8B-B14F-4D97-AF65-F5344CB8AC3E}">
@@ -8071,7 +9235,7 @@
 </p:sld>
 </file>
 
-<file path=ppt/slides/slide17.xml><?xml version="1.0" encoding="utf-8"?>
+<file path=ppt/slides/slide18.xml><?xml version="1.0" encoding="utf-8"?>
 <p:sld xmlns:a="http://schemas.openxmlformats.org/drawingml/2006/main" xmlns:r="http://schemas.openxmlformats.org/officeDocument/2006/relationships" xmlns:p="http://schemas.openxmlformats.org/presentationml/2006/main">
   <p:cSld>
     <p:spTree>
@@ -8140,24 +9304,7 @@
           <a:p>
             <a:r>
               <a:rPr lang="fr-FR" dirty="0"/>
-              <a:t>.NET </a:t>
-            </a:r>
-            <a:r>
-              <a:rPr lang="fr-FR" dirty="0" err="1"/>
-              <a:t>Assembly</a:t>
-            </a:r>
-            <a:endParaRPr lang="fr-FR" dirty="0"/>
-          </a:p>
-          <a:p>
-            <a:r>
-              <a:rPr lang="fr-FR" dirty="0"/>
-              <a:t>Header (.h)</a:t>
-            </a:r>
-          </a:p>
-          <a:p>
-            <a:r>
-              <a:rPr lang="fr-FR" dirty="0"/>
-              <a:t>Type de données</a:t>
+              <a:t>Configuration manuelle</a:t>
             </a:r>
           </a:p>
           <a:p>
@@ -8190,7 +9337,7 @@
             <a:fld id="{3D38E89D-16A0-4C85-8400-9C86E1826DC0}" type="datetime4">
               <a:rPr lang="fr-FR" smtClean="0"/>
               <a:pPr/>
-              <a:t>26 septembre 2022</a:t>
+              <a:t>27 septembre 2022</a:t>
             </a:fld>
             <a:endParaRPr lang="en-US" dirty="0"/>
           </a:p>
@@ -8245,7 +9392,7 @@
             <a:fld id="{CB7920DE-DA26-4201-A337-FC43B769B7CA}" type="slidenum">
               <a:rPr lang="en-US" smtClean="0"/>
               <a:pPr/>
-              <a:t>17</a:t>
+              <a:t>18</a:t>
             </a:fld>
             <a:endParaRPr lang="en-US"/>
           </a:p>
@@ -8283,10 +9430,10 @@
       </p:pic>
       <p:pic>
         <p:nvPicPr>
-          <p:cNvPr id="7" name="Image 6">
-            <a:extLst>
-              <a:ext uri="{FF2B5EF4-FFF2-40B4-BE49-F238E27FC236}">
-                <a16:creationId xmlns:a16="http://schemas.microsoft.com/office/drawing/2014/main" id="{4DF5AD3E-6B66-459D-98A1-8CF98838CF7C}"/>
+          <p:cNvPr id="13" name="Image 12">
+            <a:extLst>
+              <a:ext uri="{FF2B5EF4-FFF2-40B4-BE49-F238E27FC236}">
+                <a16:creationId xmlns:a16="http://schemas.microsoft.com/office/drawing/2014/main" id="{3B0D1550-984E-419B-8E63-E6FE027B87F9}"/>
               </a:ext>
             </a:extLst>
           </p:cNvPr>
@@ -8297,96 +9444,6 @@
         </p:nvPicPr>
         <p:blipFill>
           <a:blip r:embed="rId3"/>
-          <a:stretch>
-            <a:fillRect/>
-          </a:stretch>
-        </p:blipFill>
-        <p:spPr>
-          <a:xfrm>
-            <a:off x="4526186" y="1994301"/>
-            <a:ext cx="246645" cy="243416"/>
-          </a:xfrm>
-          <a:prstGeom prst="rect">
-            <a:avLst/>
-          </a:prstGeom>
-        </p:spPr>
-      </p:pic>
-      <p:pic>
-        <p:nvPicPr>
-          <p:cNvPr id="9" name="Image 8">
-            <a:extLst>
-              <a:ext uri="{FF2B5EF4-FFF2-40B4-BE49-F238E27FC236}">
-                <a16:creationId xmlns:a16="http://schemas.microsoft.com/office/drawing/2014/main" id="{597A521E-D7AB-447E-95AB-DEB72D6DB8F7}"/>
-              </a:ext>
-            </a:extLst>
-          </p:cNvPr>
-          <p:cNvPicPr>
-            <a:picLocks noChangeAspect="1"/>
-          </p:cNvPicPr>
-          <p:nvPr/>
-        </p:nvPicPr>
-        <p:blipFill>
-          <a:blip r:embed="rId4"/>
-          <a:stretch>
-            <a:fillRect/>
-          </a:stretch>
-        </p:blipFill>
-        <p:spPr>
-          <a:xfrm>
-            <a:off x="4499932" y="1475132"/>
-            <a:ext cx="299152" cy="293523"/>
-          </a:xfrm>
-          <a:prstGeom prst="rect">
-            <a:avLst/>
-          </a:prstGeom>
-        </p:spPr>
-      </p:pic>
-      <p:pic>
-        <p:nvPicPr>
-          <p:cNvPr id="14" name="Image 13">
-            <a:extLst>
-              <a:ext uri="{FF2B5EF4-FFF2-40B4-BE49-F238E27FC236}">
-                <a16:creationId xmlns:a16="http://schemas.microsoft.com/office/drawing/2014/main" id="{4BEBC719-DF29-453A-ACC9-2B2552CA410D}"/>
-              </a:ext>
-            </a:extLst>
-          </p:cNvPr>
-          <p:cNvPicPr>
-            <a:picLocks noChangeAspect="1"/>
-          </p:cNvPicPr>
-          <p:nvPr/>
-        </p:nvPicPr>
-        <p:blipFill>
-          <a:blip r:embed="rId3"/>
-          <a:stretch>
-            <a:fillRect/>
-          </a:stretch>
-        </p:blipFill>
-        <p:spPr>
-          <a:xfrm>
-            <a:off x="4552439" y="2463363"/>
-            <a:ext cx="246645" cy="243416"/>
-          </a:xfrm>
-          <a:prstGeom prst="rect">
-            <a:avLst/>
-          </a:prstGeom>
-        </p:spPr>
-      </p:pic>
-      <p:pic>
-        <p:nvPicPr>
-          <p:cNvPr id="13" name="Image 12">
-            <a:extLst>
-              <a:ext uri="{FF2B5EF4-FFF2-40B4-BE49-F238E27FC236}">
-                <a16:creationId xmlns:a16="http://schemas.microsoft.com/office/drawing/2014/main" id="{3B0D1550-984E-419B-8E63-E6FE027B87F9}"/>
-              </a:ext>
-            </a:extLst>
-          </p:cNvPr>
-          <p:cNvPicPr>
-            <a:picLocks noChangeAspect="1"/>
-          </p:cNvPicPr>
-          <p:nvPr/>
-        </p:nvPicPr>
-        <p:blipFill>
-          <a:blip r:embed="rId5"/>
           <a:stretch>
             <a:fillRect/>
           </a:stretch>
@@ -8507,7 +9564,7 @@
           <p:nvPr/>
         </p:nvPicPr>
         <p:blipFill>
-          <a:blip r:embed="rId6"/>
+          <a:blip r:embed="rId4"/>
           <a:stretch>
             <a:fillRect/>
           </a:stretch>
@@ -8532,10 +9589,10 @@
       </p:pic>
       <p:pic>
         <p:nvPicPr>
-          <p:cNvPr id="21" name="Image 20">
-            <a:extLst>
-              <a:ext uri="{FF2B5EF4-FFF2-40B4-BE49-F238E27FC236}">
-                <a16:creationId xmlns:a16="http://schemas.microsoft.com/office/drawing/2014/main" id="{C5BFAFD5-50B4-4E5C-9241-10F8B6973B5C}"/>
+          <p:cNvPr id="3" name="Image 2">
+            <a:extLst>
+              <a:ext uri="{FF2B5EF4-FFF2-40B4-BE49-F238E27FC236}">
+                <a16:creationId xmlns:a16="http://schemas.microsoft.com/office/drawing/2014/main" id="{7A192592-5A37-0B31-4CE0-67DEFB797EC5}"/>
               </a:ext>
             </a:extLst>
           </p:cNvPr>
@@ -8545,15 +9602,15 @@
           <p:nvPr/>
         </p:nvPicPr>
         <p:blipFill>
-          <a:blip r:embed="rId4"/>
+          <a:blip r:embed="rId5"/>
           <a:stretch>
             <a:fillRect/>
           </a:stretch>
         </p:blipFill>
         <p:spPr>
           <a:xfrm>
-            <a:off x="4506999" y="1969247"/>
-            <a:ext cx="299152" cy="293523"/>
+            <a:off x="5478551" y="1474109"/>
+            <a:ext cx="246645" cy="243416"/>
           </a:xfrm>
           <a:prstGeom prst="rect">
             <a:avLst/>
@@ -8573,7 +9630,7 @@
 </p:sld>
 </file>
 
-<file path=ppt/slides/slide18.xml><?xml version="1.0" encoding="utf-8"?>
+<file path=ppt/slides/slide19.xml><?xml version="1.0" encoding="utf-8"?>
 <p:sld xmlns:a="http://schemas.openxmlformats.org/drawingml/2006/main" xmlns:r="http://schemas.openxmlformats.org/officeDocument/2006/relationships" xmlns:p="http://schemas.openxmlformats.org/presentationml/2006/main">
   <p:cSld>
     <p:spTree>
@@ -8642,24 +9699,7 @@
           <a:p>
             <a:r>
               <a:rPr lang="fr-FR" dirty="0"/>
-              <a:t>.NET </a:t>
-            </a:r>
-            <a:r>
-              <a:rPr lang="fr-FR" dirty="0" err="1"/>
-              <a:t>Assembly</a:t>
-            </a:r>
-            <a:endParaRPr lang="fr-FR" dirty="0"/>
-          </a:p>
-          <a:p>
-            <a:r>
-              <a:rPr lang="fr-FR" dirty="0"/>
-              <a:t>Header (.h)</a:t>
-            </a:r>
-          </a:p>
-          <a:p>
-            <a:r>
-              <a:rPr lang="fr-FR" dirty="0"/>
-              <a:t>Type de données</a:t>
+              <a:t>Configuration manuelle</a:t>
             </a:r>
           </a:p>
           <a:p>
@@ -8692,7 +9732,7 @@
             <a:fld id="{3D38E89D-16A0-4C85-8400-9C86E1826DC0}" type="datetime4">
               <a:rPr lang="fr-FR" smtClean="0"/>
               <a:pPr/>
-              <a:t>26 septembre 2022</a:t>
+              <a:t>27 septembre 2022</a:t>
             </a:fld>
             <a:endParaRPr lang="en-US" dirty="0"/>
           </a:p>
@@ -8747,7 +9787,7 @@
             <a:fld id="{CB7920DE-DA26-4201-A337-FC43B769B7CA}" type="slidenum">
               <a:rPr lang="en-US" smtClean="0"/>
               <a:pPr/>
-              <a:t>18</a:t>
+              <a:t>19</a:t>
             </a:fld>
             <a:endParaRPr lang="en-US"/>
           </a:p>
@@ -8755,10 +9795,10 @@
       </p:sp>
       <p:pic>
         <p:nvPicPr>
-          <p:cNvPr id="7" name="Image 6">
-            <a:extLst>
-              <a:ext uri="{FF2B5EF4-FFF2-40B4-BE49-F238E27FC236}">
-                <a16:creationId xmlns:a16="http://schemas.microsoft.com/office/drawing/2014/main" id="{4DF5AD3E-6B66-459D-98A1-8CF98838CF7C}"/>
+          <p:cNvPr id="13" name="Image 12">
+            <a:extLst>
+              <a:ext uri="{FF2B5EF4-FFF2-40B4-BE49-F238E27FC236}">
+                <a16:creationId xmlns:a16="http://schemas.microsoft.com/office/drawing/2014/main" id="{3B0D1550-984E-419B-8E63-E6FE027B87F9}"/>
               </a:ext>
             </a:extLst>
           </p:cNvPr>
@@ -8769,96 +9809,6 @@
         </p:nvPicPr>
         <p:blipFill>
           <a:blip r:embed="rId2"/>
-          <a:stretch>
-            <a:fillRect/>
-          </a:stretch>
-        </p:blipFill>
-        <p:spPr>
-          <a:xfrm>
-            <a:off x="4526186" y="1994301"/>
-            <a:ext cx="246645" cy="243416"/>
-          </a:xfrm>
-          <a:prstGeom prst="rect">
-            <a:avLst/>
-          </a:prstGeom>
-        </p:spPr>
-      </p:pic>
-      <p:pic>
-        <p:nvPicPr>
-          <p:cNvPr id="9" name="Image 8">
-            <a:extLst>
-              <a:ext uri="{FF2B5EF4-FFF2-40B4-BE49-F238E27FC236}">
-                <a16:creationId xmlns:a16="http://schemas.microsoft.com/office/drawing/2014/main" id="{597A521E-D7AB-447E-95AB-DEB72D6DB8F7}"/>
-              </a:ext>
-            </a:extLst>
-          </p:cNvPr>
-          <p:cNvPicPr>
-            <a:picLocks noChangeAspect="1"/>
-          </p:cNvPicPr>
-          <p:nvPr/>
-        </p:nvPicPr>
-        <p:blipFill>
-          <a:blip r:embed="rId3"/>
-          <a:stretch>
-            <a:fillRect/>
-          </a:stretch>
-        </p:blipFill>
-        <p:spPr>
-          <a:xfrm>
-            <a:off x="4499932" y="1475132"/>
-            <a:ext cx="299152" cy="293523"/>
-          </a:xfrm>
-          <a:prstGeom prst="rect">
-            <a:avLst/>
-          </a:prstGeom>
-        </p:spPr>
-      </p:pic>
-      <p:pic>
-        <p:nvPicPr>
-          <p:cNvPr id="14" name="Image 13">
-            <a:extLst>
-              <a:ext uri="{FF2B5EF4-FFF2-40B4-BE49-F238E27FC236}">
-                <a16:creationId xmlns:a16="http://schemas.microsoft.com/office/drawing/2014/main" id="{4BEBC719-DF29-453A-ACC9-2B2552CA410D}"/>
-              </a:ext>
-            </a:extLst>
-          </p:cNvPr>
-          <p:cNvPicPr>
-            <a:picLocks noChangeAspect="1"/>
-          </p:cNvPicPr>
-          <p:nvPr/>
-        </p:nvPicPr>
-        <p:blipFill>
-          <a:blip r:embed="rId2"/>
-          <a:stretch>
-            <a:fillRect/>
-          </a:stretch>
-        </p:blipFill>
-        <p:spPr>
-          <a:xfrm>
-            <a:off x="4552439" y="2463363"/>
-            <a:ext cx="246645" cy="243416"/>
-          </a:xfrm>
-          <a:prstGeom prst="rect">
-            <a:avLst/>
-          </a:prstGeom>
-        </p:spPr>
-      </p:pic>
-      <p:pic>
-        <p:nvPicPr>
-          <p:cNvPr id="13" name="Image 12">
-            <a:extLst>
-              <a:ext uri="{FF2B5EF4-FFF2-40B4-BE49-F238E27FC236}">
-                <a16:creationId xmlns:a16="http://schemas.microsoft.com/office/drawing/2014/main" id="{3B0D1550-984E-419B-8E63-E6FE027B87F9}"/>
-              </a:ext>
-            </a:extLst>
-          </p:cNvPr>
-          <p:cNvPicPr>
-            <a:picLocks noChangeAspect="1"/>
-          </p:cNvPicPr>
-          <p:nvPr/>
-        </p:nvPicPr>
-        <p:blipFill>
-          <a:blip r:embed="rId4"/>
           <a:stretch>
             <a:fillRect/>
           </a:stretch>
@@ -8934,7 +9884,7 @@
           <p:nvPr/>
         </p:nvPicPr>
         <p:blipFill>
-          <a:blip r:embed="rId5"/>
+          <a:blip r:embed="rId3"/>
           <a:stretch>
             <a:fillRect/>
           </a:stretch>
@@ -9018,7 +9968,7 @@
           <p:nvPr/>
         </p:nvPicPr>
         <p:blipFill>
-          <a:blip r:embed="rId6"/>
+          <a:blip r:embed="rId4"/>
           <a:stretch>
             <a:fillRect/>
           </a:stretch>
@@ -9035,360 +9985,10 @@
       </p:pic>
       <p:pic>
         <p:nvPicPr>
-          <p:cNvPr id="24" name="Image 23">
-            <a:extLst>
-              <a:ext uri="{FF2B5EF4-FFF2-40B4-BE49-F238E27FC236}">
-                <a16:creationId xmlns:a16="http://schemas.microsoft.com/office/drawing/2014/main" id="{01F106D7-1450-4CD1-B037-0E0B70282960}"/>
-              </a:ext>
-            </a:extLst>
-          </p:cNvPr>
-          <p:cNvPicPr>
-            <a:picLocks noChangeAspect="1"/>
-          </p:cNvPicPr>
-          <p:nvPr/>
-        </p:nvPicPr>
-        <p:blipFill>
-          <a:blip r:embed="rId3"/>
-          <a:stretch>
-            <a:fillRect/>
-          </a:stretch>
-        </p:blipFill>
-        <p:spPr>
-          <a:xfrm>
-            <a:off x="4506999" y="1969247"/>
-            <a:ext cx="299152" cy="293523"/>
-          </a:xfrm>
-          <a:prstGeom prst="rect">
-            <a:avLst/>
-          </a:prstGeom>
-        </p:spPr>
-      </p:pic>
-    </p:spTree>
-    <p:extLst>
-      <p:ext uri="{BB962C8B-B14F-4D97-AF65-F5344CB8AC3E}">
-        <p14:creationId xmlns:p14="http://schemas.microsoft.com/office/powerpoint/2010/main" val="3798931004"/>
-      </p:ext>
-    </p:extLst>
-  </p:cSld>
-  <p:clrMapOvr>
-    <a:masterClrMapping/>
-  </p:clrMapOvr>
-</p:sld>
-</file>
-
-<file path=ppt/slides/slide19.xml><?xml version="1.0" encoding="utf-8"?>
-<p:sld xmlns:a="http://schemas.openxmlformats.org/drawingml/2006/main" xmlns:r="http://schemas.openxmlformats.org/officeDocument/2006/relationships" xmlns:p="http://schemas.openxmlformats.org/presentationml/2006/main">
-  <p:cSld>
-    <p:spTree>
-      <p:nvGrpSpPr>
-        <p:cNvPr id="1" name=""/>
-        <p:cNvGrpSpPr/>
-        <p:nvPr/>
-      </p:nvGrpSpPr>
-      <p:grpSpPr>
-        <a:xfrm>
-          <a:off x="0" y="0"/>
-          <a:ext cx="0" cy="0"/>
-          <a:chOff x="0" y="0"/>
-          <a:chExt cx="0" cy="0"/>
-        </a:xfrm>
-      </p:grpSpPr>
-      <p:sp>
-        <p:nvSpPr>
-          <p:cNvPr id="2" name="Titre 1">
-            <a:extLst>
-              <a:ext uri="{FF2B5EF4-FFF2-40B4-BE49-F238E27FC236}">
-                <a16:creationId xmlns:a16="http://schemas.microsoft.com/office/drawing/2014/main" id="{94788A94-466E-456C-9076-B31EEC656C2C}"/>
-              </a:ext>
-            </a:extLst>
-          </p:cNvPr>
-          <p:cNvSpPr>
-            <a:spLocks noGrp="1"/>
-          </p:cNvSpPr>
-          <p:nvPr>
-            <p:ph type="title"/>
-          </p:nvPr>
-        </p:nvSpPr>
-        <p:spPr/>
-        <p:txBody>
-          <a:bodyPr/>
-          <a:lstStyle/>
-          <a:p>
-            <a:r>
-              <a:rPr lang="fr-FR"/>
-              <a:t>Prérequis - Intégration d’une dll dans LabVIEW</a:t>
-            </a:r>
-            <a:endParaRPr lang="en-US" dirty="0"/>
-          </a:p>
-        </p:txBody>
-      </p:sp>
-      <p:sp>
-        <p:nvSpPr>
-          <p:cNvPr id="19" name="Espace réservé du contenu 2">
-            <a:extLst>
-              <a:ext uri="{FF2B5EF4-FFF2-40B4-BE49-F238E27FC236}">
-                <a16:creationId xmlns:a16="http://schemas.microsoft.com/office/drawing/2014/main" id="{A93BBEF6-5D07-495B-AE83-B661FEB65DEE}"/>
-              </a:ext>
-            </a:extLst>
-          </p:cNvPr>
-          <p:cNvSpPr>
-            <a:spLocks noGrp="1"/>
-          </p:cNvSpPr>
-          <p:nvPr>
-            <p:ph idx="1"/>
-          </p:nvPr>
-        </p:nvSpPr>
-        <p:spPr/>
-        <p:txBody>
-          <a:bodyPr/>
-          <a:lstStyle/>
-          <a:p>
-            <a:r>
-              <a:rPr lang="fr-FR" dirty="0"/>
-              <a:t>.NET </a:t>
-            </a:r>
-            <a:r>
-              <a:rPr lang="fr-FR" dirty="0" err="1"/>
-              <a:t>Assembly</a:t>
-            </a:r>
-            <a:endParaRPr lang="fr-FR" dirty="0"/>
-          </a:p>
-          <a:p>
-            <a:r>
-              <a:rPr lang="fr-FR" dirty="0"/>
-              <a:t>Header (.h)</a:t>
-            </a:r>
-          </a:p>
-          <a:p>
-            <a:r>
-              <a:rPr lang="fr-FR" dirty="0"/>
-              <a:t>Type de données</a:t>
-            </a:r>
-          </a:p>
-          <a:p>
-            <a:pPr lvl="1"/>
-            <a:endParaRPr lang="fr-FR" dirty="0"/>
-          </a:p>
-        </p:txBody>
-      </p:sp>
-      <p:sp>
-        <p:nvSpPr>
-          <p:cNvPr id="4" name="Espace réservé de la date 3">
-            <a:extLst>
-              <a:ext uri="{FF2B5EF4-FFF2-40B4-BE49-F238E27FC236}">
-                <a16:creationId xmlns:a16="http://schemas.microsoft.com/office/drawing/2014/main" id="{02495090-DEE2-495F-8F24-4A9D42B74D07}"/>
-              </a:ext>
-            </a:extLst>
-          </p:cNvPr>
-          <p:cNvSpPr>
-            <a:spLocks noGrp="1"/>
-          </p:cNvSpPr>
-          <p:nvPr>
-            <p:ph type="dt" sz="half" idx="10"/>
-          </p:nvPr>
-        </p:nvSpPr>
-        <p:spPr/>
-        <p:txBody>
-          <a:bodyPr/>
-          <a:lstStyle/>
-          <a:p>
-            <a:fld id="{3D38E89D-16A0-4C85-8400-9C86E1826DC0}" type="datetime4">
-              <a:rPr lang="fr-FR" smtClean="0"/>
-              <a:pPr/>
-              <a:t>26 septembre 2022</a:t>
-            </a:fld>
-            <a:endParaRPr lang="en-US" dirty="0"/>
-          </a:p>
-        </p:txBody>
-      </p:sp>
-      <p:sp>
-        <p:nvSpPr>
-          <p:cNvPr id="5" name="Espace réservé du pied de page 4">
-            <a:extLst>
-              <a:ext uri="{FF2B5EF4-FFF2-40B4-BE49-F238E27FC236}">
-                <a16:creationId xmlns:a16="http://schemas.microsoft.com/office/drawing/2014/main" id="{4CB21D7D-907E-45C2-BBEA-0C8BE8185AEE}"/>
-              </a:ext>
-            </a:extLst>
-          </p:cNvPr>
-          <p:cNvSpPr>
-            <a:spLocks noGrp="1"/>
-          </p:cNvSpPr>
-          <p:nvPr>
-            <p:ph type="ftr" sz="quarter" idx="11"/>
-          </p:nvPr>
-        </p:nvSpPr>
-        <p:spPr/>
-        <p:txBody>
-          <a:bodyPr/>
-          <a:lstStyle/>
-          <a:p>
-            <a:endParaRPr lang="en-US" dirty="0"/>
-          </a:p>
-        </p:txBody>
-      </p:sp>
-      <p:sp>
-        <p:nvSpPr>
-          <p:cNvPr id="6" name="Espace réservé du numéro de diapositive 5">
-            <a:extLst>
-              <a:ext uri="{FF2B5EF4-FFF2-40B4-BE49-F238E27FC236}">
-                <a16:creationId xmlns:a16="http://schemas.microsoft.com/office/drawing/2014/main" id="{F95226C0-CE23-4F80-B746-EC07610468B2}"/>
-              </a:ext>
-            </a:extLst>
-          </p:cNvPr>
-          <p:cNvSpPr>
-            <a:spLocks noGrp="1"/>
-          </p:cNvSpPr>
-          <p:nvPr>
-            <p:ph type="sldNum" sz="quarter" idx="12"/>
-          </p:nvPr>
-        </p:nvSpPr>
-        <p:spPr/>
-        <p:txBody>
-          <a:bodyPr/>
-          <a:lstStyle/>
-          <a:p>
-            <a:fld id="{CB7920DE-DA26-4201-A337-FC43B769B7CA}" type="slidenum">
-              <a:rPr lang="en-US" smtClean="0"/>
-              <a:pPr/>
-              <a:t>19</a:t>
-            </a:fld>
-            <a:endParaRPr lang="en-US"/>
-          </a:p>
-        </p:txBody>
-      </p:sp>
-      <p:pic>
-        <p:nvPicPr>
-          <p:cNvPr id="7" name="Image 6">
-            <a:extLst>
-              <a:ext uri="{FF2B5EF4-FFF2-40B4-BE49-F238E27FC236}">
-                <a16:creationId xmlns:a16="http://schemas.microsoft.com/office/drawing/2014/main" id="{4DF5AD3E-6B66-459D-98A1-8CF98838CF7C}"/>
-              </a:ext>
-            </a:extLst>
-          </p:cNvPr>
-          <p:cNvPicPr>
-            <a:picLocks noChangeAspect="1"/>
-          </p:cNvPicPr>
-          <p:nvPr/>
-        </p:nvPicPr>
-        <p:blipFill>
-          <a:blip r:embed="rId2"/>
-          <a:stretch>
-            <a:fillRect/>
-          </a:stretch>
-        </p:blipFill>
-        <p:spPr>
-          <a:xfrm>
-            <a:off x="4526186" y="1994301"/>
-            <a:ext cx="246645" cy="243416"/>
-          </a:xfrm>
-          <a:prstGeom prst="rect">
-            <a:avLst/>
-          </a:prstGeom>
-        </p:spPr>
-      </p:pic>
-      <p:pic>
-        <p:nvPicPr>
-          <p:cNvPr id="9" name="Image 8">
-            <a:extLst>
-              <a:ext uri="{FF2B5EF4-FFF2-40B4-BE49-F238E27FC236}">
-                <a16:creationId xmlns:a16="http://schemas.microsoft.com/office/drawing/2014/main" id="{597A521E-D7AB-447E-95AB-DEB72D6DB8F7}"/>
-              </a:ext>
-            </a:extLst>
-          </p:cNvPr>
-          <p:cNvPicPr>
-            <a:picLocks noChangeAspect="1"/>
-          </p:cNvPicPr>
-          <p:nvPr/>
-        </p:nvPicPr>
-        <p:blipFill>
-          <a:blip r:embed="rId3"/>
-          <a:stretch>
-            <a:fillRect/>
-          </a:stretch>
-        </p:blipFill>
-        <p:spPr>
-          <a:xfrm>
-            <a:off x="4499932" y="1475132"/>
-            <a:ext cx="299152" cy="293523"/>
-          </a:xfrm>
-          <a:prstGeom prst="rect">
-            <a:avLst/>
-          </a:prstGeom>
-        </p:spPr>
-      </p:pic>
-      <p:pic>
-        <p:nvPicPr>
-          <p:cNvPr id="14" name="Image 13">
-            <a:extLst>
-              <a:ext uri="{FF2B5EF4-FFF2-40B4-BE49-F238E27FC236}">
-                <a16:creationId xmlns:a16="http://schemas.microsoft.com/office/drawing/2014/main" id="{4BEBC719-DF29-453A-ACC9-2B2552CA410D}"/>
-              </a:ext>
-            </a:extLst>
-          </p:cNvPr>
-          <p:cNvPicPr>
-            <a:picLocks noChangeAspect="1"/>
-          </p:cNvPicPr>
-          <p:nvPr/>
-        </p:nvPicPr>
-        <p:blipFill>
-          <a:blip r:embed="rId2"/>
-          <a:stretch>
-            <a:fillRect/>
-          </a:stretch>
-        </p:blipFill>
-        <p:spPr>
-          <a:xfrm>
-            <a:off x="4552439" y="2463363"/>
-            <a:ext cx="246645" cy="243416"/>
-          </a:xfrm>
-          <a:prstGeom prst="rect">
-            <a:avLst/>
-          </a:prstGeom>
-        </p:spPr>
-      </p:pic>
-      <p:pic>
-        <p:nvPicPr>
           <p:cNvPr id="3" name="Image 2">
             <a:extLst>
               <a:ext uri="{FF2B5EF4-FFF2-40B4-BE49-F238E27FC236}">
-                <a16:creationId xmlns:a16="http://schemas.microsoft.com/office/drawing/2014/main" id="{F0D2CE23-928D-41B8-A878-7FD454059EC0}"/>
-              </a:ext>
-            </a:extLst>
-          </p:cNvPr>
-          <p:cNvPicPr>
-            <a:picLocks noChangeAspect="1"/>
-          </p:cNvPicPr>
-          <p:nvPr/>
-        </p:nvPicPr>
-        <p:blipFill>
-          <a:blip r:embed="rId4"/>
-          <a:stretch>
-            <a:fillRect/>
-          </a:stretch>
-        </p:blipFill>
-        <p:spPr>
-          <a:xfrm>
-            <a:off x="1062510" y="4209691"/>
-            <a:ext cx="3368650" cy="762588"/>
-          </a:xfrm>
-          <a:prstGeom prst="rect">
-            <a:avLst/>
-          </a:prstGeom>
-          <a:effectLst>
-            <a:outerShdw blurRad="63500" sx="102000" sy="102000" algn="ctr" rotWithShape="0">
-              <a:srgbClr val="8F8F8F">
-                <a:alpha val="40000"/>
-              </a:srgbClr>
-            </a:outerShdw>
-          </a:effectLst>
-        </p:spPr>
-      </p:pic>
-      <p:pic>
-        <p:nvPicPr>
-          <p:cNvPr id="8" name="Image 7">
-            <a:extLst>
-              <a:ext uri="{FF2B5EF4-FFF2-40B4-BE49-F238E27FC236}">
-                <a16:creationId xmlns:a16="http://schemas.microsoft.com/office/drawing/2014/main" id="{965521D4-8AD9-4969-8FCD-46AA6288846A}"/>
+                <a16:creationId xmlns:a16="http://schemas.microsoft.com/office/drawing/2014/main" id="{50C4ECDF-8B2C-333A-6B8B-9DC3755C5A95}"/>
               </a:ext>
             </a:extLst>
           </p:cNvPr>
@@ -9405,154 +10005,18 @@
         </p:blipFill>
         <p:spPr>
           <a:xfrm>
-            <a:off x="5083246" y="3234603"/>
-            <a:ext cx="2964334" cy="2712764"/>
+            <a:off x="5478551" y="1474109"/>
+            <a:ext cx="246645" cy="243416"/>
           </a:xfrm>
           <a:prstGeom prst="rect">
             <a:avLst/>
           </a:prstGeom>
-          <a:effectLst>
-            <a:outerShdw blurRad="63500" sx="102000" sy="102000" algn="ctr" rotWithShape="0">
-              <a:srgbClr val="8F8F8F">
-                <a:alpha val="40000"/>
-              </a:srgbClr>
-            </a:outerShdw>
-          </a:effectLst>
         </p:spPr>
       </p:pic>
-      <p:cxnSp>
-        <p:nvCxnSpPr>
-          <p:cNvPr id="22" name="Connecteur droit avec flèche 21">
-            <a:extLst>
-              <a:ext uri="{FF2B5EF4-FFF2-40B4-BE49-F238E27FC236}">
-                <a16:creationId xmlns:a16="http://schemas.microsoft.com/office/drawing/2014/main" id="{CD34BE08-9EA9-4676-B0F6-4FA97FA62EDB}"/>
-              </a:ext>
-            </a:extLst>
-          </p:cNvPr>
-          <p:cNvCxnSpPr>
-            <a:cxnSpLocks/>
-            <a:stCxn id="3" idx="3"/>
-            <a:endCxn id="8" idx="1"/>
-          </p:cNvCxnSpPr>
-          <p:nvPr/>
-        </p:nvCxnSpPr>
-        <p:spPr>
-          <a:xfrm>
-            <a:off x="4431160" y="4590985"/>
-            <a:ext cx="652086" cy="0"/>
-          </a:xfrm>
-          <a:prstGeom prst="straightConnector1">
-            <a:avLst/>
-          </a:prstGeom>
-          <a:ln w="50800">
-            <a:solidFill>
-              <a:srgbClr val="FF7854"/>
-            </a:solidFill>
-            <a:tailEnd type="triangle"/>
-          </a:ln>
-        </p:spPr>
-        <p:style>
-          <a:lnRef idx="1">
-            <a:schemeClr val="accent1"/>
-          </a:lnRef>
-          <a:fillRef idx="0">
-            <a:schemeClr val="accent1"/>
-          </a:fillRef>
-          <a:effectRef idx="0">
-            <a:schemeClr val="accent1"/>
-          </a:effectRef>
-          <a:fontRef idx="minor">
-            <a:schemeClr val="tx1"/>
-          </a:fontRef>
-        </p:style>
-      </p:cxnSp>
-      <p:pic>
-        <p:nvPicPr>
-          <p:cNvPr id="27" name="Image 26">
-            <a:extLst>
-              <a:ext uri="{FF2B5EF4-FFF2-40B4-BE49-F238E27FC236}">
-                <a16:creationId xmlns:a16="http://schemas.microsoft.com/office/drawing/2014/main" id="{82A779FF-0F30-4277-AF2E-C5537A74B82D}"/>
-              </a:ext>
-            </a:extLst>
-          </p:cNvPr>
-          <p:cNvPicPr>
-            <a:picLocks noChangeAspect="1"/>
-          </p:cNvPicPr>
-          <p:nvPr/>
-        </p:nvPicPr>
-        <p:blipFill>
-          <a:blip r:embed="rId6"/>
-          <a:stretch>
-            <a:fillRect/>
-          </a:stretch>
-        </p:blipFill>
-        <p:spPr>
-          <a:xfrm>
-            <a:off x="9307101" y="3506561"/>
-            <a:ext cx="2356899" cy="2168849"/>
-          </a:xfrm>
-          <a:prstGeom prst="rect">
-            <a:avLst/>
-          </a:prstGeom>
-          <a:effectLst>
-            <a:outerShdw blurRad="63500" sx="102000" sy="102000" algn="ctr" rotWithShape="0">
-              <a:srgbClr val="8F8F8F">
-                <a:alpha val="40000"/>
-              </a:srgbClr>
-            </a:outerShdw>
-          </a:effectLst>
-        </p:spPr>
-      </p:pic>
-      <p:cxnSp>
-        <p:nvCxnSpPr>
-          <p:cNvPr id="32" name="Connecteur droit avec flèche 31">
-            <a:extLst>
-              <a:ext uri="{FF2B5EF4-FFF2-40B4-BE49-F238E27FC236}">
-                <a16:creationId xmlns:a16="http://schemas.microsoft.com/office/drawing/2014/main" id="{4F4ABA50-D3B9-49F2-B62A-C100B807D402}"/>
-              </a:ext>
-            </a:extLst>
-          </p:cNvPr>
-          <p:cNvCxnSpPr>
-            <a:cxnSpLocks/>
-            <a:stCxn id="8" idx="3"/>
-            <a:endCxn id="27" idx="1"/>
-          </p:cNvCxnSpPr>
-          <p:nvPr/>
-        </p:nvCxnSpPr>
-        <p:spPr>
-          <a:xfrm>
-            <a:off x="8047580" y="4590985"/>
-            <a:ext cx="1259521" cy="1"/>
-          </a:xfrm>
-          <a:prstGeom prst="straightConnector1">
-            <a:avLst/>
-          </a:prstGeom>
-          <a:ln w="50800">
-            <a:solidFill>
-              <a:srgbClr val="FF7854"/>
-            </a:solidFill>
-            <a:tailEnd type="triangle"/>
-          </a:ln>
-        </p:spPr>
-        <p:style>
-          <a:lnRef idx="1">
-            <a:schemeClr val="accent1"/>
-          </a:lnRef>
-          <a:fillRef idx="0">
-            <a:schemeClr val="accent1"/>
-          </a:fillRef>
-          <a:effectRef idx="0">
-            <a:schemeClr val="accent1"/>
-          </a:effectRef>
-          <a:fontRef idx="minor">
-            <a:schemeClr val="tx1"/>
-          </a:fontRef>
-        </p:style>
-      </p:cxnSp>
     </p:spTree>
     <p:extLst>
       <p:ext uri="{BB962C8B-B14F-4D97-AF65-F5344CB8AC3E}">
-        <p14:creationId xmlns:p14="http://schemas.microsoft.com/office/powerpoint/2010/main" val="1435834166"/>
+        <p14:creationId xmlns:p14="http://schemas.microsoft.com/office/powerpoint/2010/main" val="3798931004"/>
       </p:ext>
     </p:extLst>
   </p:cSld>
@@ -9942,29 +10406,8 @@
           <a:p>
             <a:r>
               <a:rPr lang="fr-FR" dirty="0"/>
-              <a:t>.NET </a:t>
+              <a:t>Configuration assistée</a:t>
             </a:r>
-            <a:r>
-              <a:rPr lang="fr-FR" dirty="0" err="1"/>
-              <a:t>Assembly</a:t>
-            </a:r>
-            <a:endParaRPr lang="fr-FR" dirty="0"/>
-          </a:p>
-          <a:p>
-            <a:r>
-              <a:rPr lang="fr-FR" dirty="0"/>
-              <a:t>Header (.h)</a:t>
-            </a:r>
-          </a:p>
-          <a:p>
-            <a:r>
-              <a:rPr lang="fr-FR" dirty="0"/>
-              <a:t>Type de données</a:t>
-            </a:r>
-          </a:p>
-          <a:p>
-            <a:pPr lvl="1"/>
-            <a:endParaRPr lang="fr-FR" dirty="0"/>
           </a:p>
         </p:txBody>
       </p:sp>
@@ -9992,7 +10435,7 @@
             <a:fld id="{3D38E89D-16A0-4C85-8400-9C86E1826DC0}" type="datetime4">
               <a:rPr lang="fr-FR" smtClean="0"/>
               <a:pPr/>
-              <a:t>26 septembre 2022</a:t>
+              <a:t>27 septembre 2022</a:t>
             </a:fld>
             <a:endParaRPr lang="en-US" dirty="0"/>
           </a:p>
@@ -10055,10 +10498,10 @@
       </p:sp>
       <p:pic>
         <p:nvPicPr>
-          <p:cNvPr id="7" name="Image 6">
-            <a:extLst>
-              <a:ext uri="{FF2B5EF4-FFF2-40B4-BE49-F238E27FC236}">
-                <a16:creationId xmlns:a16="http://schemas.microsoft.com/office/drawing/2014/main" id="{4DF5AD3E-6B66-459D-98A1-8CF98838CF7C}"/>
+          <p:cNvPr id="3" name="Image 2">
+            <a:extLst>
+              <a:ext uri="{FF2B5EF4-FFF2-40B4-BE49-F238E27FC236}">
+                <a16:creationId xmlns:a16="http://schemas.microsoft.com/office/drawing/2014/main" id="{F0D2CE23-928D-41B8-A878-7FD454059EC0}"/>
               </a:ext>
             </a:extLst>
           </p:cNvPr>
@@ -10075,20 +10518,27 @@
         </p:blipFill>
         <p:spPr>
           <a:xfrm>
-            <a:off x="4526186" y="1994301"/>
-            <a:ext cx="246645" cy="243416"/>
+            <a:off x="1062510" y="4209691"/>
+            <a:ext cx="3368650" cy="762588"/>
           </a:xfrm>
           <a:prstGeom prst="rect">
             <a:avLst/>
           </a:prstGeom>
+          <a:effectLst>
+            <a:outerShdw blurRad="63500" sx="102000" sy="102000" algn="ctr" rotWithShape="0">
+              <a:srgbClr val="8F8F8F">
+                <a:alpha val="40000"/>
+              </a:srgbClr>
+            </a:outerShdw>
+          </a:effectLst>
         </p:spPr>
       </p:pic>
       <p:pic>
         <p:nvPicPr>
-          <p:cNvPr id="9" name="Image 8">
-            <a:extLst>
-              <a:ext uri="{FF2B5EF4-FFF2-40B4-BE49-F238E27FC236}">
-                <a16:creationId xmlns:a16="http://schemas.microsoft.com/office/drawing/2014/main" id="{597A521E-D7AB-447E-95AB-DEB72D6DB8F7}"/>
+          <p:cNvPr id="8" name="Image 7">
+            <a:extLst>
+              <a:ext uri="{FF2B5EF4-FFF2-40B4-BE49-F238E27FC236}">
+                <a16:creationId xmlns:a16="http://schemas.microsoft.com/office/drawing/2014/main" id="{965521D4-8AD9-4969-8FCD-46AA6288846A}"/>
               </a:ext>
             </a:extLst>
           </p:cNvPr>
@@ -10105,20 +10555,362 @@
         </p:blipFill>
         <p:spPr>
           <a:xfrm>
-            <a:off x="4499932" y="1475132"/>
-            <a:ext cx="299152" cy="293523"/>
+            <a:off x="5083246" y="3234603"/>
+            <a:ext cx="2964334" cy="2712764"/>
+          </a:xfrm>
+          <a:prstGeom prst="rect">
+            <a:avLst/>
+          </a:prstGeom>
+          <a:effectLst>
+            <a:outerShdw blurRad="63500" sx="102000" sy="102000" algn="ctr" rotWithShape="0">
+              <a:srgbClr val="8F8F8F">
+                <a:alpha val="40000"/>
+              </a:srgbClr>
+            </a:outerShdw>
+          </a:effectLst>
+        </p:spPr>
+      </p:pic>
+      <p:cxnSp>
+        <p:nvCxnSpPr>
+          <p:cNvPr id="22" name="Connecteur droit avec flèche 21">
+            <a:extLst>
+              <a:ext uri="{FF2B5EF4-FFF2-40B4-BE49-F238E27FC236}">
+                <a16:creationId xmlns:a16="http://schemas.microsoft.com/office/drawing/2014/main" id="{CD34BE08-9EA9-4676-B0F6-4FA97FA62EDB}"/>
+              </a:ext>
+            </a:extLst>
+          </p:cNvPr>
+          <p:cNvCxnSpPr>
+            <a:cxnSpLocks/>
+            <a:stCxn id="3" idx="3"/>
+            <a:endCxn id="8" idx="1"/>
+          </p:cNvCxnSpPr>
+          <p:nvPr/>
+        </p:nvCxnSpPr>
+        <p:spPr>
+          <a:xfrm>
+            <a:off x="4431160" y="4590985"/>
+            <a:ext cx="652086" cy="0"/>
+          </a:xfrm>
+          <a:prstGeom prst="straightConnector1">
+            <a:avLst/>
+          </a:prstGeom>
+          <a:ln w="50800">
+            <a:solidFill>
+              <a:srgbClr val="FF7854"/>
+            </a:solidFill>
+            <a:tailEnd type="triangle"/>
+          </a:ln>
+        </p:spPr>
+        <p:style>
+          <a:lnRef idx="1">
+            <a:schemeClr val="accent1"/>
+          </a:lnRef>
+          <a:fillRef idx="0">
+            <a:schemeClr val="accent1"/>
+          </a:fillRef>
+          <a:effectRef idx="0">
+            <a:schemeClr val="accent1"/>
+          </a:effectRef>
+          <a:fontRef idx="minor">
+            <a:schemeClr val="tx1"/>
+          </a:fontRef>
+        </p:style>
+      </p:cxnSp>
+      <p:pic>
+        <p:nvPicPr>
+          <p:cNvPr id="27" name="Image 26">
+            <a:extLst>
+              <a:ext uri="{FF2B5EF4-FFF2-40B4-BE49-F238E27FC236}">
+                <a16:creationId xmlns:a16="http://schemas.microsoft.com/office/drawing/2014/main" id="{82A779FF-0F30-4277-AF2E-C5537A74B82D}"/>
+              </a:ext>
+            </a:extLst>
+          </p:cNvPr>
+          <p:cNvPicPr>
+            <a:picLocks noChangeAspect="1"/>
+          </p:cNvPicPr>
+          <p:nvPr/>
+        </p:nvPicPr>
+        <p:blipFill>
+          <a:blip r:embed="rId4"/>
+          <a:stretch>
+            <a:fillRect/>
+          </a:stretch>
+        </p:blipFill>
+        <p:spPr>
+          <a:xfrm>
+            <a:off x="9307101" y="3506561"/>
+            <a:ext cx="2356899" cy="2168849"/>
+          </a:xfrm>
+          <a:prstGeom prst="rect">
+            <a:avLst/>
+          </a:prstGeom>
+          <a:effectLst>
+            <a:outerShdw blurRad="63500" sx="102000" sy="102000" algn="ctr" rotWithShape="0">
+              <a:srgbClr val="8F8F8F">
+                <a:alpha val="40000"/>
+              </a:srgbClr>
+            </a:outerShdw>
+          </a:effectLst>
+        </p:spPr>
+      </p:pic>
+      <p:cxnSp>
+        <p:nvCxnSpPr>
+          <p:cNvPr id="32" name="Connecteur droit avec flèche 31">
+            <a:extLst>
+              <a:ext uri="{FF2B5EF4-FFF2-40B4-BE49-F238E27FC236}">
+                <a16:creationId xmlns:a16="http://schemas.microsoft.com/office/drawing/2014/main" id="{4F4ABA50-D3B9-49F2-B62A-C100B807D402}"/>
+              </a:ext>
+            </a:extLst>
+          </p:cNvPr>
+          <p:cNvCxnSpPr>
+            <a:cxnSpLocks/>
+            <a:stCxn id="8" idx="3"/>
+            <a:endCxn id="27" idx="1"/>
+          </p:cNvCxnSpPr>
+          <p:nvPr/>
+        </p:nvCxnSpPr>
+        <p:spPr>
+          <a:xfrm>
+            <a:off x="8047580" y="4590985"/>
+            <a:ext cx="1259521" cy="1"/>
+          </a:xfrm>
+          <a:prstGeom prst="straightConnector1">
+            <a:avLst/>
+          </a:prstGeom>
+          <a:ln w="50800">
+            <a:solidFill>
+              <a:srgbClr val="FF7854"/>
+            </a:solidFill>
+            <a:tailEnd type="triangle"/>
+          </a:ln>
+        </p:spPr>
+        <p:style>
+          <a:lnRef idx="1">
+            <a:schemeClr val="accent1"/>
+          </a:lnRef>
+          <a:fillRef idx="0">
+            <a:schemeClr val="accent1"/>
+          </a:fillRef>
+          <a:effectRef idx="0">
+            <a:schemeClr val="accent1"/>
+          </a:effectRef>
+          <a:fontRef idx="minor">
+            <a:schemeClr val="tx1"/>
+          </a:fontRef>
+        </p:style>
+      </p:cxnSp>
+      <p:pic>
+        <p:nvPicPr>
+          <p:cNvPr id="10" name="Image 9">
+            <a:extLst>
+              <a:ext uri="{FF2B5EF4-FFF2-40B4-BE49-F238E27FC236}">
+                <a16:creationId xmlns:a16="http://schemas.microsoft.com/office/drawing/2014/main" id="{1CC92AE3-C623-68AD-FBDC-C913F0CF7488}"/>
+              </a:ext>
+            </a:extLst>
+          </p:cNvPr>
+          <p:cNvPicPr>
+            <a:picLocks noChangeAspect="1"/>
+          </p:cNvPicPr>
+          <p:nvPr/>
+        </p:nvPicPr>
+        <p:blipFill>
+          <a:blip r:embed="rId5"/>
+          <a:stretch>
+            <a:fillRect/>
+          </a:stretch>
+        </p:blipFill>
+        <p:spPr>
+          <a:xfrm>
+            <a:off x="5478551" y="1474109"/>
+            <a:ext cx="246645" cy="243416"/>
           </a:xfrm>
           <a:prstGeom prst="rect">
             <a:avLst/>
           </a:prstGeom>
         </p:spPr>
       </p:pic>
+    </p:spTree>
+    <p:extLst>
+      <p:ext uri="{BB962C8B-B14F-4D97-AF65-F5344CB8AC3E}">
+        <p14:creationId xmlns:p14="http://schemas.microsoft.com/office/powerpoint/2010/main" val="1435834166"/>
+      </p:ext>
+    </p:extLst>
+  </p:cSld>
+  <p:clrMapOvr>
+    <a:masterClrMapping/>
+  </p:clrMapOvr>
+</p:sld>
+</file>
+
+<file path=ppt/slides/slide21.xml><?xml version="1.0" encoding="utf-8"?>
+<p:sld xmlns:a="http://schemas.openxmlformats.org/drawingml/2006/main" xmlns:r="http://schemas.openxmlformats.org/officeDocument/2006/relationships" xmlns:p="http://schemas.openxmlformats.org/presentationml/2006/main">
+  <p:cSld>
+    <p:spTree>
+      <p:nvGrpSpPr>
+        <p:cNvPr id="1" name=""/>
+        <p:cNvGrpSpPr/>
+        <p:nvPr/>
+      </p:nvGrpSpPr>
+      <p:grpSpPr>
+        <a:xfrm>
+          <a:off x="0" y="0"/>
+          <a:ext cx="0" cy="0"/>
+          <a:chOff x="0" y="0"/>
+          <a:chExt cx="0" cy="0"/>
+        </a:xfrm>
+      </p:grpSpPr>
+      <p:sp>
+        <p:nvSpPr>
+          <p:cNvPr id="2" name="Titre 1">
+            <a:extLst>
+              <a:ext uri="{FF2B5EF4-FFF2-40B4-BE49-F238E27FC236}">
+                <a16:creationId xmlns:a16="http://schemas.microsoft.com/office/drawing/2014/main" id="{94788A94-466E-456C-9076-B31EEC656C2C}"/>
+              </a:ext>
+            </a:extLst>
+          </p:cNvPr>
+          <p:cNvSpPr>
+            <a:spLocks noGrp="1"/>
+          </p:cNvSpPr>
+          <p:nvPr>
+            <p:ph type="title"/>
+          </p:nvPr>
+        </p:nvSpPr>
+        <p:spPr/>
+        <p:txBody>
+          <a:bodyPr/>
+          <a:lstStyle/>
+          <a:p>
+            <a:r>
+              <a:rPr lang="fr-FR"/>
+              <a:t>Prérequis - Intégration d’une dll dans LabVIEW</a:t>
+            </a:r>
+            <a:endParaRPr lang="en-US" dirty="0"/>
+          </a:p>
+        </p:txBody>
+      </p:sp>
+      <p:sp>
+        <p:nvSpPr>
+          <p:cNvPr id="19" name="Espace réservé du contenu 2">
+            <a:extLst>
+              <a:ext uri="{FF2B5EF4-FFF2-40B4-BE49-F238E27FC236}">
+                <a16:creationId xmlns:a16="http://schemas.microsoft.com/office/drawing/2014/main" id="{A93BBEF6-5D07-495B-AE83-B661FEB65DEE}"/>
+              </a:ext>
+            </a:extLst>
+          </p:cNvPr>
+          <p:cNvSpPr>
+            <a:spLocks noGrp="1"/>
+          </p:cNvSpPr>
+          <p:nvPr>
+            <p:ph idx="1"/>
+          </p:nvPr>
+        </p:nvSpPr>
+        <p:spPr/>
+        <p:txBody>
+          <a:bodyPr/>
+          <a:lstStyle/>
+          <a:p>
+            <a:r>
+              <a:rPr lang="fr-FR" dirty="0"/>
+              <a:t>Configuration assistée</a:t>
+            </a:r>
+          </a:p>
+          <a:p>
+            <a:pPr lvl="1"/>
+            <a:endParaRPr lang="fr-FR" dirty="0"/>
+          </a:p>
+        </p:txBody>
+      </p:sp>
+      <p:sp>
+        <p:nvSpPr>
+          <p:cNvPr id="4" name="Espace réservé de la date 3">
+            <a:extLst>
+              <a:ext uri="{FF2B5EF4-FFF2-40B4-BE49-F238E27FC236}">
+                <a16:creationId xmlns:a16="http://schemas.microsoft.com/office/drawing/2014/main" id="{02495090-DEE2-495F-8F24-4A9D42B74D07}"/>
+              </a:ext>
+            </a:extLst>
+          </p:cNvPr>
+          <p:cNvSpPr>
+            <a:spLocks noGrp="1"/>
+          </p:cNvSpPr>
+          <p:nvPr>
+            <p:ph type="dt" sz="half" idx="10"/>
+          </p:nvPr>
+        </p:nvSpPr>
+        <p:spPr/>
+        <p:txBody>
+          <a:bodyPr/>
+          <a:lstStyle/>
+          <a:p>
+            <a:fld id="{3D38E89D-16A0-4C85-8400-9C86E1826DC0}" type="datetime4">
+              <a:rPr lang="fr-FR" smtClean="0"/>
+              <a:pPr/>
+              <a:t>27 septembre 2022</a:t>
+            </a:fld>
+            <a:endParaRPr lang="en-US" dirty="0"/>
+          </a:p>
+        </p:txBody>
+      </p:sp>
+      <p:sp>
+        <p:nvSpPr>
+          <p:cNvPr id="5" name="Espace réservé du pied de page 4">
+            <a:extLst>
+              <a:ext uri="{FF2B5EF4-FFF2-40B4-BE49-F238E27FC236}">
+                <a16:creationId xmlns:a16="http://schemas.microsoft.com/office/drawing/2014/main" id="{4CB21D7D-907E-45C2-BBEA-0C8BE8185AEE}"/>
+              </a:ext>
+            </a:extLst>
+          </p:cNvPr>
+          <p:cNvSpPr>
+            <a:spLocks noGrp="1"/>
+          </p:cNvSpPr>
+          <p:nvPr>
+            <p:ph type="ftr" sz="quarter" idx="11"/>
+          </p:nvPr>
+        </p:nvSpPr>
+        <p:spPr/>
+        <p:txBody>
+          <a:bodyPr/>
+          <a:lstStyle/>
+          <a:p>
+            <a:endParaRPr lang="en-US" dirty="0"/>
+          </a:p>
+        </p:txBody>
+      </p:sp>
+      <p:sp>
+        <p:nvSpPr>
+          <p:cNvPr id="6" name="Espace réservé du numéro de diapositive 5">
+            <a:extLst>
+              <a:ext uri="{FF2B5EF4-FFF2-40B4-BE49-F238E27FC236}">
+                <a16:creationId xmlns:a16="http://schemas.microsoft.com/office/drawing/2014/main" id="{F95226C0-CE23-4F80-B746-EC07610468B2}"/>
+              </a:ext>
+            </a:extLst>
+          </p:cNvPr>
+          <p:cNvSpPr>
+            <a:spLocks noGrp="1"/>
+          </p:cNvSpPr>
+          <p:nvPr>
+            <p:ph type="sldNum" sz="quarter" idx="12"/>
+          </p:nvPr>
+        </p:nvSpPr>
+        <p:spPr/>
+        <p:txBody>
+          <a:bodyPr/>
+          <a:lstStyle/>
+          <a:p>
+            <a:fld id="{CB7920DE-DA26-4201-A337-FC43B769B7CA}" type="slidenum">
+              <a:rPr lang="en-US" smtClean="0"/>
+              <a:pPr/>
+              <a:t>21</a:t>
+            </a:fld>
+            <a:endParaRPr lang="en-US"/>
+          </a:p>
+        </p:txBody>
+      </p:sp>
       <p:pic>
         <p:nvPicPr>
-          <p:cNvPr id="14" name="Image 13">
-            <a:extLst>
-              <a:ext uri="{FF2B5EF4-FFF2-40B4-BE49-F238E27FC236}">
-                <a16:creationId xmlns:a16="http://schemas.microsoft.com/office/drawing/2014/main" id="{4BEBC719-DF29-453A-ACC9-2B2552CA410D}"/>
+          <p:cNvPr id="27" name="Image 26">
+            <a:extLst>
+              <a:ext uri="{FF2B5EF4-FFF2-40B4-BE49-F238E27FC236}">
+                <a16:creationId xmlns:a16="http://schemas.microsoft.com/office/drawing/2014/main" id="{82A779FF-0F30-4277-AF2E-C5537A74B82D}"/>
               </a:ext>
             </a:extLst>
           </p:cNvPr>
@@ -10129,36 +10921,6 @@
         </p:nvPicPr>
         <p:blipFill>
           <a:blip r:embed="rId2"/>
-          <a:stretch>
-            <a:fillRect/>
-          </a:stretch>
-        </p:blipFill>
-        <p:spPr>
-          <a:xfrm>
-            <a:off x="4552439" y="2463363"/>
-            <a:ext cx="246645" cy="243416"/>
-          </a:xfrm>
-          <a:prstGeom prst="rect">
-            <a:avLst/>
-          </a:prstGeom>
-        </p:spPr>
-      </p:pic>
-      <p:pic>
-        <p:nvPicPr>
-          <p:cNvPr id="27" name="Image 26">
-            <a:extLst>
-              <a:ext uri="{FF2B5EF4-FFF2-40B4-BE49-F238E27FC236}">
-                <a16:creationId xmlns:a16="http://schemas.microsoft.com/office/drawing/2014/main" id="{82A779FF-0F30-4277-AF2E-C5537A74B82D}"/>
-              </a:ext>
-            </a:extLst>
-          </p:cNvPr>
-          <p:cNvPicPr>
-            <a:picLocks noChangeAspect="1"/>
-          </p:cNvPicPr>
-          <p:nvPr/>
-        </p:nvPicPr>
-        <p:blipFill>
-          <a:blip r:embed="rId4"/>
           <a:stretch>
             <a:fillRect/>
           </a:stretch>
@@ -10240,7 +11002,7 @@
           <p:nvPr/>
         </p:nvPicPr>
         <p:blipFill>
-          <a:blip r:embed="rId5"/>
+          <a:blip r:embed="rId3"/>
           <a:stretch>
             <a:fillRect/>
           </a:stretch>
@@ -10277,7 +11039,7 @@
           <p:nvPr/>
         </p:nvPicPr>
         <p:blipFill>
-          <a:blip r:embed="rId6"/>
+          <a:blip r:embed="rId4"/>
           <a:stretch>
             <a:fillRect/>
           </a:stretch>
@@ -10299,6 +11061,36 @@
           </a:effectLst>
         </p:spPr>
       </p:pic>
+      <p:pic>
+        <p:nvPicPr>
+          <p:cNvPr id="3" name="Image 2">
+            <a:extLst>
+              <a:ext uri="{FF2B5EF4-FFF2-40B4-BE49-F238E27FC236}">
+                <a16:creationId xmlns:a16="http://schemas.microsoft.com/office/drawing/2014/main" id="{21972747-56D0-687D-6081-CD9DD6220CBC}"/>
+              </a:ext>
+            </a:extLst>
+          </p:cNvPr>
+          <p:cNvPicPr>
+            <a:picLocks noChangeAspect="1"/>
+          </p:cNvPicPr>
+          <p:nvPr/>
+        </p:nvPicPr>
+        <p:blipFill>
+          <a:blip r:embed="rId5"/>
+          <a:stretch>
+            <a:fillRect/>
+          </a:stretch>
+        </p:blipFill>
+        <p:spPr>
+          <a:xfrm>
+            <a:off x="5478551" y="1474109"/>
+            <a:ext cx="246645" cy="243416"/>
+          </a:xfrm>
+          <a:prstGeom prst="rect">
+            <a:avLst/>
+          </a:prstGeom>
+        </p:spPr>
+      </p:pic>
     </p:spTree>
     <p:extLst>
       <p:ext uri="{BB962C8B-B14F-4D97-AF65-F5344CB8AC3E}">
@@ -10312,7 +11104,7 @@
 </p:sld>
 </file>
 
-<file path=ppt/slides/slide21.xml><?xml version="1.0" encoding="utf-8"?>
+<file path=ppt/slides/slide22.xml><?xml version="1.0" encoding="utf-8"?>
 <p:sld xmlns:a="http://schemas.openxmlformats.org/drawingml/2006/main" xmlns:r="http://schemas.openxmlformats.org/officeDocument/2006/relationships" xmlns:p="http://schemas.openxmlformats.org/presentationml/2006/main">
   <p:cSld>
     <p:spTree>
@@ -10385,7 +11177,7 @@
           <a:p>
             <a:fld id="{120FE46E-197A-4CBD-BA7D-B0097E0955D4}" type="datetime4">
               <a:rPr lang="fr-FR" smtClean="0"/>
-              <a:t>26 septembre 2022</a:t>
+              <a:t>27 septembre 2022</a:t>
             </a:fld>
             <a:endParaRPr lang="en-US" dirty="0"/>
           </a:p>
@@ -10419,7 +11211,7 @@
           <a:p>
             <a:fld id="{CB7920DE-DA26-4201-A337-FC43B769B7CA}" type="slidenum">
               <a:rPr lang="en-US" smtClean="0"/>
-              <a:t>21</a:t>
+              <a:t>22</a:t>
             </a:fld>
             <a:endParaRPr lang="en-US"/>
           </a:p>
@@ -10471,7 +11263,7 @@
 </p:sld>
 </file>
 
-<file path=ppt/slides/slide22.xml><?xml version="1.0" encoding="utf-8"?>
+<file path=ppt/slides/slide23.xml><?xml version="1.0" encoding="utf-8"?>
 <p:sld xmlns:a="http://schemas.openxmlformats.org/drawingml/2006/main" xmlns:r="http://schemas.openxmlformats.org/officeDocument/2006/relationships" xmlns:p="http://schemas.openxmlformats.org/presentationml/2006/main">
   <p:cSld>
     <p:spTree>
@@ -10662,7 +11454,7 @@
           <a:p>
             <a:fld id="{3D38E89D-16A0-4C85-8400-9C86E1826DC0}" type="datetime4">
               <a:rPr lang="fr-FR" smtClean="0"/>
-              <a:t>26 septembre 2022</a:t>
+              <a:t>27 septembre 2022</a:t>
             </a:fld>
             <a:endParaRPr lang="en-US" dirty="0"/>
           </a:p>
@@ -10716,7 +11508,7 @@
           <a:p>
             <a:fld id="{CB7920DE-DA26-4201-A337-FC43B769B7CA}" type="slidenum">
               <a:rPr lang="en-US" smtClean="0"/>
-              <a:t>22</a:t>
+              <a:t>23</a:t>
             </a:fld>
             <a:endParaRPr lang="en-US"/>
           </a:p>
@@ -10833,7 +11625,7 @@
 </p:sld>
 </file>
 
-<file path=ppt/slides/slide23.xml><?xml version="1.0" encoding="utf-8"?>
+<file path=ppt/slides/slide24.xml><?xml version="1.0" encoding="utf-8"?>
 <p:sld xmlns:a="http://schemas.openxmlformats.org/drawingml/2006/main" xmlns:r="http://schemas.openxmlformats.org/officeDocument/2006/relationships" xmlns:p="http://schemas.openxmlformats.org/presentationml/2006/main">
   <p:cSld>
     <p:spTree>
@@ -10936,7 +11728,7 @@
           <a:p>
             <a:fld id="{3D38E89D-16A0-4C85-8400-9C86E1826DC0}" type="datetime4">
               <a:rPr lang="fr-FR" smtClean="0"/>
-              <a:t>26 septembre 2022</a:t>
+              <a:t>27 septembre 2022</a:t>
             </a:fld>
             <a:endParaRPr lang="en-US" dirty="0"/>
           </a:p>
@@ -10990,7 +11782,7 @@
           <a:p>
             <a:fld id="{CB7920DE-DA26-4201-A337-FC43B769B7CA}" type="slidenum">
               <a:rPr lang="en-US" smtClean="0"/>
-              <a:t>23</a:t>
+              <a:t>24</a:t>
             </a:fld>
             <a:endParaRPr lang="en-US"/>
           </a:p>
@@ -11523,7 +12315,7 @@
 </p:sld>
 </file>
 
-<file path=ppt/slides/slide24.xml><?xml version="1.0" encoding="utf-8"?>
+<file path=ppt/slides/slide25.xml><?xml version="1.0" encoding="utf-8"?>
 <p:sld xmlns:a="http://schemas.openxmlformats.org/drawingml/2006/main" xmlns:r="http://schemas.openxmlformats.org/officeDocument/2006/relationships" xmlns:p="http://schemas.openxmlformats.org/presentationml/2006/main">
   <p:cSld>
     <p:spTree>
@@ -11621,7 +12413,7 @@
           <a:p>
             <a:fld id="{CB7920DE-DA26-4201-A337-FC43B769B7CA}" type="slidenum">
               <a:rPr lang="en-US" smtClean="0"/>
-              <a:t>24</a:t>
+              <a:t>25</a:t>
             </a:fld>
             <a:endParaRPr lang="en-US"/>
           </a:p>
@@ -12122,7 +12914,7 @@
 </p:sld>
 </file>
 
-<file path=ppt/slides/slide25.xml><?xml version="1.0" encoding="utf-8"?>
+<file path=ppt/slides/slide26.xml><?xml version="1.0" encoding="utf-8"?>
 <p:sld xmlns:a="http://schemas.openxmlformats.org/drawingml/2006/main" xmlns:r="http://schemas.openxmlformats.org/officeDocument/2006/relationships" xmlns:p="http://schemas.openxmlformats.org/presentationml/2006/main">
   <p:cSld>
     <p:spTree>
@@ -12190,7 +12982,7 @@
           <a:p>
             <a:fld id="{3D38E89D-16A0-4C85-8400-9C86E1826DC0}" type="datetime4">
               <a:rPr lang="fr-FR" smtClean="0"/>
-              <a:t>26 septembre 2022</a:t>
+              <a:t>27 septembre 2022</a:t>
             </a:fld>
             <a:endParaRPr lang="en-US" dirty="0"/>
           </a:p>
@@ -12244,7 +13036,7 @@
           <a:p>
             <a:fld id="{CB7920DE-DA26-4201-A337-FC43B769B7CA}" type="slidenum">
               <a:rPr lang="en-US" smtClean="0"/>
-              <a:t>25</a:t>
+              <a:t>26</a:t>
             </a:fld>
             <a:endParaRPr lang="en-US"/>
           </a:p>
@@ -12425,7 +13217,7 @@
 </p:sld>
 </file>
 
-<file path=ppt/slides/slide26.xml><?xml version="1.0" encoding="utf-8"?>
+<file path=ppt/slides/slide27.xml><?xml version="1.0" encoding="utf-8"?>
 <p:sld xmlns:a="http://schemas.openxmlformats.org/drawingml/2006/main" xmlns:r="http://schemas.openxmlformats.org/officeDocument/2006/relationships" xmlns:p="http://schemas.openxmlformats.org/presentationml/2006/main">
   <p:cSld>
     <p:spTree>
@@ -12493,7 +13285,7 @@
           <a:p>
             <a:fld id="{120FE46E-197A-4CBD-BA7D-B0097E0955D4}" type="datetime4">
               <a:rPr lang="fr-FR" smtClean="0"/>
-              <a:t>26 septembre 2022</a:t>
+              <a:t>27 septembre 2022</a:t>
             </a:fld>
             <a:endParaRPr lang="en-US" dirty="0"/>
           </a:p>
@@ -12547,7 +13339,7 @@
           <a:p>
             <a:fld id="{CB7920DE-DA26-4201-A337-FC43B769B7CA}" type="slidenum">
               <a:rPr lang="en-US" smtClean="0"/>
-              <a:t>26</a:t>
+              <a:t>27</a:t>
             </a:fld>
             <a:endParaRPr lang="en-US"/>
           </a:p>
@@ -13059,7 +13851,7 @@
 </p:sld>
 </file>
 
-<file path=ppt/slides/slide27.xml><?xml version="1.0" encoding="utf-8"?>
+<file path=ppt/slides/slide28.xml><?xml version="1.0" encoding="utf-8"?>
 <p:sld xmlns:a="http://schemas.openxmlformats.org/drawingml/2006/main" xmlns:r="http://schemas.openxmlformats.org/officeDocument/2006/relationships" xmlns:p="http://schemas.openxmlformats.org/presentationml/2006/main">
   <p:cSld>
     <p:spTree>
@@ -13130,7 +13922,11 @@
           <a:bodyPr/>
           <a:lstStyle/>
           <a:p>
-            <a:endParaRPr lang="en-US" dirty="0"/>
+            <a:pPr algn="ctr"/>
+            <a:r>
+              <a:rPr lang="fr-FR" dirty="0"/>
+              <a:t>Loïc WOHLEBER</a:t>
+            </a:r>
           </a:p>
         </p:txBody>
       </p:sp>
@@ -13155,7 +13951,10 @@
           <a:bodyPr/>
           <a:lstStyle/>
           <a:p>
-            <a:endParaRPr lang="en-US" dirty="0"/>
+            <a:r>
+              <a:rPr lang="fr-FR" dirty="0"/>
+              <a:t>Ingénieur Test &amp; Mesures</a:t>
+            </a:r>
           </a:p>
         </p:txBody>
       </p:sp>
@@ -13180,7 +13979,11 @@
           <a:bodyPr/>
           <a:lstStyle/>
           <a:p>
-            <a:endParaRPr lang="en-US"/>
+            <a:pPr algn="ctr"/>
+            <a:r>
+              <a:rPr lang="fr-FR" dirty="0"/>
+              <a:t>Maxime RENAUD</a:t>
+            </a:r>
           </a:p>
         </p:txBody>
       </p:sp>
@@ -13205,7 +14008,16 @@
           <a:bodyPr/>
           <a:lstStyle/>
           <a:p>
-            <a:endParaRPr lang="en-US" dirty="0"/>
+            <a:r>
+              <a:rPr lang="fr-FR" dirty="0"/>
+              <a:t>Ingénieur Test &amp; Mesures</a:t>
+            </a:r>
+          </a:p>
+          <a:p>
+            <a:r>
+              <a:rPr lang="fr-FR" dirty="0"/>
+              <a:t>15 ans d’expérience dans le monde NI</a:t>
+            </a:r>
           </a:p>
         </p:txBody>
       </p:sp>
@@ -13232,9 +14044,9 @@
           <a:p>
             <a:fld id="{B7A2E58F-889F-471A-B6EE-F12CF7DFEFEF}" type="datetime4">
               <a:rPr lang="fr-FR" smtClean="0"/>
-              <a:t>26 septembre 2022</a:t>
+              <a:t>27 septembre 2022</a:t>
             </a:fld>
-            <a:endParaRPr lang="en-US"/>
+            <a:endParaRPr lang="fr-FR" dirty="0"/>
           </a:p>
         </p:txBody>
       </p:sp>
@@ -13259,7 +14071,7 @@
           <a:bodyPr/>
           <a:lstStyle/>
           <a:p>
-            <a:endParaRPr lang="en-US" dirty="0"/>
+            <a:endParaRPr lang="fr-FR" dirty="0"/>
           </a:p>
         </p:txBody>
       </p:sp>
@@ -13285,10 +14097,10 @@
           <a:lstStyle/>
           <a:p>
             <a:fld id="{CB7920DE-DA26-4201-A337-FC43B769B7CA}" type="slidenum">
-              <a:rPr lang="en-US" smtClean="0"/>
+              <a:rPr lang="fr-FR" smtClean="0"/>
               <a:t>3</a:t>
             </a:fld>
-            <a:endParaRPr lang="en-US" dirty="0"/>
+            <a:endParaRPr lang="fr-FR" dirty="0"/>
           </a:p>
         </p:txBody>
       </p:sp>
@@ -13317,10 +14129,103 @@
               <a:rPr lang="fr-FR" dirty="0"/>
               <a:t>Présentateurs</a:t>
             </a:r>
-            <a:endParaRPr lang="en-US" dirty="0"/>
-          </a:p>
-        </p:txBody>
-      </p:sp>
+          </a:p>
+        </p:txBody>
+      </p:sp>
+      <p:pic>
+        <p:nvPicPr>
+          <p:cNvPr id="1028" name="Picture 4">
+            <a:extLst>
+              <a:ext uri="{FF2B5EF4-FFF2-40B4-BE49-F238E27FC236}">
+                <a16:creationId xmlns:a16="http://schemas.microsoft.com/office/drawing/2014/main" id="{2156EC94-035E-186E-33D9-E7B7F85CE533}"/>
+              </a:ext>
+            </a:extLst>
+          </p:cNvPr>
+          <p:cNvPicPr>
+            <a:picLocks noChangeAspect="1" noChangeArrowheads="1"/>
+          </p:cNvPicPr>
+          <p:nvPr/>
+        </p:nvPicPr>
+        <p:blipFill>
+          <a:blip r:embed="rId2">
+            <a:extLst>
+              <a:ext uri="{28A0092B-C50C-407E-A947-70E740481C1C}">
+                <a14:useLocalDpi xmlns:a14="http://schemas.microsoft.com/office/drawing/2010/main" val="0"/>
+              </a:ext>
+            </a:extLst>
+          </a:blip>
+          <a:srcRect/>
+          <a:stretch>
+            <a:fillRect/>
+          </a:stretch>
+        </p:blipFill>
+        <p:spPr bwMode="auto">
+          <a:xfrm>
+            <a:off x="8010030" y="5295328"/>
+            <a:ext cx="1224792" cy="1224792"/>
+          </a:xfrm>
+          <a:prstGeom prst="rect">
+            <a:avLst/>
+          </a:prstGeom>
+          <a:noFill/>
+          <a:extLst>
+            <a:ext uri="{909E8E84-426E-40DD-AFC4-6F175D3DCCD1}">
+              <a14:hiddenFill xmlns:a14="http://schemas.microsoft.com/office/drawing/2010/main">
+                <a:solidFill>
+                  <a:srgbClr val="FFFFFF"/>
+                </a:solidFill>
+              </a14:hiddenFill>
+            </a:ext>
+          </a:extLst>
+        </p:spPr>
+      </p:pic>
+      <p:pic>
+        <p:nvPicPr>
+          <p:cNvPr id="1030" name="Picture 6">
+            <a:extLst>
+              <a:ext uri="{FF2B5EF4-FFF2-40B4-BE49-F238E27FC236}">
+                <a16:creationId xmlns:a16="http://schemas.microsoft.com/office/drawing/2014/main" id="{803FA18F-9A8A-39C3-0933-92FF891DBF65}"/>
+              </a:ext>
+            </a:extLst>
+          </p:cNvPr>
+          <p:cNvPicPr>
+            <a:picLocks noChangeAspect="1" noChangeArrowheads="1"/>
+          </p:cNvPicPr>
+          <p:nvPr/>
+        </p:nvPicPr>
+        <p:blipFill>
+          <a:blip r:embed="rId3">
+            <a:extLst>
+              <a:ext uri="{28A0092B-C50C-407E-A947-70E740481C1C}">
+                <a14:useLocalDpi xmlns:a14="http://schemas.microsoft.com/office/drawing/2010/main" val="0"/>
+              </a:ext>
+            </a:extLst>
+          </a:blip>
+          <a:srcRect/>
+          <a:stretch>
+            <a:fillRect/>
+          </a:stretch>
+        </p:blipFill>
+        <p:spPr bwMode="auto">
+          <a:xfrm>
+            <a:off x="9536826" y="5295328"/>
+            <a:ext cx="1224792" cy="1224792"/>
+          </a:xfrm>
+          <a:prstGeom prst="rect">
+            <a:avLst/>
+          </a:prstGeom>
+          <a:noFill/>
+          <a:extLst>
+            <a:ext uri="{909E8E84-426E-40DD-AFC4-6F175D3DCCD1}">
+              <a14:hiddenFill xmlns:a14="http://schemas.microsoft.com/office/drawing/2010/main">
+                <a:solidFill>
+                  <a:srgbClr val="FFFFFF"/>
+                </a:solidFill>
+              </a14:hiddenFill>
+            </a:ext>
+          </a:extLst>
+        </p:spPr>
+      </p:pic>
     </p:spTree>
     <p:extLst>
       <p:ext uri="{BB962C8B-B14F-4D97-AF65-F5344CB8AC3E}">
@@ -13376,34 +14281,9 @@
           <a:lstStyle/>
           <a:p>
             <a:r>
-              <a:rPr lang="fr-FR" dirty="0" err="1"/>
-              <a:t>BioLogic</a:t>
+              <a:rPr lang="fr-FR" dirty="0"/>
+              <a:t>BioLogic – Gammes de produits</a:t>
             </a:r>
-            <a:endParaRPr lang="en-US" dirty="0"/>
-          </a:p>
-        </p:txBody>
-      </p:sp>
-      <p:sp>
-        <p:nvSpPr>
-          <p:cNvPr id="3" name="Espace réservé du contenu 2">
-            <a:extLst>
-              <a:ext uri="{FF2B5EF4-FFF2-40B4-BE49-F238E27FC236}">
-                <a16:creationId xmlns:a16="http://schemas.microsoft.com/office/drawing/2014/main" id="{47FFDCE6-6DFA-4ABE-8C03-AE5EA88AAA15}"/>
-              </a:ext>
-            </a:extLst>
-          </p:cNvPr>
-          <p:cNvSpPr>
-            <a:spLocks noGrp="1"/>
-          </p:cNvSpPr>
-          <p:nvPr>
-            <p:ph idx="1"/>
-          </p:nvPr>
-        </p:nvSpPr>
-        <p:spPr/>
-        <p:txBody>
-          <a:bodyPr/>
-          <a:lstStyle/>
-          <a:p>
             <a:endParaRPr lang="en-US" dirty="0"/>
           </a:p>
         </p:txBody>
@@ -13431,7 +14311,7 @@
           <a:p>
             <a:fld id="{3D38E89D-16A0-4C85-8400-9C86E1826DC0}" type="datetime4">
               <a:rPr lang="fr-FR" smtClean="0"/>
-              <a:t>26 septembre 2022</a:t>
+              <a:t>27 septembre 2022</a:t>
             </a:fld>
             <a:endParaRPr lang="en-US" dirty="0"/>
           </a:p>
@@ -13488,6 +14368,903 @@
               <a:t>4</a:t>
             </a:fld>
             <a:endParaRPr lang="en-US"/>
+          </a:p>
+        </p:txBody>
+      </p:sp>
+      <p:grpSp>
+        <p:nvGrpSpPr>
+          <p:cNvPr id="7" name="Group 41">
+            <a:extLst>
+              <a:ext uri="{FF2B5EF4-FFF2-40B4-BE49-F238E27FC236}">
+                <a16:creationId xmlns:a16="http://schemas.microsoft.com/office/drawing/2014/main" id="{E23369F0-52F1-2EB2-2318-22C8476C557F}"/>
+              </a:ext>
+            </a:extLst>
+          </p:cNvPr>
+          <p:cNvGrpSpPr/>
+          <p:nvPr/>
+        </p:nvGrpSpPr>
+        <p:grpSpPr>
+          <a:xfrm>
+            <a:off x="6209696" y="1546983"/>
+            <a:ext cx="2383220" cy="2486493"/>
+            <a:chOff x="2584634" y="2780350"/>
+            <a:chExt cx="2383220" cy="2486493"/>
+          </a:xfrm>
+        </p:grpSpPr>
+        <p:pic>
+          <p:nvPicPr>
+            <p:cNvPr id="8" name="Picture 11">
+              <a:extLst>
+                <a:ext uri="{FF2B5EF4-FFF2-40B4-BE49-F238E27FC236}">
+                  <a16:creationId xmlns:a16="http://schemas.microsoft.com/office/drawing/2014/main" id="{C5A2BADE-6F46-7045-EB57-C31BFFFAEDAF}"/>
+                </a:ext>
+              </a:extLst>
+            </p:cNvPr>
+            <p:cNvPicPr>
+              <a:picLocks noChangeAspect="1"/>
+            </p:cNvPicPr>
+            <p:nvPr/>
+          </p:nvPicPr>
+          <p:blipFill rotWithShape="1">
+            <a:blip r:embed="rId2" cstate="screen">
+              <a:extLst>
+                <a:ext uri="{28A0092B-C50C-407E-A947-70E740481C1C}">
+                  <a14:useLocalDpi xmlns:a14="http://schemas.microsoft.com/office/drawing/2010/main"/>
+                </a:ext>
+              </a:extLst>
+            </a:blip>
+            <a:srcRect r="2562"/>
+            <a:stretch/>
+          </p:blipFill>
+          <p:spPr>
+            <a:xfrm>
+              <a:off x="2586109" y="4034926"/>
+              <a:ext cx="2369862" cy="1231917"/>
+            </a:xfrm>
+            <a:prstGeom prst="rect">
+              <a:avLst/>
+            </a:prstGeom>
+          </p:spPr>
+        </p:pic>
+        <p:pic>
+          <p:nvPicPr>
+            <p:cNvPr id="9" name="Picture 14">
+              <a:extLst>
+                <a:ext uri="{FF2B5EF4-FFF2-40B4-BE49-F238E27FC236}">
+                  <a16:creationId xmlns:a16="http://schemas.microsoft.com/office/drawing/2014/main" id="{5EE09B19-1D90-C2A3-E190-B54B7922D9EB}"/>
+                </a:ext>
+              </a:extLst>
+            </p:cNvPr>
+            <p:cNvPicPr>
+              <a:picLocks noChangeAspect="1"/>
+            </p:cNvPicPr>
+            <p:nvPr/>
+          </p:nvPicPr>
+          <p:blipFill rotWithShape="1">
+            <a:blip r:embed="rId3" cstate="screen">
+              <a:extLst>
+                <a:ext uri="{28A0092B-C50C-407E-A947-70E740481C1C}">
+                  <a14:useLocalDpi xmlns:a14="http://schemas.microsoft.com/office/drawing/2010/main"/>
+                </a:ext>
+              </a:extLst>
+            </a:blip>
+            <a:srcRect/>
+            <a:stretch/>
+          </p:blipFill>
+          <p:spPr>
+            <a:xfrm>
+              <a:off x="2586405" y="2780350"/>
+              <a:ext cx="2366964" cy="1331477"/>
+            </a:xfrm>
+            <a:prstGeom prst="rect">
+              <a:avLst/>
+            </a:prstGeom>
+          </p:spPr>
+        </p:pic>
+        <p:sp>
+          <p:nvSpPr>
+            <p:cNvPr id="10" name="TextBox 25">
+              <a:extLst>
+                <a:ext uri="{FF2B5EF4-FFF2-40B4-BE49-F238E27FC236}">
+                  <a16:creationId xmlns:a16="http://schemas.microsoft.com/office/drawing/2014/main" id="{5CE71862-362C-D808-573A-5260DDE41817}"/>
+                </a:ext>
+              </a:extLst>
+            </p:cNvPr>
+            <p:cNvSpPr txBox="1"/>
+            <p:nvPr/>
+          </p:nvSpPr>
+          <p:spPr>
+            <a:xfrm>
+              <a:off x="2584634" y="4173637"/>
+              <a:ext cx="2383220" cy="748821"/>
+            </a:xfrm>
+            <a:prstGeom prst="rect">
+              <a:avLst/>
+            </a:prstGeom>
+            <a:noFill/>
+          </p:spPr>
+          <p:txBody>
+            <a:bodyPr wrap="square" rtlCol="0">
+              <a:normAutofit/>
+            </a:bodyPr>
+            <a:lstStyle/>
+            <a:p>
+              <a:pPr>
+                <a:lnSpc>
+                  <a:spcPts val="1620"/>
+                </a:lnSpc>
+              </a:pPr>
+              <a:r>
+                <a:rPr lang="fr-FR" dirty="0">
+                  <a:solidFill>
+                    <a:schemeClr val="tx1">
+                      <a:lumMod val="85000"/>
+                      <a:lumOff val="15000"/>
+                    </a:schemeClr>
+                  </a:solidFill>
+                  <a:latin typeface="Gilroy Bold" panose="00000800000000000000" pitchFamily="50" charset="0"/>
+                </a:rPr>
+                <a:t>Cycleurs de batterie</a:t>
+              </a:r>
+            </a:p>
+            <a:p>
+              <a:pPr>
+                <a:lnSpc>
+                  <a:spcPts val="1220"/>
+                </a:lnSpc>
+              </a:pPr>
+              <a:r>
+                <a:rPr lang="en" sz="1100" dirty="0">
+                  <a:latin typeface="Gilroy" pitchFamily="2" charset="77"/>
+                </a:rPr>
+                <a:t>Modularité, performance, puissance et flexibilité</a:t>
+              </a:r>
+              <a:endParaRPr lang="fr-FR" sz="1100" dirty="0">
+                <a:latin typeface="Gilroy" pitchFamily="2" charset="77"/>
+              </a:endParaRPr>
+            </a:p>
+          </p:txBody>
+        </p:sp>
+      </p:grpSp>
+      <p:grpSp>
+        <p:nvGrpSpPr>
+          <p:cNvPr id="15" name="Group 43">
+            <a:extLst>
+              <a:ext uri="{FF2B5EF4-FFF2-40B4-BE49-F238E27FC236}">
+                <a16:creationId xmlns:a16="http://schemas.microsoft.com/office/drawing/2014/main" id="{1CEFF5D6-2A2F-AF36-29D0-5465936998BF}"/>
+              </a:ext>
+            </a:extLst>
+          </p:cNvPr>
+          <p:cNvGrpSpPr/>
+          <p:nvPr/>
+        </p:nvGrpSpPr>
+        <p:grpSpPr>
+          <a:xfrm>
+            <a:off x="3641590" y="3002932"/>
+            <a:ext cx="2387600" cy="2510925"/>
+            <a:chOff x="196974" y="3899433"/>
+            <a:chExt cx="2387600" cy="2510925"/>
+          </a:xfrm>
+        </p:grpSpPr>
+        <p:pic>
+          <p:nvPicPr>
+            <p:cNvPr id="16" name="Picture 40">
+              <a:extLst>
+                <a:ext uri="{FF2B5EF4-FFF2-40B4-BE49-F238E27FC236}">
+                  <a16:creationId xmlns:a16="http://schemas.microsoft.com/office/drawing/2014/main" id="{5C261985-74D1-7B33-0433-A78A281ECB8A}"/>
+                </a:ext>
+              </a:extLst>
+            </p:cNvPr>
+            <p:cNvPicPr preferRelativeResize="0">
+              <a:picLocks/>
+            </p:cNvPicPr>
+            <p:nvPr/>
+          </p:nvPicPr>
+          <p:blipFill>
+            <a:blip r:embed="rId4" cstate="screen">
+              <a:extLst>
+                <a:ext uri="{28A0092B-C50C-407E-A947-70E740481C1C}">
+                  <a14:useLocalDpi xmlns:a14="http://schemas.microsoft.com/office/drawing/2010/main"/>
+                </a:ext>
+              </a:extLst>
+            </a:blip>
+            <a:stretch>
+              <a:fillRect/>
+            </a:stretch>
+          </p:blipFill>
+          <p:spPr>
+            <a:xfrm>
+              <a:off x="207134" y="5228655"/>
+              <a:ext cx="2377440" cy="1181703"/>
+            </a:xfrm>
+            <a:prstGeom prst="rect">
+              <a:avLst/>
+            </a:prstGeom>
+          </p:spPr>
+        </p:pic>
+        <p:pic>
+          <p:nvPicPr>
+            <p:cNvPr id="17" name="Picture 16">
+              <a:extLst>
+                <a:ext uri="{FF2B5EF4-FFF2-40B4-BE49-F238E27FC236}">
+                  <a16:creationId xmlns:a16="http://schemas.microsoft.com/office/drawing/2014/main" id="{F4F7A1D4-C6B8-3F99-A8C1-E39FE8A3E736}"/>
+                </a:ext>
+              </a:extLst>
+            </p:cNvPr>
+            <p:cNvPicPr>
+              <a:picLocks noChangeAspect="1"/>
+            </p:cNvPicPr>
+            <p:nvPr/>
+          </p:nvPicPr>
+          <p:blipFill rotWithShape="1">
+            <a:blip r:embed="rId5" cstate="screen">
+              <a:extLst>
+                <a:ext uri="{28A0092B-C50C-407E-A947-70E740481C1C}">
+                  <a14:useLocalDpi xmlns:a14="http://schemas.microsoft.com/office/drawing/2010/main"/>
+                </a:ext>
+              </a:extLst>
+            </a:blip>
+            <a:srcRect/>
+            <a:stretch/>
+          </p:blipFill>
+          <p:spPr>
+            <a:xfrm>
+              <a:off x="207134" y="3899433"/>
+              <a:ext cx="2377440" cy="1335706"/>
+            </a:xfrm>
+            <a:prstGeom prst="rect">
+              <a:avLst/>
+            </a:prstGeom>
+          </p:spPr>
+        </p:pic>
+        <p:sp>
+          <p:nvSpPr>
+            <p:cNvPr id="18" name="TextBox 27">
+              <a:extLst>
+                <a:ext uri="{FF2B5EF4-FFF2-40B4-BE49-F238E27FC236}">
+                  <a16:creationId xmlns:a16="http://schemas.microsoft.com/office/drawing/2014/main" id="{961631DD-DBC6-9A14-4FC0-1E697BE1D794}"/>
+                </a:ext>
+              </a:extLst>
+            </p:cNvPr>
+            <p:cNvSpPr txBox="1"/>
+            <p:nvPr/>
+          </p:nvSpPr>
+          <p:spPr>
+            <a:xfrm>
+              <a:off x="196974" y="5293117"/>
+              <a:ext cx="2365728" cy="1107081"/>
+            </a:xfrm>
+            <a:prstGeom prst="rect">
+              <a:avLst/>
+            </a:prstGeom>
+            <a:noFill/>
+          </p:spPr>
+          <p:txBody>
+            <a:bodyPr wrap="square" rtlCol="0">
+              <a:normAutofit fontScale="70000" lnSpcReduction="20000"/>
+            </a:bodyPr>
+            <a:lstStyle/>
+            <a:p>
+              <a:pPr>
+                <a:lnSpc>
+                  <a:spcPts val="1620"/>
+                </a:lnSpc>
+              </a:pPr>
+              <a:r>
+                <a:rPr lang="fr-FR" dirty="0">
+                  <a:latin typeface="Gilroy Bold" panose="00000800000000000000" pitchFamily="50" charset="0"/>
+                </a:rPr>
+                <a:t>Microscope électrochimique</a:t>
+              </a:r>
+              <a:endParaRPr lang="fr-FR" dirty="0">
+                <a:solidFill>
+                  <a:schemeClr val="tx1">
+                    <a:lumMod val="85000"/>
+                    <a:lumOff val="15000"/>
+                  </a:schemeClr>
+                </a:solidFill>
+                <a:latin typeface="Gilroy Bold" panose="00000800000000000000" pitchFamily="50" charset="0"/>
+              </a:endParaRPr>
+            </a:p>
+            <a:p>
+              <a:pPr>
+                <a:lnSpc>
+                  <a:spcPts val="1220"/>
+                </a:lnSpc>
+              </a:pPr>
+              <a:r>
+                <a:rPr lang="fr-FR" sz="1600" dirty="0">
+                  <a:latin typeface="Gilroy" pitchFamily="2" charset="77"/>
+                </a:rPr>
+                <a:t>Stations de haute résolution, compactes ou modulaires, pour la mesure de l'activité électrochimique locale</a:t>
+              </a:r>
+            </a:p>
+          </p:txBody>
+        </p:sp>
+      </p:grpSp>
+      <p:grpSp>
+        <p:nvGrpSpPr>
+          <p:cNvPr id="19" name="Groupe 18">
+            <a:extLst>
+              <a:ext uri="{FF2B5EF4-FFF2-40B4-BE49-F238E27FC236}">
+                <a16:creationId xmlns:a16="http://schemas.microsoft.com/office/drawing/2014/main" id="{E81A437A-1B41-FFC3-C649-DAA86DC560FC}"/>
+              </a:ext>
+            </a:extLst>
+          </p:cNvPr>
+          <p:cNvGrpSpPr/>
+          <p:nvPr/>
+        </p:nvGrpSpPr>
+        <p:grpSpPr>
+          <a:xfrm>
+            <a:off x="9745175" y="3878947"/>
+            <a:ext cx="2377789" cy="2476333"/>
+            <a:chOff x="7305910" y="2794636"/>
+            <a:chExt cx="2377789" cy="2476333"/>
+          </a:xfrm>
+        </p:grpSpPr>
+        <p:pic>
+          <p:nvPicPr>
+            <p:cNvPr id="20" name="Picture 18">
+              <a:extLst>
+                <a:ext uri="{FF2B5EF4-FFF2-40B4-BE49-F238E27FC236}">
+                  <a16:creationId xmlns:a16="http://schemas.microsoft.com/office/drawing/2014/main" id="{16B2E2F4-154B-58B3-D782-D544F72E05D1}"/>
+                </a:ext>
+              </a:extLst>
+            </p:cNvPr>
+            <p:cNvPicPr>
+              <a:picLocks noChangeAspect="1"/>
+            </p:cNvPicPr>
+            <p:nvPr/>
+          </p:nvPicPr>
+          <p:blipFill rotWithShape="1">
+            <a:blip r:embed="rId6" cstate="screen">
+              <a:extLst>
+                <a:ext uri="{28A0092B-C50C-407E-A947-70E740481C1C}">
+                  <a14:useLocalDpi xmlns:a14="http://schemas.microsoft.com/office/drawing/2010/main"/>
+                </a:ext>
+              </a:extLst>
+            </a:blip>
+            <a:srcRect/>
+            <a:stretch/>
+          </p:blipFill>
+          <p:spPr>
+            <a:xfrm>
+              <a:off x="7305910" y="2794636"/>
+              <a:ext cx="2377440" cy="1320203"/>
+            </a:xfrm>
+            <a:prstGeom prst="rect">
+              <a:avLst/>
+            </a:prstGeom>
+          </p:spPr>
+        </p:pic>
+        <p:pic>
+          <p:nvPicPr>
+            <p:cNvPr id="21" name="Picture 12">
+              <a:extLst>
+                <a:ext uri="{FF2B5EF4-FFF2-40B4-BE49-F238E27FC236}">
+                  <a16:creationId xmlns:a16="http://schemas.microsoft.com/office/drawing/2014/main" id="{8099FA11-5B99-11EA-563E-99621C1B8555}"/>
+                </a:ext>
+              </a:extLst>
+            </p:cNvPr>
+            <p:cNvPicPr>
+              <a:picLocks noChangeAspect="1"/>
+            </p:cNvPicPr>
+            <p:nvPr/>
+          </p:nvPicPr>
+          <p:blipFill>
+            <a:blip r:embed="rId2" cstate="screen">
+              <a:extLst>
+                <a:ext uri="{28A0092B-C50C-407E-A947-70E740481C1C}">
+                  <a14:useLocalDpi xmlns:a14="http://schemas.microsoft.com/office/drawing/2010/main"/>
+                </a:ext>
+              </a:extLst>
+            </a:blip>
+            <a:stretch>
+              <a:fillRect/>
+            </a:stretch>
+          </p:blipFill>
+          <p:spPr>
+            <a:xfrm>
+              <a:off x="7306259" y="4112434"/>
+              <a:ext cx="2377440" cy="1158535"/>
+            </a:xfrm>
+            <a:prstGeom prst="rect">
+              <a:avLst/>
+            </a:prstGeom>
+          </p:spPr>
+        </p:pic>
+        <p:sp>
+          <p:nvSpPr>
+            <p:cNvPr id="22" name="TextBox 28">
+              <a:extLst>
+                <a:ext uri="{FF2B5EF4-FFF2-40B4-BE49-F238E27FC236}">
+                  <a16:creationId xmlns:a16="http://schemas.microsoft.com/office/drawing/2014/main" id="{F5F1BE1F-399B-21B9-6E67-F6189FC4DF8D}"/>
+                </a:ext>
+              </a:extLst>
+            </p:cNvPr>
+            <p:cNvSpPr txBox="1"/>
+            <p:nvPr/>
+          </p:nvSpPr>
+          <p:spPr>
+            <a:xfrm>
+              <a:off x="7317094" y="4162217"/>
+              <a:ext cx="2331477" cy="889759"/>
+            </a:xfrm>
+            <a:prstGeom prst="rect">
+              <a:avLst/>
+            </a:prstGeom>
+            <a:noFill/>
+          </p:spPr>
+          <p:txBody>
+            <a:bodyPr wrap="square" rtlCol="0">
+              <a:normAutofit/>
+            </a:bodyPr>
+            <a:lstStyle/>
+            <a:p>
+              <a:pPr>
+                <a:lnSpc>
+                  <a:spcPts val="1620"/>
+                </a:lnSpc>
+              </a:pPr>
+              <a:r>
+                <a:rPr lang="fr-FR" dirty="0">
+                  <a:solidFill>
+                    <a:schemeClr val="tx1">
+                      <a:lumMod val="85000"/>
+                      <a:lumOff val="15000"/>
+                    </a:schemeClr>
+                  </a:solidFill>
+                  <a:latin typeface="Gilroy Bold" panose="00000800000000000000" pitchFamily="50" charset="0"/>
+                </a:rPr>
+                <a:t>Spectromètres</a:t>
+              </a:r>
+              <a:endParaRPr lang="fr-FR" sz="1600" dirty="0">
+                <a:solidFill>
+                  <a:schemeClr val="tx1">
+                    <a:lumMod val="85000"/>
+                    <a:lumOff val="15000"/>
+                  </a:schemeClr>
+                </a:solidFill>
+                <a:latin typeface="Gilroy Bold" panose="00000800000000000000" pitchFamily="50" charset="0"/>
+              </a:endParaRPr>
+            </a:p>
+            <a:p>
+              <a:pPr>
+                <a:lnSpc>
+                  <a:spcPts val="1220"/>
+                </a:lnSpc>
+              </a:pPr>
+              <a:r>
+                <a:rPr lang="fr-FR" sz="1100" dirty="0">
+                  <a:latin typeface="Gilroy" pitchFamily="2" charset="77"/>
+                </a:rPr>
+                <a:t>Une large gamme de spectromètres en régime stationnaire ou cinétique</a:t>
+              </a:r>
+            </a:p>
+          </p:txBody>
+        </p:sp>
+      </p:grpSp>
+      <p:grpSp>
+        <p:nvGrpSpPr>
+          <p:cNvPr id="27" name="Group 4">
+            <a:extLst>
+              <a:ext uri="{FF2B5EF4-FFF2-40B4-BE49-F238E27FC236}">
+                <a16:creationId xmlns:a16="http://schemas.microsoft.com/office/drawing/2014/main" id="{3FA60336-75F5-9DD6-3318-5731EDA93060}"/>
+              </a:ext>
+            </a:extLst>
+          </p:cNvPr>
+          <p:cNvGrpSpPr/>
+          <p:nvPr/>
+        </p:nvGrpSpPr>
+        <p:grpSpPr>
+          <a:xfrm>
+            <a:off x="1085118" y="1104230"/>
+            <a:ext cx="2377440" cy="2409500"/>
+            <a:chOff x="4937214" y="1502776"/>
+            <a:chExt cx="2377440" cy="2409500"/>
+          </a:xfrm>
+        </p:grpSpPr>
+        <p:pic>
+          <p:nvPicPr>
+            <p:cNvPr id="28" name="Picture 10">
+              <a:extLst>
+                <a:ext uri="{FF2B5EF4-FFF2-40B4-BE49-F238E27FC236}">
+                  <a16:creationId xmlns:a16="http://schemas.microsoft.com/office/drawing/2014/main" id="{4DEDAF5C-2BC5-07BC-E64D-EFAC6C6EB681}"/>
+                </a:ext>
+              </a:extLst>
+            </p:cNvPr>
+            <p:cNvPicPr>
+              <a:picLocks noChangeAspect="1"/>
+            </p:cNvPicPr>
+            <p:nvPr/>
+          </p:nvPicPr>
+          <p:blipFill>
+            <a:blip r:embed="rId4" cstate="screen">
+              <a:extLst>
+                <a:ext uri="{28A0092B-C50C-407E-A947-70E740481C1C}">
+                  <a14:useLocalDpi xmlns:a14="http://schemas.microsoft.com/office/drawing/2010/main"/>
+                </a:ext>
+              </a:extLst>
+            </a:blip>
+            <a:stretch>
+              <a:fillRect/>
+            </a:stretch>
+          </p:blipFill>
+          <p:spPr>
+            <a:xfrm>
+              <a:off x="4937214" y="2793880"/>
+              <a:ext cx="2377440" cy="1118396"/>
+            </a:xfrm>
+            <a:prstGeom prst="rect">
+              <a:avLst/>
+            </a:prstGeom>
+          </p:spPr>
+        </p:pic>
+        <p:pic>
+          <p:nvPicPr>
+            <p:cNvPr id="29" name="Picture 15">
+              <a:extLst>
+                <a:ext uri="{FF2B5EF4-FFF2-40B4-BE49-F238E27FC236}">
+                  <a16:creationId xmlns:a16="http://schemas.microsoft.com/office/drawing/2014/main" id="{EDD469E2-B9A1-AB35-DEBF-B56709645436}"/>
+                </a:ext>
+              </a:extLst>
+            </p:cNvPr>
+            <p:cNvPicPr>
+              <a:picLocks noChangeAspect="1"/>
+            </p:cNvPicPr>
+            <p:nvPr/>
+          </p:nvPicPr>
+          <p:blipFill rotWithShape="1">
+            <a:blip r:embed="rId7" cstate="screen">
+              <a:extLst>
+                <a:ext uri="{28A0092B-C50C-407E-A947-70E740481C1C}">
+                  <a14:useLocalDpi xmlns:a14="http://schemas.microsoft.com/office/drawing/2010/main"/>
+                </a:ext>
+              </a:extLst>
+            </a:blip>
+            <a:srcRect l="652" b="49101"/>
+            <a:stretch/>
+          </p:blipFill>
+          <p:spPr>
+            <a:xfrm>
+              <a:off x="4937214" y="1502776"/>
+              <a:ext cx="2377440" cy="1278438"/>
+            </a:xfrm>
+            <a:prstGeom prst="rect">
+              <a:avLst/>
+            </a:prstGeom>
+          </p:spPr>
+        </p:pic>
+        <p:sp>
+          <p:nvSpPr>
+            <p:cNvPr id="30" name="TextBox 26">
+              <a:extLst>
+                <a:ext uri="{FF2B5EF4-FFF2-40B4-BE49-F238E27FC236}">
+                  <a16:creationId xmlns:a16="http://schemas.microsoft.com/office/drawing/2014/main" id="{0BF32853-010D-7FFE-A4CF-2D1340E0112E}"/>
+                </a:ext>
+              </a:extLst>
+            </p:cNvPr>
+            <p:cNvSpPr txBox="1"/>
+            <p:nvPr/>
+          </p:nvSpPr>
+          <p:spPr>
+            <a:xfrm>
+              <a:off x="4937214" y="2919295"/>
+              <a:ext cx="2248366" cy="964367"/>
+            </a:xfrm>
+            <a:prstGeom prst="rect">
+              <a:avLst/>
+            </a:prstGeom>
+            <a:noFill/>
+          </p:spPr>
+          <p:txBody>
+            <a:bodyPr wrap="square" rtlCol="0">
+              <a:normAutofit/>
+            </a:bodyPr>
+            <a:lstStyle/>
+            <a:p>
+              <a:pPr>
+                <a:lnSpc>
+                  <a:spcPts val="1620"/>
+                </a:lnSpc>
+              </a:pPr>
+              <a:r>
+                <a:rPr lang="fr-FR" dirty="0">
+                  <a:solidFill>
+                    <a:schemeClr val="tx1">
+                      <a:lumMod val="85000"/>
+                      <a:lumOff val="15000"/>
+                    </a:schemeClr>
+                  </a:solidFill>
+                  <a:latin typeface="Gilroy Bold" panose="00000800000000000000" pitchFamily="50" charset="0"/>
+                </a:rPr>
+                <a:t>Analyseur d’impédance</a:t>
+              </a:r>
+              <a:endParaRPr lang="fr-FR" sz="1600" dirty="0">
+                <a:solidFill>
+                  <a:schemeClr val="tx1">
+                    <a:lumMod val="85000"/>
+                    <a:lumOff val="15000"/>
+                  </a:schemeClr>
+                </a:solidFill>
+                <a:latin typeface="Gilroy Bold" panose="00000800000000000000" pitchFamily="50" charset="0"/>
+              </a:endParaRPr>
+            </a:p>
+            <a:p>
+              <a:pPr>
+                <a:lnSpc>
+                  <a:spcPts val="1220"/>
+                </a:lnSpc>
+              </a:pPr>
+              <a:r>
+                <a:rPr lang="fr-FR" sz="1100" dirty="0">
+                  <a:latin typeface="Gilroy" pitchFamily="2" charset="77"/>
+                </a:rPr>
+                <a:t>Solutions intégrées pour la</a:t>
+              </a:r>
+            </a:p>
+            <a:p>
+              <a:pPr>
+                <a:lnSpc>
+                  <a:spcPts val="1220"/>
+                </a:lnSpc>
+              </a:pPr>
+              <a:r>
+                <a:rPr lang="fr-FR" sz="1100" dirty="0">
+                  <a:latin typeface="Gilroy" pitchFamily="2" charset="77"/>
+                </a:rPr>
+                <a:t>caractérisation électrique de</a:t>
+              </a:r>
+            </a:p>
+            <a:p>
+              <a:pPr>
+                <a:lnSpc>
+                  <a:spcPts val="1220"/>
+                </a:lnSpc>
+              </a:pPr>
+              <a:r>
+                <a:rPr lang="fr-FR" sz="1100" dirty="0">
+                  <a:latin typeface="Gilroy" pitchFamily="2" charset="77"/>
+                </a:rPr>
+                <a:t>matériaux</a:t>
+              </a:r>
+            </a:p>
+          </p:txBody>
+        </p:sp>
+      </p:grpSp>
+      <p:grpSp>
+        <p:nvGrpSpPr>
+          <p:cNvPr id="31" name="Groupe 30">
+            <a:extLst>
+              <a:ext uri="{FF2B5EF4-FFF2-40B4-BE49-F238E27FC236}">
+                <a16:creationId xmlns:a16="http://schemas.microsoft.com/office/drawing/2014/main" id="{5B395DA3-3065-F110-B36D-62C825444B94}"/>
+              </a:ext>
+            </a:extLst>
+          </p:cNvPr>
+          <p:cNvGrpSpPr/>
+          <p:nvPr/>
+        </p:nvGrpSpPr>
+        <p:grpSpPr>
+          <a:xfrm>
+            <a:off x="8845471" y="1241341"/>
+            <a:ext cx="2384730" cy="2388878"/>
+            <a:chOff x="199844" y="367848"/>
+            <a:chExt cx="2384730" cy="2388878"/>
+          </a:xfrm>
+        </p:grpSpPr>
+        <p:pic>
+          <p:nvPicPr>
+            <p:cNvPr id="32" name="Picture 5">
+              <a:extLst>
+                <a:ext uri="{FF2B5EF4-FFF2-40B4-BE49-F238E27FC236}">
+                  <a16:creationId xmlns:a16="http://schemas.microsoft.com/office/drawing/2014/main" id="{F648D8C0-FAEC-284E-BF78-B2F0BEABE3A0}"/>
+                </a:ext>
+              </a:extLst>
+            </p:cNvPr>
+            <p:cNvPicPr>
+              <a:picLocks noChangeAspect="1"/>
+            </p:cNvPicPr>
+            <p:nvPr/>
+          </p:nvPicPr>
+          <p:blipFill rotWithShape="1">
+            <a:blip r:embed="rId8" cstate="screen">
+              <a:extLst>
+                <a:ext uri="{28A0092B-C50C-407E-A947-70E740481C1C}">
+                  <a14:useLocalDpi xmlns:a14="http://schemas.microsoft.com/office/drawing/2010/main"/>
+                </a:ext>
+              </a:extLst>
+            </a:blip>
+            <a:srcRect/>
+            <a:stretch/>
+          </p:blipFill>
+          <p:spPr>
+            <a:xfrm>
+              <a:off x="199844" y="367848"/>
+              <a:ext cx="2384730" cy="1338293"/>
+            </a:xfrm>
+            <a:prstGeom prst="rect">
+              <a:avLst/>
+            </a:prstGeom>
+          </p:spPr>
+        </p:pic>
+        <p:pic>
+          <p:nvPicPr>
+            <p:cNvPr id="33" name="Picture 6">
+              <a:extLst>
+                <a:ext uri="{FF2B5EF4-FFF2-40B4-BE49-F238E27FC236}">
+                  <a16:creationId xmlns:a16="http://schemas.microsoft.com/office/drawing/2014/main" id="{412ADC58-B91C-C4FE-2030-5F612CEA6D41}"/>
+                </a:ext>
+              </a:extLst>
+            </p:cNvPr>
+            <p:cNvPicPr>
+              <a:picLocks noChangeAspect="1"/>
+            </p:cNvPicPr>
+            <p:nvPr/>
+          </p:nvPicPr>
+          <p:blipFill>
+            <a:blip r:embed="rId9" cstate="screen">
+              <a:extLst>
+                <a:ext uri="{28A0092B-C50C-407E-A947-70E740481C1C}">
+                  <a14:useLocalDpi xmlns:a14="http://schemas.microsoft.com/office/drawing/2010/main"/>
+                </a:ext>
+              </a:extLst>
+            </a:blip>
+            <a:stretch>
+              <a:fillRect/>
+            </a:stretch>
+          </p:blipFill>
+          <p:spPr>
+            <a:xfrm>
+              <a:off x="199844" y="1632014"/>
+              <a:ext cx="2384730" cy="1124712"/>
+            </a:xfrm>
+            <a:prstGeom prst="rect">
+              <a:avLst/>
+            </a:prstGeom>
+          </p:spPr>
+        </p:pic>
+        <p:sp>
+          <p:nvSpPr>
+            <p:cNvPr id="34" name="TextBox 23">
+              <a:extLst>
+                <a:ext uri="{FF2B5EF4-FFF2-40B4-BE49-F238E27FC236}">
+                  <a16:creationId xmlns:a16="http://schemas.microsoft.com/office/drawing/2014/main" id="{883EE3A9-51D9-904C-11EF-1BC9FEC20C63}"/>
+                </a:ext>
+              </a:extLst>
+            </p:cNvPr>
+            <p:cNvSpPr txBox="1"/>
+            <p:nvPr/>
+          </p:nvSpPr>
+          <p:spPr>
+            <a:xfrm>
+              <a:off x="199844" y="1710091"/>
+              <a:ext cx="2324871" cy="841256"/>
+            </a:xfrm>
+            <a:prstGeom prst="rect">
+              <a:avLst/>
+            </a:prstGeom>
+            <a:noFill/>
+          </p:spPr>
+          <p:txBody>
+            <a:bodyPr wrap="square" rtlCol="0">
+              <a:normAutofit/>
+            </a:bodyPr>
+            <a:lstStyle/>
+            <a:p>
+              <a:pPr>
+                <a:lnSpc>
+                  <a:spcPts val="1620"/>
+                </a:lnSpc>
+              </a:pPr>
+              <a:r>
+                <a:rPr lang="fr-FR" dirty="0">
+                  <a:solidFill>
+                    <a:schemeClr val="tx1">
+                      <a:lumMod val="85000"/>
+                      <a:lumOff val="15000"/>
+                    </a:schemeClr>
+                  </a:solidFill>
+                  <a:latin typeface="Gilroy Bold" panose="00000800000000000000" pitchFamily="50" charset="0"/>
+                </a:rPr>
+                <a:t>Potentiostat-</a:t>
+              </a:r>
+            </a:p>
+            <a:p>
+              <a:pPr>
+                <a:lnSpc>
+                  <a:spcPts val="1620"/>
+                </a:lnSpc>
+              </a:pPr>
+              <a:r>
+                <a:rPr lang="fr-FR" dirty="0">
+                  <a:solidFill>
+                    <a:schemeClr val="tx1">
+                      <a:lumMod val="85000"/>
+                      <a:lumOff val="15000"/>
+                    </a:schemeClr>
+                  </a:solidFill>
+                  <a:latin typeface="Gilroy Bold" panose="00000800000000000000" pitchFamily="50" charset="0"/>
+                </a:rPr>
+                <a:t>galvanostats</a:t>
+              </a:r>
+            </a:p>
+            <a:p>
+              <a:r>
+                <a:rPr lang="en" sz="1100" dirty="0">
+                  <a:latin typeface="Gilroy" pitchFamily="2" charset="77"/>
+                </a:rPr>
+                <a:t>Des instruments polyvalents pour tous les domaines d’application</a:t>
+              </a:r>
+              <a:endParaRPr lang="fr-FR" sz="1100" dirty="0">
+                <a:latin typeface="Gilroy" pitchFamily="2" charset="77"/>
+              </a:endParaRPr>
+            </a:p>
+          </p:txBody>
+        </p:sp>
+      </p:grpSp>
+      <p:sp>
+        <p:nvSpPr>
+          <p:cNvPr id="37" name="ZoneTexte 36">
+            <a:extLst>
+              <a:ext uri="{FF2B5EF4-FFF2-40B4-BE49-F238E27FC236}">
+                <a16:creationId xmlns:a16="http://schemas.microsoft.com/office/drawing/2014/main" id="{553FE3D4-FD78-BDD5-44A5-4CE603F76845}"/>
+              </a:ext>
+            </a:extLst>
+          </p:cNvPr>
+          <p:cNvSpPr txBox="1"/>
+          <p:nvPr/>
+        </p:nvSpPr>
+        <p:spPr>
+          <a:xfrm>
+            <a:off x="948100" y="5627276"/>
+            <a:ext cx="6149130" cy="738664"/>
+          </a:xfrm>
+          <a:prstGeom prst="rect">
+            <a:avLst/>
+          </a:prstGeom>
+          <a:noFill/>
+        </p:spPr>
+        <p:txBody>
+          <a:bodyPr wrap="square">
+            <a:spAutoFit/>
+          </a:bodyPr>
+          <a:lstStyle/>
+          <a:p>
+            <a:r>
+              <a:rPr lang="fr-FR" sz="2400" cap="all" dirty="0">
+                <a:solidFill>
+                  <a:schemeClr val="tx1">
+                    <a:lumMod val="85000"/>
+                    <a:lumOff val="15000"/>
+                  </a:schemeClr>
+                </a:solidFill>
+                <a:latin typeface="Gilroy Bold" panose="00000800000000000000" pitchFamily="50" charset="0"/>
+              </a:rPr>
+              <a:t>Instruments ultraprécis</a:t>
+            </a:r>
+          </a:p>
+          <a:p>
+            <a:r>
+              <a:rPr lang="fr-FR" sz="1800" cap="all" dirty="0">
+                <a:solidFill>
+                  <a:schemeClr val="tx1">
+                    <a:lumMod val="85000"/>
+                    <a:lumOff val="15000"/>
+                  </a:schemeClr>
+                </a:solidFill>
+                <a:latin typeface="Gilroy Bold" panose="00000800000000000000" pitchFamily="50" charset="0"/>
+              </a:rPr>
+              <a:t>pour la recherche, académique et industrielle</a:t>
+            </a:r>
+            <a:endParaRPr lang="fr-FR" sz="2000" cap="all" dirty="0">
+              <a:solidFill>
+                <a:schemeClr val="tx1">
+                  <a:lumMod val="85000"/>
+                  <a:lumOff val="15000"/>
+                </a:schemeClr>
+              </a:solidFill>
+              <a:latin typeface="Gilroy Bold" panose="00000800000000000000" pitchFamily="50" charset="0"/>
+            </a:endParaRPr>
           </a:p>
         </p:txBody>
       </p:sp>
@@ -13501,6 +15278,734 @@
   <p:clrMapOvr>
     <a:masterClrMapping/>
   </p:clrMapOvr>
+  <p:timing>
+    <p:tnLst>
+      <p:par>
+        <p:cTn id="1" dur="indefinite" restart="never" nodeType="tmRoot">
+          <p:childTnLst>
+            <p:seq concurrent="1" nextAc="seek">
+              <p:cTn id="2" dur="indefinite" nodeType="mainSeq">
+                <p:childTnLst>
+                  <p:par>
+                    <p:cTn id="3" fill="hold">
+                      <p:stCondLst>
+                        <p:cond delay="indefinite"/>
+                      </p:stCondLst>
+                      <p:childTnLst>
+                        <p:par>
+                          <p:cTn id="4" fill="hold">
+                            <p:stCondLst>
+                              <p:cond delay="0"/>
+                            </p:stCondLst>
+                            <p:childTnLst>
+                              <p:par>
+                                <p:cTn id="5" presetID="53" presetClass="entr" presetSubtype="528" fill="hold" nodeType="clickEffect">
+                                  <p:stCondLst>
+                                    <p:cond delay="0"/>
+                                  </p:stCondLst>
+                                  <p:childTnLst>
+                                    <p:set>
+                                      <p:cBhvr>
+                                        <p:cTn id="6" dur="1" fill="hold">
+                                          <p:stCondLst>
+                                            <p:cond delay="0"/>
+                                          </p:stCondLst>
+                                        </p:cTn>
+                                        <p:tgtEl>
+                                          <p:spTgt spid="31"/>
+                                        </p:tgtEl>
+                                        <p:attrNameLst>
+                                          <p:attrName>style.visibility</p:attrName>
+                                        </p:attrNameLst>
+                                      </p:cBhvr>
+                                      <p:to>
+                                        <p:strVal val="visible"/>
+                                      </p:to>
+                                    </p:set>
+                                    <p:anim calcmode="lin" valueType="num">
+                                      <p:cBhvr>
+                                        <p:cTn id="7" dur="500" fill="hold"/>
+                                        <p:tgtEl>
+                                          <p:spTgt spid="31"/>
+                                        </p:tgtEl>
+                                        <p:attrNameLst>
+                                          <p:attrName>ppt_w</p:attrName>
+                                        </p:attrNameLst>
+                                      </p:cBhvr>
+                                      <p:tavLst>
+                                        <p:tav tm="0">
+                                          <p:val>
+                                            <p:fltVal val="0"/>
+                                          </p:val>
+                                        </p:tav>
+                                        <p:tav tm="100000">
+                                          <p:val>
+                                            <p:strVal val="#ppt_w"/>
+                                          </p:val>
+                                        </p:tav>
+                                      </p:tavLst>
+                                    </p:anim>
+                                    <p:anim calcmode="lin" valueType="num">
+                                      <p:cBhvr>
+                                        <p:cTn id="8" dur="500" fill="hold"/>
+                                        <p:tgtEl>
+                                          <p:spTgt spid="31"/>
+                                        </p:tgtEl>
+                                        <p:attrNameLst>
+                                          <p:attrName>ppt_h</p:attrName>
+                                        </p:attrNameLst>
+                                      </p:cBhvr>
+                                      <p:tavLst>
+                                        <p:tav tm="0">
+                                          <p:val>
+                                            <p:fltVal val="0"/>
+                                          </p:val>
+                                        </p:tav>
+                                        <p:tav tm="100000">
+                                          <p:val>
+                                            <p:strVal val="#ppt_h"/>
+                                          </p:val>
+                                        </p:tav>
+                                      </p:tavLst>
+                                    </p:anim>
+                                    <p:animEffect transition="in" filter="fade">
+                                      <p:cBhvr>
+                                        <p:cTn id="9" dur="500"/>
+                                        <p:tgtEl>
+                                          <p:spTgt spid="31"/>
+                                        </p:tgtEl>
+                                      </p:cBhvr>
+                                    </p:animEffect>
+                                    <p:anim calcmode="lin" valueType="num">
+                                      <p:cBhvr>
+                                        <p:cTn id="10" dur="500" fill="hold"/>
+                                        <p:tgtEl>
+                                          <p:spTgt spid="31"/>
+                                        </p:tgtEl>
+                                        <p:attrNameLst>
+                                          <p:attrName>ppt_x</p:attrName>
+                                        </p:attrNameLst>
+                                      </p:cBhvr>
+                                      <p:tavLst>
+                                        <p:tav tm="0">
+                                          <p:val>
+                                            <p:fltVal val="0.5"/>
+                                          </p:val>
+                                        </p:tav>
+                                        <p:tav tm="100000">
+                                          <p:val>
+                                            <p:strVal val="#ppt_x"/>
+                                          </p:val>
+                                        </p:tav>
+                                      </p:tavLst>
+                                    </p:anim>
+                                    <p:anim calcmode="lin" valueType="num">
+                                      <p:cBhvr>
+                                        <p:cTn id="11" dur="500" fill="hold"/>
+                                        <p:tgtEl>
+                                          <p:spTgt spid="31"/>
+                                        </p:tgtEl>
+                                        <p:attrNameLst>
+                                          <p:attrName>ppt_y</p:attrName>
+                                        </p:attrNameLst>
+                                      </p:cBhvr>
+                                      <p:tavLst>
+                                        <p:tav tm="0">
+                                          <p:val>
+                                            <p:fltVal val="0.5"/>
+                                          </p:val>
+                                        </p:tav>
+                                        <p:tav tm="100000">
+                                          <p:val>
+                                            <p:strVal val="#ppt_y"/>
+                                          </p:val>
+                                        </p:tav>
+                                      </p:tavLst>
+                                    </p:anim>
+                                  </p:childTnLst>
+                                </p:cTn>
+                              </p:par>
+                            </p:childTnLst>
+                          </p:cTn>
+                        </p:par>
+                        <p:par>
+                          <p:cTn id="12" fill="hold">
+                            <p:stCondLst>
+                              <p:cond delay="500"/>
+                            </p:stCondLst>
+                            <p:childTnLst>
+                              <p:par>
+                                <p:cTn id="13" presetID="53" presetClass="entr" presetSubtype="528" fill="hold" nodeType="afterEffect">
+                                  <p:stCondLst>
+                                    <p:cond delay="250"/>
+                                  </p:stCondLst>
+                                  <p:childTnLst>
+                                    <p:set>
+                                      <p:cBhvr>
+                                        <p:cTn id="14" dur="1" fill="hold">
+                                          <p:stCondLst>
+                                            <p:cond delay="0"/>
+                                          </p:stCondLst>
+                                        </p:cTn>
+                                        <p:tgtEl>
+                                          <p:spTgt spid="7"/>
+                                        </p:tgtEl>
+                                        <p:attrNameLst>
+                                          <p:attrName>style.visibility</p:attrName>
+                                        </p:attrNameLst>
+                                      </p:cBhvr>
+                                      <p:to>
+                                        <p:strVal val="visible"/>
+                                      </p:to>
+                                    </p:set>
+                                    <p:anim calcmode="lin" valueType="num">
+                                      <p:cBhvr>
+                                        <p:cTn id="15" dur="500" fill="hold"/>
+                                        <p:tgtEl>
+                                          <p:spTgt spid="7"/>
+                                        </p:tgtEl>
+                                        <p:attrNameLst>
+                                          <p:attrName>ppt_w</p:attrName>
+                                        </p:attrNameLst>
+                                      </p:cBhvr>
+                                      <p:tavLst>
+                                        <p:tav tm="0">
+                                          <p:val>
+                                            <p:fltVal val="0"/>
+                                          </p:val>
+                                        </p:tav>
+                                        <p:tav tm="100000">
+                                          <p:val>
+                                            <p:strVal val="#ppt_w"/>
+                                          </p:val>
+                                        </p:tav>
+                                      </p:tavLst>
+                                    </p:anim>
+                                    <p:anim calcmode="lin" valueType="num">
+                                      <p:cBhvr>
+                                        <p:cTn id="16" dur="500" fill="hold"/>
+                                        <p:tgtEl>
+                                          <p:spTgt spid="7"/>
+                                        </p:tgtEl>
+                                        <p:attrNameLst>
+                                          <p:attrName>ppt_h</p:attrName>
+                                        </p:attrNameLst>
+                                      </p:cBhvr>
+                                      <p:tavLst>
+                                        <p:tav tm="0">
+                                          <p:val>
+                                            <p:fltVal val="0"/>
+                                          </p:val>
+                                        </p:tav>
+                                        <p:tav tm="100000">
+                                          <p:val>
+                                            <p:strVal val="#ppt_h"/>
+                                          </p:val>
+                                        </p:tav>
+                                      </p:tavLst>
+                                    </p:anim>
+                                    <p:animEffect transition="in" filter="fade">
+                                      <p:cBhvr>
+                                        <p:cTn id="17" dur="500"/>
+                                        <p:tgtEl>
+                                          <p:spTgt spid="7"/>
+                                        </p:tgtEl>
+                                      </p:cBhvr>
+                                    </p:animEffect>
+                                    <p:anim calcmode="lin" valueType="num">
+                                      <p:cBhvr>
+                                        <p:cTn id="18" dur="500" fill="hold"/>
+                                        <p:tgtEl>
+                                          <p:spTgt spid="7"/>
+                                        </p:tgtEl>
+                                        <p:attrNameLst>
+                                          <p:attrName>ppt_x</p:attrName>
+                                        </p:attrNameLst>
+                                      </p:cBhvr>
+                                      <p:tavLst>
+                                        <p:tav tm="0">
+                                          <p:val>
+                                            <p:fltVal val="0.5"/>
+                                          </p:val>
+                                        </p:tav>
+                                        <p:tav tm="100000">
+                                          <p:val>
+                                            <p:strVal val="#ppt_x"/>
+                                          </p:val>
+                                        </p:tav>
+                                      </p:tavLst>
+                                    </p:anim>
+                                    <p:anim calcmode="lin" valueType="num">
+                                      <p:cBhvr>
+                                        <p:cTn id="19" dur="500" fill="hold"/>
+                                        <p:tgtEl>
+                                          <p:spTgt spid="7"/>
+                                        </p:tgtEl>
+                                        <p:attrNameLst>
+                                          <p:attrName>ppt_y</p:attrName>
+                                        </p:attrNameLst>
+                                      </p:cBhvr>
+                                      <p:tavLst>
+                                        <p:tav tm="0">
+                                          <p:val>
+                                            <p:fltVal val="0.5"/>
+                                          </p:val>
+                                        </p:tav>
+                                        <p:tav tm="100000">
+                                          <p:val>
+                                            <p:strVal val="#ppt_y"/>
+                                          </p:val>
+                                        </p:tav>
+                                      </p:tavLst>
+                                    </p:anim>
+                                  </p:childTnLst>
+                                </p:cTn>
+                              </p:par>
+                            </p:childTnLst>
+                          </p:cTn>
+                        </p:par>
+                        <p:par>
+                          <p:cTn id="20" fill="hold">
+                            <p:stCondLst>
+                              <p:cond delay="1250"/>
+                            </p:stCondLst>
+                            <p:childTnLst>
+                              <p:par>
+                                <p:cTn id="21" presetID="53" presetClass="entr" presetSubtype="528" fill="hold" nodeType="afterEffect">
+                                  <p:stCondLst>
+                                    <p:cond delay="250"/>
+                                  </p:stCondLst>
+                                  <p:childTnLst>
+                                    <p:set>
+                                      <p:cBhvr>
+                                        <p:cTn id="22" dur="1" fill="hold">
+                                          <p:stCondLst>
+                                            <p:cond delay="0"/>
+                                          </p:stCondLst>
+                                        </p:cTn>
+                                        <p:tgtEl>
+                                          <p:spTgt spid="27"/>
+                                        </p:tgtEl>
+                                        <p:attrNameLst>
+                                          <p:attrName>style.visibility</p:attrName>
+                                        </p:attrNameLst>
+                                      </p:cBhvr>
+                                      <p:to>
+                                        <p:strVal val="visible"/>
+                                      </p:to>
+                                    </p:set>
+                                    <p:anim calcmode="lin" valueType="num">
+                                      <p:cBhvr>
+                                        <p:cTn id="23" dur="500" fill="hold"/>
+                                        <p:tgtEl>
+                                          <p:spTgt spid="27"/>
+                                        </p:tgtEl>
+                                        <p:attrNameLst>
+                                          <p:attrName>ppt_w</p:attrName>
+                                        </p:attrNameLst>
+                                      </p:cBhvr>
+                                      <p:tavLst>
+                                        <p:tav tm="0">
+                                          <p:val>
+                                            <p:fltVal val="0"/>
+                                          </p:val>
+                                        </p:tav>
+                                        <p:tav tm="100000">
+                                          <p:val>
+                                            <p:strVal val="#ppt_w"/>
+                                          </p:val>
+                                        </p:tav>
+                                      </p:tavLst>
+                                    </p:anim>
+                                    <p:anim calcmode="lin" valueType="num">
+                                      <p:cBhvr>
+                                        <p:cTn id="24" dur="500" fill="hold"/>
+                                        <p:tgtEl>
+                                          <p:spTgt spid="27"/>
+                                        </p:tgtEl>
+                                        <p:attrNameLst>
+                                          <p:attrName>ppt_h</p:attrName>
+                                        </p:attrNameLst>
+                                      </p:cBhvr>
+                                      <p:tavLst>
+                                        <p:tav tm="0">
+                                          <p:val>
+                                            <p:fltVal val="0"/>
+                                          </p:val>
+                                        </p:tav>
+                                        <p:tav tm="100000">
+                                          <p:val>
+                                            <p:strVal val="#ppt_h"/>
+                                          </p:val>
+                                        </p:tav>
+                                      </p:tavLst>
+                                    </p:anim>
+                                    <p:animEffect transition="in" filter="fade">
+                                      <p:cBhvr>
+                                        <p:cTn id="25" dur="500"/>
+                                        <p:tgtEl>
+                                          <p:spTgt spid="27"/>
+                                        </p:tgtEl>
+                                      </p:cBhvr>
+                                    </p:animEffect>
+                                    <p:anim calcmode="lin" valueType="num">
+                                      <p:cBhvr>
+                                        <p:cTn id="26" dur="500" fill="hold"/>
+                                        <p:tgtEl>
+                                          <p:spTgt spid="27"/>
+                                        </p:tgtEl>
+                                        <p:attrNameLst>
+                                          <p:attrName>ppt_x</p:attrName>
+                                        </p:attrNameLst>
+                                      </p:cBhvr>
+                                      <p:tavLst>
+                                        <p:tav tm="0">
+                                          <p:val>
+                                            <p:fltVal val="0.5"/>
+                                          </p:val>
+                                        </p:tav>
+                                        <p:tav tm="100000">
+                                          <p:val>
+                                            <p:strVal val="#ppt_x"/>
+                                          </p:val>
+                                        </p:tav>
+                                      </p:tavLst>
+                                    </p:anim>
+                                    <p:anim calcmode="lin" valueType="num">
+                                      <p:cBhvr>
+                                        <p:cTn id="27" dur="500" fill="hold"/>
+                                        <p:tgtEl>
+                                          <p:spTgt spid="27"/>
+                                        </p:tgtEl>
+                                        <p:attrNameLst>
+                                          <p:attrName>ppt_y</p:attrName>
+                                        </p:attrNameLst>
+                                      </p:cBhvr>
+                                      <p:tavLst>
+                                        <p:tav tm="0">
+                                          <p:val>
+                                            <p:fltVal val="0.5"/>
+                                          </p:val>
+                                        </p:tav>
+                                        <p:tav tm="100000">
+                                          <p:val>
+                                            <p:strVal val="#ppt_y"/>
+                                          </p:val>
+                                        </p:tav>
+                                      </p:tavLst>
+                                    </p:anim>
+                                  </p:childTnLst>
+                                </p:cTn>
+                              </p:par>
+                            </p:childTnLst>
+                          </p:cTn>
+                        </p:par>
+                        <p:par>
+                          <p:cTn id="28" fill="hold">
+                            <p:stCondLst>
+                              <p:cond delay="2000"/>
+                            </p:stCondLst>
+                            <p:childTnLst>
+                              <p:par>
+                                <p:cTn id="29" presetID="53" presetClass="entr" presetSubtype="528" fill="hold" nodeType="afterEffect">
+                                  <p:stCondLst>
+                                    <p:cond delay="250"/>
+                                  </p:stCondLst>
+                                  <p:childTnLst>
+                                    <p:set>
+                                      <p:cBhvr>
+                                        <p:cTn id="30" dur="1" fill="hold">
+                                          <p:stCondLst>
+                                            <p:cond delay="0"/>
+                                          </p:stCondLst>
+                                        </p:cTn>
+                                        <p:tgtEl>
+                                          <p:spTgt spid="15"/>
+                                        </p:tgtEl>
+                                        <p:attrNameLst>
+                                          <p:attrName>style.visibility</p:attrName>
+                                        </p:attrNameLst>
+                                      </p:cBhvr>
+                                      <p:to>
+                                        <p:strVal val="visible"/>
+                                      </p:to>
+                                    </p:set>
+                                    <p:anim calcmode="lin" valueType="num">
+                                      <p:cBhvr>
+                                        <p:cTn id="31" dur="500" fill="hold"/>
+                                        <p:tgtEl>
+                                          <p:spTgt spid="15"/>
+                                        </p:tgtEl>
+                                        <p:attrNameLst>
+                                          <p:attrName>ppt_w</p:attrName>
+                                        </p:attrNameLst>
+                                      </p:cBhvr>
+                                      <p:tavLst>
+                                        <p:tav tm="0">
+                                          <p:val>
+                                            <p:fltVal val="0"/>
+                                          </p:val>
+                                        </p:tav>
+                                        <p:tav tm="100000">
+                                          <p:val>
+                                            <p:strVal val="#ppt_w"/>
+                                          </p:val>
+                                        </p:tav>
+                                      </p:tavLst>
+                                    </p:anim>
+                                    <p:anim calcmode="lin" valueType="num">
+                                      <p:cBhvr>
+                                        <p:cTn id="32" dur="500" fill="hold"/>
+                                        <p:tgtEl>
+                                          <p:spTgt spid="15"/>
+                                        </p:tgtEl>
+                                        <p:attrNameLst>
+                                          <p:attrName>ppt_h</p:attrName>
+                                        </p:attrNameLst>
+                                      </p:cBhvr>
+                                      <p:tavLst>
+                                        <p:tav tm="0">
+                                          <p:val>
+                                            <p:fltVal val="0"/>
+                                          </p:val>
+                                        </p:tav>
+                                        <p:tav tm="100000">
+                                          <p:val>
+                                            <p:strVal val="#ppt_h"/>
+                                          </p:val>
+                                        </p:tav>
+                                      </p:tavLst>
+                                    </p:anim>
+                                    <p:animEffect transition="in" filter="fade">
+                                      <p:cBhvr>
+                                        <p:cTn id="33" dur="500"/>
+                                        <p:tgtEl>
+                                          <p:spTgt spid="15"/>
+                                        </p:tgtEl>
+                                      </p:cBhvr>
+                                    </p:animEffect>
+                                    <p:anim calcmode="lin" valueType="num">
+                                      <p:cBhvr>
+                                        <p:cTn id="34" dur="500" fill="hold"/>
+                                        <p:tgtEl>
+                                          <p:spTgt spid="15"/>
+                                        </p:tgtEl>
+                                        <p:attrNameLst>
+                                          <p:attrName>ppt_x</p:attrName>
+                                        </p:attrNameLst>
+                                      </p:cBhvr>
+                                      <p:tavLst>
+                                        <p:tav tm="0">
+                                          <p:val>
+                                            <p:fltVal val="0.5"/>
+                                          </p:val>
+                                        </p:tav>
+                                        <p:tav tm="100000">
+                                          <p:val>
+                                            <p:strVal val="#ppt_x"/>
+                                          </p:val>
+                                        </p:tav>
+                                      </p:tavLst>
+                                    </p:anim>
+                                    <p:anim calcmode="lin" valueType="num">
+                                      <p:cBhvr>
+                                        <p:cTn id="35" dur="500" fill="hold"/>
+                                        <p:tgtEl>
+                                          <p:spTgt spid="15"/>
+                                        </p:tgtEl>
+                                        <p:attrNameLst>
+                                          <p:attrName>ppt_y</p:attrName>
+                                        </p:attrNameLst>
+                                      </p:cBhvr>
+                                      <p:tavLst>
+                                        <p:tav tm="0">
+                                          <p:val>
+                                            <p:fltVal val="0.5"/>
+                                          </p:val>
+                                        </p:tav>
+                                        <p:tav tm="100000">
+                                          <p:val>
+                                            <p:strVal val="#ppt_y"/>
+                                          </p:val>
+                                        </p:tav>
+                                      </p:tavLst>
+                                    </p:anim>
+                                  </p:childTnLst>
+                                </p:cTn>
+                              </p:par>
+                            </p:childTnLst>
+                          </p:cTn>
+                        </p:par>
+                      </p:childTnLst>
+                    </p:cTn>
+                  </p:par>
+                  <p:par>
+                    <p:cTn id="36" fill="hold">
+                      <p:stCondLst>
+                        <p:cond delay="indefinite"/>
+                      </p:stCondLst>
+                      <p:childTnLst>
+                        <p:par>
+                          <p:cTn id="37" fill="hold">
+                            <p:stCondLst>
+                              <p:cond delay="0"/>
+                            </p:stCondLst>
+                            <p:childTnLst>
+                              <p:par>
+                                <p:cTn id="38" presetID="53" presetClass="entr" presetSubtype="528" fill="hold" nodeType="clickEffect">
+                                  <p:stCondLst>
+                                    <p:cond delay="0"/>
+                                  </p:stCondLst>
+                                  <p:childTnLst>
+                                    <p:set>
+                                      <p:cBhvr>
+                                        <p:cTn id="39" dur="1" fill="hold">
+                                          <p:stCondLst>
+                                            <p:cond delay="0"/>
+                                          </p:stCondLst>
+                                        </p:cTn>
+                                        <p:tgtEl>
+                                          <p:spTgt spid="19"/>
+                                        </p:tgtEl>
+                                        <p:attrNameLst>
+                                          <p:attrName>style.visibility</p:attrName>
+                                        </p:attrNameLst>
+                                      </p:cBhvr>
+                                      <p:to>
+                                        <p:strVal val="visible"/>
+                                      </p:to>
+                                    </p:set>
+                                    <p:anim calcmode="lin" valueType="num">
+                                      <p:cBhvr>
+                                        <p:cTn id="40" dur="500" fill="hold"/>
+                                        <p:tgtEl>
+                                          <p:spTgt spid="19"/>
+                                        </p:tgtEl>
+                                        <p:attrNameLst>
+                                          <p:attrName>ppt_w</p:attrName>
+                                        </p:attrNameLst>
+                                      </p:cBhvr>
+                                      <p:tavLst>
+                                        <p:tav tm="0">
+                                          <p:val>
+                                            <p:fltVal val="0"/>
+                                          </p:val>
+                                        </p:tav>
+                                        <p:tav tm="100000">
+                                          <p:val>
+                                            <p:strVal val="#ppt_w"/>
+                                          </p:val>
+                                        </p:tav>
+                                      </p:tavLst>
+                                    </p:anim>
+                                    <p:anim calcmode="lin" valueType="num">
+                                      <p:cBhvr>
+                                        <p:cTn id="41" dur="500" fill="hold"/>
+                                        <p:tgtEl>
+                                          <p:spTgt spid="19"/>
+                                        </p:tgtEl>
+                                        <p:attrNameLst>
+                                          <p:attrName>ppt_h</p:attrName>
+                                        </p:attrNameLst>
+                                      </p:cBhvr>
+                                      <p:tavLst>
+                                        <p:tav tm="0">
+                                          <p:val>
+                                            <p:fltVal val="0"/>
+                                          </p:val>
+                                        </p:tav>
+                                        <p:tav tm="100000">
+                                          <p:val>
+                                            <p:strVal val="#ppt_h"/>
+                                          </p:val>
+                                        </p:tav>
+                                      </p:tavLst>
+                                    </p:anim>
+                                    <p:animEffect transition="in" filter="fade">
+                                      <p:cBhvr>
+                                        <p:cTn id="42" dur="500"/>
+                                        <p:tgtEl>
+                                          <p:spTgt spid="19"/>
+                                        </p:tgtEl>
+                                      </p:cBhvr>
+                                    </p:animEffect>
+                                    <p:anim calcmode="lin" valueType="num">
+                                      <p:cBhvr>
+                                        <p:cTn id="43" dur="500" fill="hold"/>
+                                        <p:tgtEl>
+                                          <p:spTgt spid="19"/>
+                                        </p:tgtEl>
+                                        <p:attrNameLst>
+                                          <p:attrName>ppt_x</p:attrName>
+                                        </p:attrNameLst>
+                                      </p:cBhvr>
+                                      <p:tavLst>
+                                        <p:tav tm="0">
+                                          <p:val>
+                                            <p:fltVal val="0.5"/>
+                                          </p:val>
+                                        </p:tav>
+                                        <p:tav tm="100000">
+                                          <p:val>
+                                            <p:strVal val="#ppt_x"/>
+                                          </p:val>
+                                        </p:tav>
+                                      </p:tavLst>
+                                    </p:anim>
+                                    <p:anim calcmode="lin" valueType="num">
+                                      <p:cBhvr>
+                                        <p:cTn id="44" dur="500" fill="hold"/>
+                                        <p:tgtEl>
+                                          <p:spTgt spid="19"/>
+                                        </p:tgtEl>
+                                        <p:attrNameLst>
+                                          <p:attrName>ppt_y</p:attrName>
+                                        </p:attrNameLst>
+                                      </p:cBhvr>
+                                      <p:tavLst>
+                                        <p:tav tm="0">
+                                          <p:val>
+                                            <p:fltVal val="0.5"/>
+                                          </p:val>
+                                        </p:tav>
+                                        <p:tav tm="100000">
+                                          <p:val>
+                                            <p:strVal val="#ppt_y"/>
+                                          </p:val>
+                                        </p:tav>
+                                      </p:tavLst>
+                                    </p:anim>
+                                  </p:childTnLst>
+                                </p:cTn>
+                              </p:par>
+                            </p:childTnLst>
+                          </p:cTn>
+                        </p:par>
+                      </p:childTnLst>
+                    </p:cTn>
+                  </p:par>
+                </p:childTnLst>
+              </p:cTn>
+              <p:prevCondLst>
+                <p:cond evt="onPrev" delay="0">
+                  <p:tgtEl>
+                    <p:sldTgt/>
+                  </p:tgtEl>
+                </p:cond>
+              </p:prevCondLst>
+              <p:nextCondLst>
+                <p:cond evt="onNext" delay="0">
+                  <p:tgtEl>
+                    <p:sldTgt/>
+                  </p:tgtEl>
+                </p:cond>
+              </p:nextCondLst>
+            </p:seq>
+          </p:childTnLst>
+        </p:cTn>
+      </p:par>
+    </p:tnLst>
+  </p:timing>
 </p:sld>
 </file>
 
@@ -13526,7 +16031,7 @@
           <p:cNvPr id="2" name="Titre 1">
             <a:extLst>
               <a:ext uri="{FF2B5EF4-FFF2-40B4-BE49-F238E27FC236}">
-                <a16:creationId xmlns:a16="http://schemas.microsoft.com/office/drawing/2014/main" id="{94788A94-466E-456C-9076-B31EEC656C2C}"/>
+                <a16:creationId xmlns:a16="http://schemas.microsoft.com/office/drawing/2014/main" id="{452DAD9C-4924-0C5F-577A-377B1F24C11E}"/>
               </a:ext>
             </a:extLst>
           </p:cNvPr>
@@ -13544,18 +16049,71 @@
           <a:p>
             <a:r>
               <a:rPr lang="fr-FR" dirty="0"/>
-              <a:t>Contexte - Problématique</a:t>
+              <a:t>BioLogic – En quelques mots</a:t>
             </a:r>
-            <a:endParaRPr lang="en-US" dirty="0"/>
-          </a:p>
-        </p:txBody>
-      </p:sp>
-      <p:sp>
-        <p:nvSpPr>
-          <p:cNvPr id="4" name="Espace réservé de la date 3">
-            <a:extLst>
-              <a:ext uri="{FF2B5EF4-FFF2-40B4-BE49-F238E27FC236}">
-                <a16:creationId xmlns:a16="http://schemas.microsoft.com/office/drawing/2014/main" id="{02495090-DEE2-495F-8F24-4A9D42B74D07}"/>
+          </a:p>
+        </p:txBody>
+      </p:sp>
+      <p:sp>
+        <p:nvSpPr>
+          <p:cNvPr id="7" name="Espace réservé du contenu 6">
+            <a:extLst>
+              <a:ext uri="{FF2B5EF4-FFF2-40B4-BE49-F238E27FC236}">
+                <a16:creationId xmlns:a16="http://schemas.microsoft.com/office/drawing/2014/main" id="{9D7B839D-3290-4D04-C5AA-73BB7F50105B}"/>
+              </a:ext>
+            </a:extLst>
+          </p:cNvPr>
+          <p:cNvSpPr>
+            <a:spLocks noGrp="1"/>
+          </p:cNvSpPr>
+          <p:nvPr>
+            <p:ph idx="1"/>
+          </p:nvPr>
+        </p:nvSpPr>
+        <p:spPr/>
+        <p:txBody>
+          <a:bodyPr>
+            <a:normAutofit/>
+          </a:bodyPr>
+          <a:lstStyle/>
+          <a:p>
+            <a:r>
+              <a:rPr lang="fr-FR" sz="2400" dirty="0"/>
+              <a:t>40 ans d’innovations</a:t>
+            </a:r>
+          </a:p>
+          <a:p>
+            <a:r>
+              <a:rPr lang="fr-FR" sz="2400" dirty="0"/>
+              <a:t>Siège social à Seyssinet-Pariset</a:t>
+            </a:r>
+          </a:p>
+          <a:p>
+            <a:r>
+              <a:rPr lang="fr-FR" sz="2400" dirty="0"/>
+              <a:t>R&amp;D et production en France</a:t>
+            </a:r>
+          </a:p>
+          <a:p>
+            <a:r>
+              <a:rPr lang="fr-FR" sz="2400" dirty="0"/>
+              <a:t>Une présence mondiale</a:t>
+            </a:r>
+          </a:p>
+          <a:p>
+            <a:r>
+              <a:rPr lang="fr-FR" sz="2400" dirty="0"/>
+              <a:t>15% de croissance annuelle depuis 2007</a:t>
+            </a:r>
+          </a:p>
+        </p:txBody>
+      </p:sp>
+      <p:sp>
+        <p:nvSpPr>
+          <p:cNvPr id="3" name="Espace réservé de la date 2">
+            <a:extLst>
+              <a:ext uri="{FF2B5EF4-FFF2-40B4-BE49-F238E27FC236}">
+                <a16:creationId xmlns:a16="http://schemas.microsoft.com/office/drawing/2014/main" id="{4D1E676D-23EF-087A-7958-B1FE54F8B74B}"/>
               </a:ext>
             </a:extLst>
           </p:cNvPr>
@@ -13571,9 +16129,9 @@
           <a:bodyPr/>
           <a:lstStyle/>
           <a:p>
-            <a:fld id="{3D38E89D-16A0-4C85-8400-9C86E1826DC0}" type="datetime4">
+            <a:fld id="{EA296415-DD52-4179-A752-ECDDB64AA4FE}" type="datetime4">
               <a:rPr lang="fr-FR" smtClean="0"/>
-              <a:t>26 septembre 2022</a:t>
+              <a:t>27 septembre 2022</a:t>
             </a:fld>
             <a:endParaRPr lang="en-US" dirty="0"/>
           </a:p>
@@ -13581,10 +16139,10 @@
       </p:sp>
       <p:sp>
         <p:nvSpPr>
-          <p:cNvPr id="5" name="Espace réservé du pied de page 4">
-            <a:extLst>
-              <a:ext uri="{FF2B5EF4-FFF2-40B4-BE49-F238E27FC236}">
-                <a16:creationId xmlns:a16="http://schemas.microsoft.com/office/drawing/2014/main" id="{4CB21D7D-907E-45C2-BBEA-0C8BE8185AEE}"/>
+          <p:cNvPr id="4" name="Espace réservé du pied de page 3">
+            <a:extLst>
+              <a:ext uri="{FF2B5EF4-FFF2-40B4-BE49-F238E27FC236}">
+                <a16:creationId xmlns:a16="http://schemas.microsoft.com/office/drawing/2014/main" id="{AEEC94E3-B236-B283-AE44-0B1D4F169875}"/>
               </a:ext>
             </a:extLst>
           </p:cNvPr>
@@ -13600,16 +16158,16 @@
           <a:bodyPr/>
           <a:lstStyle/>
           <a:p>
-            <a:endParaRPr lang="en-US" dirty="0"/>
-          </a:p>
-        </p:txBody>
-      </p:sp>
-      <p:sp>
-        <p:nvSpPr>
-          <p:cNvPr id="6" name="Espace réservé du numéro de diapositive 5">
-            <a:extLst>
-              <a:ext uri="{FF2B5EF4-FFF2-40B4-BE49-F238E27FC236}">
-                <a16:creationId xmlns:a16="http://schemas.microsoft.com/office/drawing/2014/main" id="{F95226C0-CE23-4F80-B746-EC07610468B2}"/>
+            <a:endParaRPr lang="en-US"/>
+          </a:p>
+        </p:txBody>
+      </p:sp>
+      <p:sp>
+        <p:nvSpPr>
+          <p:cNvPr id="5" name="Espace réservé du numéro de diapositive 4">
+            <a:extLst>
+              <a:ext uri="{FF2B5EF4-FFF2-40B4-BE49-F238E27FC236}">
+                <a16:creationId xmlns:a16="http://schemas.microsoft.com/office/drawing/2014/main" id="{3AB33E64-82AB-553E-C807-386BBCB02062}"/>
               </a:ext>
             </a:extLst>
           </p:cNvPr>
@@ -13628,6 +16186,644 @@
             <a:fld id="{CB7920DE-DA26-4201-A337-FC43B769B7CA}" type="slidenum">
               <a:rPr lang="en-US" smtClean="0"/>
               <a:t>5</a:t>
+            </a:fld>
+            <a:endParaRPr lang="en-US"/>
+          </a:p>
+        </p:txBody>
+      </p:sp>
+      <p:pic>
+        <p:nvPicPr>
+          <p:cNvPr id="6" name="Picture 8">
+            <a:extLst>
+              <a:ext uri="{FF2B5EF4-FFF2-40B4-BE49-F238E27FC236}">
+                <a16:creationId xmlns:a16="http://schemas.microsoft.com/office/drawing/2014/main" id="{EA77C14C-501A-C048-18A2-9FB5FB63F6FE}"/>
+              </a:ext>
+            </a:extLst>
+          </p:cNvPr>
+          <p:cNvPicPr>
+            <a:picLocks noChangeAspect="1"/>
+          </p:cNvPicPr>
+          <p:nvPr/>
+        </p:nvPicPr>
+        <p:blipFill rotWithShape="1">
+          <a:blip r:embed="rId2"/>
+          <a:srcRect t="16117"/>
+          <a:stretch/>
+        </p:blipFill>
+        <p:spPr>
+          <a:xfrm>
+            <a:off x="1261057" y="3947114"/>
+            <a:ext cx="4499802" cy="2516946"/>
+          </a:xfrm>
+          <a:prstGeom prst="rect">
+            <a:avLst/>
+          </a:prstGeom>
+        </p:spPr>
+      </p:pic>
+      <p:grpSp>
+        <p:nvGrpSpPr>
+          <p:cNvPr id="8" name="Groupe 7">
+            <a:extLst>
+              <a:ext uri="{FF2B5EF4-FFF2-40B4-BE49-F238E27FC236}">
+                <a16:creationId xmlns:a16="http://schemas.microsoft.com/office/drawing/2014/main" id="{B7C8F140-0B21-1AF3-8FB2-9204925D7E07}"/>
+              </a:ext>
+            </a:extLst>
+          </p:cNvPr>
+          <p:cNvGrpSpPr/>
+          <p:nvPr/>
+        </p:nvGrpSpPr>
+        <p:grpSpPr>
+          <a:xfrm>
+            <a:off x="7185792" y="1255880"/>
+            <a:ext cx="4795794" cy="2443717"/>
+            <a:chOff x="5213350" y="0"/>
+            <a:chExt cx="6978650" cy="3556000"/>
+          </a:xfrm>
+        </p:grpSpPr>
+        <p:pic>
+          <p:nvPicPr>
+            <p:cNvPr id="9" name="Picture 6">
+              <a:extLst>
+                <a:ext uri="{FF2B5EF4-FFF2-40B4-BE49-F238E27FC236}">
+                  <a16:creationId xmlns:a16="http://schemas.microsoft.com/office/drawing/2014/main" id="{42134BE9-2F2B-6CCF-0539-FA8FCB1C8D22}"/>
+                </a:ext>
+              </a:extLst>
+            </p:cNvPr>
+            <p:cNvPicPr>
+              <a:picLocks noChangeAspect="1"/>
+            </p:cNvPicPr>
+            <p:nvPr/>
+          </p:nvPicPr>
+          <p:blipFill>
+            <a:blip r:embed="rId3" cstate="screen">
+              <a:extLst>
+                <a:ext uri="{28A0092B-C50C-407E-A947-70E740481C1C}">
+                  <a14:useLocalDpi xmlns:a14="http://schemas.microsoft.com/office/drawing/2010/main"/>
+                </a:ext>
+              </a:extLst>
+            </a:blip>
+            <a:stretch>
+              <a:fillRect/>
+            </a:stretch>
+          </p:blipFill>
+          <p:spPr>
+            <a:xfrm>
+              <a:off x="5213350" y="0"/>
+              <a:ext cx="6978650" cy="3556000"/>
+            </a:xfrm>
+            <a:prstGeom prst="rect">
+              <a:avLst/>
+            </a:prstGeom>
+          </p:spPr>
+        </p:pic>
+        <p:pic>
+          <p:nvPicPr>
+            <p:cNvPr id="10" name="Picture 8">
+              <a:extLst>
+                <a:ext uri="{FF2B5EF4-FFF2-40B4-BE49-F238E27FC236}">
+                  <a16:creationId xmlns:a16="http://schemas.microsoft.com/office/drawing/2014/main" id="{C07E7BA5-C716-FA77-487C-51F269C05C77}"/>
+                </a:ext>
+              </a:extLst>
+            </p:cNvPr>
+            <p:cNvPicPr>
+              <a:picLocks noChangeAspect="1"/>
+            </p:cNvPicPr>
+            <p:nvPr/>
+          </p:nvPicPr>
+          <p:blipFill>
+            <a:blip r:embed="rId4" cstate="screen">
+              <a:extLst>
+                <a:ext uri="{28A0092B-C50C-407E-A947-70E740481C1C}">
+                  <a14:useLocalDpi xmlns:a14="http://schemas.microsoft.com/office/drawing/2010/main"/>
+                </a:ext>
+              </a:extLst>
+            </a:blip>
+            <a:stretch>
+              <a:fillRect/>
+            </a:stretch>
+          </p:blipFill>
+          <p:spPr>
+            <a:xfrm>
+              <a:off x="5540375" y="508000"/>
+              <a:ext cx="6324600" cy="2717800"/>
+            </a:xfrm>
+            <a:prstGeom prst="rect">
+              <a:avLst/>
+            </a:prstGeom>
+          </p:spPr>
+        </p:pic>
+        <p:pic>
+          <p:nvPicPr>
+            <p:cNvPr id="11" name="Picture 9">
+              <a:extLst>
+                <a:ext uri="{FF2B5EF4-FFF2-40B4-BE49-F238E27FC236}">
+                  <a16:creationId xmlns:a16="http://schemas.microsoft.com/office/drawing/2014/main" id="{2C19E2CA-9B97-8960-6753-62BB8610D50A}"/>
+                </a:ext>
+              </a:extLst>
+            </p:cNvPr>
+            <p:cNvPicPr>
+              <a:picLocks noChangeAspect="1"/>
+            </p:cNvPicPr>
+            <p:nvPr/>
+          </p:nvPicPr>
+          <p:blipFill>
+            <a:blip r:embed="rId5" cstate="screen">
+              <a:extLst>
+                <a:ext uri="{28A0092B-C50C-407E-A947-70E740481C1C}">
+                  <a14:useLocalDpi xmlns:a14="http://schemas.microsoft.com/office/drawing/2010/main"/>
+                </a:ext>
+              </a:extLst>
+            </a:blip>
+            <a:stretch>
+              <a:fillRect/>
+            </a:stretch>
+          </p:blipFill>
+          <p:spPr>
+            <a:xfrm>
+              <a:off x="6362700" y="901700"/>
+              <a:ext cx="393700" cy="584200"/>
+            </a:xfrm>
+            <a:prstGeom prst="rect">
+              <a:avLst/>
+            </a:prstGeom>
+          </p:spPr>
+        </p:pic>
+        <p:pic>
+          <p:nvPicPr>
+            <p:cNvPr id="12" name="Picture 10">
+              <a:extLst>
+                <a:ext uri="{FF2B5EF4-FFF2-40B4-BE49-F238E27FC236}">
+                  <a16:creationId xmlns:a16="http://schemas.microsoft.com/office/drawing/2014/main" id="{243F730C-E76E-E63D-A9C2-EDB798F5F1F5}"/>
+                </a:ext>
+              </a:extLst>
+            </p:cNvPr>
+            <p:cNvPicPr>
+              <a:picLocks noChangeAspect="1"/>
+            </p:cNvPicPr>
+            <p:nvPr/>
+          </p:nvPicPr>
+          <p:blipFill>
+            <a:blip r:embed="rId5" cstate="screen">
+              <a:extLst>
+                <a:ext uri="{28A0092B-C50C-407E-A947-70E740481C1C}">
+                  <a14:useLocalDpi xmlns:a14="http://schemas.microsoft.com/office/drawing/2010/main"/>
+                </a:ext>
+              </a:extLst>
+            </a:blip>
+            <a:stretch>
+              <a:fillRect/>
+            </a:stretch>
+          </p:blipFill>
+          <p:spPr>
+            <a:xfrm>
+              <a:off x="8128000" y="660400"/>
+              <a:ext cx="393700" cy="584200"/>
+            </a:xfrm>
+            <a:prstGeom prst="rect">
+              <a:avLst/>
+            </a:prstGeom>
+          </p:spPr>
+        </p:pic>
+        <p:pic>
+          <p:nvPicPr>
+            <p:cNvPr id="13" name="Picture 11">
+              <a:extLst>
+                <a:ext uri="{FF2B5EF4-FFF2-40B4-BE49-F238E27FC236}">
+                  <a16:creationId xmlns:a16="http://schemas.microsoft.com/office/drawing/2014/main" id="{8AD6361A-85A7-97E9-6C6B-D1FCC2865AFC}"/>
+                </a:ext>
+              </a:extLst>
+            </p:cNvPr>
+            <p:cNvPicPr>
+              <a:picLocks noChangeAspect="1"/>
+            </p:cNvPicPr>
+            <p:nvPr/>
+          </p:nvPicPr>
+          <p:blipFill>
+            <a:blip r:embed="rId5" cstate="screen">
+              <a:extLst>
+                <a:ext uri="{28A0092B-C50C-407E-A947-70E740481C1C}">
+                  <a14:useLocalDpi xmlns:a14="http://schemas.microsoft.com/office/drawing/2010/main"/>
+                </a:ext>
+              </a:extLst>
+            </a:blip>
+            <a:stretch>
+              <a:fillRect/>
+            </a:stretch>
+          </p:blipFill>
+          <p:spPr>
+            <a:xfrm>
+              <a:off x="8331200" y="965200"/>
+              <a:ext cx="393700" cy="584200"/>
+            </a:xfrm>
+            <a:prstGeom prst="rect">
+              <a:avLst/>
+            </a:prstGeom>
+          </p:spPr>
+        </p:pic>
+        <p:pic>
+          <p:nvPicPr>
+            <p:cNvPr id="14" name="Picture 12">
+              <a:extLst>
+                <a:ext uri="{FF2B5EF4-FFF2-40B4-BE49-F238E27FC236}">
+                  <a16:creationId xmlns:a16="http://schemas.microsoft.com/office/drawing/2014/main" id="{DEE17B61-2A1A-E209-ADA6-DF54017E7581}"/>
+                </a:ext>
+              </a:extLst>
+            </p:cNvPr>
+            <p:cNvPicPr>
+              <a:picLocks noChangeAspect="1"/>
+            </p:cNvPicPr>
+            <p:nvPr/>
+          </p:nvPicPr>
+          <p:blipFill>
+            <a:blip r:embed="rId5" cstate="screen">
+              <a:extLst>
+                <a:ext uri="{28A0092B-C50C-407E-A947-70E740481C1C}">
+                  <a14:useLocalDpi xmlns:a14="http://schemas.microsoft.com/office/drawing/2010/main"/>
+                </a:ext>
+              </a:extLst>
+            </a:blip>
+            <a:stretch>
+              <a:fillRect/>
+            </a:stretch>
+          </p:blipFill>
+          <p:spPr>
+            <a:xfrm>
+              <a:off x="8724900" y="774700"/>
+              <a:ext cx="393700" cy="584200"/>
+            </a:xfrm>
+            <a:prstGeom prst="rect">
+              <a:avLst/>
+            </a:prstGeom>
+          </p:spPr>
+        </p:pic>
+        <p:pic>
+          <p:nvPicPr>
+            <p:cNvPr id="15" name="Picture 13">
+              <a:extLst>
+                <a:ext uri="{FF2B5EF4-FFF2-40B4-BE49-F238E27FC236}">
+                  <a16:creationId xmlns:a16="http://schemas.microsoft.com/office/drawing/2014/main" id="{A4E9DDEC-FD44-F5B7-2BB5-65E8E35795B6}"/>
+                </a:ext>
+              </a:extLst>
+            </p:cNvPr>
+            <p:cNvPicPr>
+              <a:picLocks noChangeAspect="1"/>
+            </p:cNvPicPr>
+            <p:nvPr/>
+          </p:nvPicPr>
+          <p:blipFill>
+            <a:blip r:embed="rId5" cstate="screen">
+              <a:extLst>
+                <a:ext uri="{28A0092B-C50C-407E-A947-70E740481C1C}">
+                  <a14:useLocalDpi xmlns:a14="http://schemas.microsoft.com/office/drawing/2010/main"/>
+                </a:ext>
+              </a:extLst>
+            </a:blip>
+            <a:stretch>
+              <a:fillRect/>
+            </a:stretch>
+          </p:blipFill>
+          <p:spPr>
+            <a:xfrm>
+              <a:off x="9283700" y="1549400"/>
+              <a:ext cx="393700" cy="584200"/>
+            </a:xfrm>
+            <a:prstGeom prst="rect">
+              <a:avLst/>
+            </a:prstGeom>
+          </p:spPr>
+        </p:pic>
+        <p:pic>
+          <p:nvPicPr>
+            <p:cNvPr id="16" name="Picture 14">
+              <a:extLst>
+                <a:ext uri="{FF2B5EF4-FFF2-40B4-BE49-F238E27FC236}">
+                  <a16:creationId xmlns:a16="http://schemas.microsoft.com/office/drawing/2014/main" id="{BF2092F5-2788-FFAE-035D-BA1C41CBA5DA}"/>
+                </a:ext>
+              </a:extLst>
+            </p:cNvPr>
+            <p:cNvPicPr>
+              <a:picLocks noChangeAspect="1"/>
+            </p:cNvPicPr>
+            <p:nvPr/>
+          </p:nvPicPr>
+          <p:blipFill>
+            <a:blip r:embed="rId5" cstate="screen">
+              <a:extLst>
+                <a:ext uri="{28A0092B-C50C-407E-A947-70E740481C1C}">
+                  <a14:useLocalDpi xmlns:a14="http://schemas.microsoft.com/office/drawing/2010/main"/>
+                </a:ext>
+              </a:extLst>
+            </a:blip>
+            <a:stretch>
+              <a:fillRect/>
+            </a:stretch>
+          </p:blipFill>
+          <p:spPr>
+            <a:xfrm>
+              <a:off x="9829800" y="1231900"/>
+              <a:ext cx="393700" cy="584200"/>
+            </a:xfrm>
+            <a:prstGeom prst="rect">
+              <a:avLst/>
+            </a:prstGeom>
+          </p:spPr>
+        </p:pic>
+        <p:pic>
+          <p:nvPicPr>
+            <p:cNvPr id="17" name="Picture 15">
+              <a:extLst>
+                <a:ext uri="{FF2B5EF4-FFF2-40B4-BE49-F238E27FC236}">
+                  <a16:creationId xmlns:a16="http://schemas.microsoft.com/office/drawing/2014/main" id="{58C99957-8879-FADA-1B9E-21C5F806DC5F}"/>
+                </a:ext>
+              </a:extLst>
+            </p:cNvPr>
+            <p:cNvPicPr>
+              <a:picLocks noChangeAspect="1"/>
+            </p:cNvPicPr>
+            <p:nvPr/>
+          </p:nvPicPr>
+          <p:blipFill>
+            <a:blip r:embed="rId5" cstate="screen">
+              <a:extLst>
+                <a:ext uri="{28A0092B-C50C-407E-A947-70E740481C1C}">
+                  <a14:useLocalDpi xmlns:a14="http://schemas.microsoft.com/office/drawing/2010/main"/>
+                </a:ext>
+              </a:extLst>
+            </a:blip>
+            <a:stretch>
+              <a:fillRect/>
+            </a:stretch>
+          </p:blipFill>
+          <p:spPr>
+            <a:xfrm>
+              <a:off x="10464800" y="1651000"/>
+              <a:ext cx="393700" cy="584200"/>
+            </a:xfrm>
+            <a:prstGeom prst="rect">
+              <a:avLst/>
+            </a:prstGeom>
+          </p:spPr>
+        </p:pic>
+        <p:pic>
+          <p:nvPicPr>
+            <p:cNvPr id="18" name="Picture 16">
+              <a:extLst>
+                <a:ext uri="{FF2B5EF4-FFF2-40B4-BE49-F238E27FC236}">
+                  <a16:creationId xmlns:a16="http://schemas.microsoft.com/office/drawing/2014/main" id="{8B25E492-128D-5776-3040-77A89ADDE86F}"/>
+                </a:ext>
+              </a:extLst>
+            </p:cNvPr>
+            <p:cNvPicPr>
+              <a:picLocks noChangeAspect="1"/>
+            </p:cNvPicPr>
+            <p:nvPr/>
+          </p:nvPicPr>
+          <p:blipFill>
+            <a:blip r:embed="rId6" cstate="screen">
+              <a:extLst>
+                <a:ext uri="{28A0092B-C50C-407E-A947-70E740481C1C}">
+                  <a14:useLocalDpi xmlns:a14="http://schemas.microsoft.com/office/drawing/2010/main"/>
+                </a:ext>
+              </a:extLst>
+            </a:blip>
+            <a:stretch>
+              <a:fillRect/>
+            </a:stretch>
+          </p:blipFill>
+          <p:spPr>
+            <a:xfrm>
+              <a:off x="8445500" y="812800"/>
+              <a:ext cx="393700" cy="584200"/>
+            </a:xfrm>
+            <a:prstGeom prst="rect">
+              <a:avLst/>
+            </a:prstGeom>
+          </p:spPr>
+        </p:pic>
+      </p:grpSp>
+    </p:spTree>
+    <p:extLst>
+      <p:ext uri="{BB962C8B-B14F-4D97-AF65-F5344CB8AC3E}">
+        <p14:creationId xmlns:p14="http://schemas.microsoft.com/office/powerpoint/2010/main" val="3784635131"/>
+      </p:ext>
+    </p:extLst>
+  </p:cSld>
+  <p:clrMapOvr>
+    <a:masterClrMapping/>
+  </p:clrMapOvr>
+  <p:timing>
+    <p:tnLst>
+      <p:par>
+        <p:cTn id="1" dur="indefinite" restart="never" nodeType="tmRoot">
+          <p:childTnLst>
+            <p:seq concurrent="1" nextAc="seek">
+              <p:cTn id="2" dur="indefinite" nodeType="mainSeq">
+                <p:childTnLst>
+                  <p:par>
+                    <p:cTn id="3" fill="hold">
+                      <p:stCondLst>
+                        <p:cond delay="indefinite"/>
+                        <p:cond evt="onBegin" delay="0">
+                          <p:tn val="2"/>
+                        </p:cond>
+                      </p:stCondLst>
+                      <p:childTnLst>
+                        <p:par>
+                          <p:cTn id="4" fill="hold">
+                            <p:stCondLst>
+                              <p:cond delay="0"/>
+                            </p:stCondLst>
+                            <p:childTnLst>
+                              <p:par>
+                                <p:cTn id="5" presetID="22" presetClass="entr" presetSubtype="4" fill="hold" nodeType="afterEffect">
+                                  <p:stCondLst>
+                                    <p:cond delay="0"/>
+                                  </p:stCondLst>
+                                  <p:childTnLst>
+                                    <p:set>
+                                      <p:cBhvr>
+                                        <p:cTn id="6" dur="1" fill="hold">
+                                          <p:stCondLst>
+                                            <p:cond delay="0"/>
+                                          </p:stCondLst>
+                                        </p:cTn>
+                                        <p:tgtEl>
+                                          <p:spTgt spid="6"/>
+                                        </p:tgtEl>
+                                        <p:attrNameLst>
+                                          <p:attrName>style.visibility</p:attrName>
+                                        </p:attrNameLst>
+                                      </p:cBhvr>
+                                      <p:to>
+                                        <p:strVal val="visible"/>
+                                      </p:to>
+                                    </p:set>
+                                    <p:animEffect transition="in" filter="wipe(down)">
+                                      <p:cBhvr>
+                                        <p:cTn id="7" dur="500"/>
+                                        <p:tgtEl>
+                                          <p:spTgt spid="6"/>
+                                        </p:tgtEl>
+                                      </p:cBhvr>
+                                    </p:animEffect>
+                                  </p:childTnLst>
+                                </p:cTn>
+                              </p:par>
+                            </p:childTnLst>
+                          </p:cTn>
+                        </p:par>
+                      </p:childTnLst>
+                    </p:cTn>
+                  </p:par>
+                </p:childTnLst>
+              </p:cTn>
+              <p:prevCondLst>
+                <p:cond evt="onPrev" delay="0">
+                  <p:tgtEl>
+                    <p:sldTgt/>
+                  </p:tgtEl>
+                </p:cond>
+              </p:prevCondLst>
+              <p:nextCondLst>
+                <p:cond evt="onNext" delay="0">
+                  <p:tgtEl>
+                    <p:sldTgt/>
+                  </p:tgtEl>
+                </p:cond>
+              </p:nextCondLst>
+            </p:seq>
+          </p:childTnLst>
+        </p:cTn>
+      </p:par>
+    </p:tnLst>
+  </p:timing>
+</p:sld>
+</file>
+
+<file path=ppt/slides/slide6.xml><?xml version="1.0" encoding="utf-8"?>
+<p:sld xmlns:a="http://schemas.openxmlformats.org/drawingml/2006/main" xmlns:r="http://schemas.openxmlformats.org/officeDocument/2006/relationships" xmlns:p="http://schemas.openxmlformats.org/presentationml/2006/main">
+  <p:cSld>
+    <p:spTree>
+      <p:nvGrpSpPr>
+        <p:cNvPr id="1" name=""/>
+        <p:cNvGrpSpPr/>
+        <p:nvPr/>
+      </p:nvGrpSpPr>
+      <p:grpSpPr>
+        <a:xfrm>
+          <a:off x="0" y="0"/>
+          <a:ext cx="0" cy="0"/>
+          <a:chOff x="0" y="0"/>
+          <a:chExt cx="0" cy="0"/>
+        </a:xfrm>
+      </p:grpSpPr>
+      <p:sp>
+        <p:nvSpPr>
+          <p:cNvPr id="2" name="Titre 1">
+            <a:extLst>
+              <a:ext uri="{FF2B5EF4-FFF2-40B4-BE49-F238E27FC236}">
+                <a16:creationId xmlns:a16="http://schemas.microsoft.com/office/drawing/2014/main" id="{94788A94-466E-456C-9076-B31EEC656C2C}"/>
+              </a:ext>
+            </a:extLst>
+          </p:cNvPr>
+          <p:cNvSpPr>
+            <a:spLocks noGrp="1"/>
+          </p:cNvSpPr>
+          <p:nvPr>
+            <p:ph type="title"/>
+          </p:nvPr>
+        </p:nvSpPr>
+        <p:spPr/>
+        <p:txBody>
+          <a:bodyPr/>
+          <a:lstStyle/>
+          <a:p>
+            <a:r>
+              <a:rPr lang="fr-FR" dirty="0"/>
+              <a:t>Contexte - Problématique</a:t>
+            </a:r>
+            <a:endParaRPr lang="en-US" dirty="0"/>
+          </a:p>
+        </p:txBody>
+      </p:sp>
+      <p:sp>
+        <p:nvSpPr>
+          <p:cNvPr id="4" name="Espace réservé de la date 3">
+            <a:extLst>
+              <a:ext uri="{FF2B5EF4-FFF2-40B4-BE49-F238E27FC236}">
+                <a16:creationId xmlns:a16="http://schemas.microsoft.com/office/drawing/2014/main" id="{02495090-DEE2-495F-8F24-4A9D42B74D07}"/>
+              </a:ext>
+            </a:extLst>
+          </p:cNvPr>
+          <p:cNvSpPr>
+            <a:spLocks noGrp="1"/>
+          </p:cNvSpPr>
+          <p:nvPr>
+            <p:ph type="dt" sz="half" idx="10"/>
+          </p:nvPr>
+        </p:nvSpPr>
+        <p:spPr/>
+        <p:txBody>
+          <a:bodyPr/>
+          <a:lstStyle/>
+          <a:p>
+            <a:fld id="{3D38E89D-16A0-4C85-8400-9C86E1826DC0}" type="datetime4">
+              <a:rPr lang="fr-FR" smtClean="0"/>
+              <a:t>27 septembre 2022</a:t>
+            </a:fld>
+            <a:endParaRPr lang="en-US" dirty="0"/>
+          </a:p>
+        </p:txBody>
+      </p:sp>
+      <p:sp>
+        <p:nvSpPr>
+          <p:cNvPr id="5" name="Espace réservé du pied de page 4">
+            <a:extLst>
+              <a:ext uri="{FF2B5EF4-FFF2-40B4-BE49-F238E27FC236}">
+                <a16:creationId xmlns:a16="http://schemas.microsoft.com/office/drawing/2014/main" id="{4CB21D7D-907E-45C2-BBEA-0C8BE8185AEE}"/>
+              </a:ext>
+            </a:extLst>
+          </p:cNvPr>
+          <p:cNvSpPr>
+            <a:spLocks noGrp="1"/>
+          </p:cNvSpPr>
+          <p:nvPr>
+            <p:ph type="ftr" sz="quarter" idx="11"/>
+          </p:nvPr>
+        </p:nvSpPr>
+        <p:spPr/>
+        <p:txBody>
+          <a:bodyPr/>
+          <a:lstStyle/>
+          <a:p>
+            <a:endParaRPr lang="en-US" dirty="0"/>
+          </a:p>
+        </p:txBody>
+      </p:sp>
+      <p:sp>
+        <p:nvSpPr>
+          <p:cNvPr id="6" name="Espace réservé du numéro de diapositive 5">
+            <a:extLst>
+              <a:ext uri="{FF2B5EF4-FFF2-40B4-BE49-F238E27FC236}">
+                <a16:creationId xmlns:a16="http://schemas.microsoft.com/office/drawing/2014/main" id="{F95226C0-CE23-4F80-B746-EC07610468B2}"/>
+              </a:ext>
+            </a:extLst>
+          </p:cNvPr>
+          <p:cNvSpPr>
+            <a:spLocks noGrp="1"/>
+          </p:cNvSpPr>
+          <p:nvPr>
+            <p:ph type="sldNum" sz="quarter" idx="12"/>
+          </p:nvPr>
+        </p:nvSpPr>
+        <p:spPr/>
+        <p:txBody>
+          <a:bodyPr/>
+          <a:lstStyle/>
+          <a:p>
+            <a:fld id="{CB7920DE-DA26-4201-A337-FC43B769B7CA}" type="slidenum">
+              <a:rPr lang="en-US" smtClean="0"/>
+              <a:t>6</a:t>
             </a:fld>
             <a:endParaRPr lang="en-US"/>
           </a:p>
@@ -13795,7 +16991,7 @@
 </p:sld>
 </file>
 
-<file path=ppt/slides/slide6.xml><?xml version="1.0" encoding="utf-8"?>
+<file path=ppt/slides/slide7.xml><?xml version="1.0" encoding="utf-8"?>
 <p:sld xmlns:a="http://schemas.openxmlformats.org/drawingml/2006/main" xmlns:r="http://schemas.openxmlformats.org/officeDocument/2006/relationships" xmlns:p="http://schemas.openxmlformats.org/presentationml/2006/main">
   <p:cSld>
     <p:spTree>
@@ -13864,7 +17060,7 @@
           <a:p>
             <a:fld id="{3D38E89D-16A0-4C85-8400-9C86E1826DC0}" type="datetime4">
               <a:rPr lang="fr-FR" smtClean="0"/>
-              <a:t>26 septembre 2022</a:t>
+              <a:t>27 septembre 2022</a:t>
             </a:fld>
             <a:endParaRPr lang="en-US" dirty="0"/>
           </a:p>
@@ -13918,7 +17114,7 @@
           <a:p>
             <a:fld id="{CB7920DE-DA26-4201-A337-FC43B769B7CA}" type="slidenum">
               <a:rPr lang="en-US" smtClean="0"/>
-              <a:t>6</a:t>
+              <a:t>7</a:t>
             </a:fld>
             <a:endParaRPr lang="en-US"/>
           </a:p>
@@ -14603,7 +17799,7 @@
 </p:sld>
 </file>
 
-<file path=ppt/slides/slide7.xml><?xml version="1.0" encoding="utf-8"?>
+<file path=ppt/slides/slide8.xml><?xml version="1.0" encoding="utf-8"?>
 <p:sld xmlns:a="http://schemas.openxmlformats.org/drawingml/2006/main" xmlns:r="http://schemas.openxmlformats.org/officeDocument/2006/relationships" xmlns:p="http://schemas.openxmlformats.org/presentationml/2006/main">
   <p:cSld>
     <p:spTree>
@@ -14672,7 +17868,7 @@
           <a:p>
             <a:fld id="{3D38E89D-16A0-4C85-8400-9C86E1826DC0}" type="datetime4">
               <a:rPr lang="fr-FR" smtClean="0"/>
-              <a:t>26 septembre 2022</a:t>
+              <a:t>27 septembre 2022</a:t>
             </a:fld>
             <a:endParaRPr lang="en-US" dirty="0"/>
           </a:p>
@@ -14726,7 +17922,7 @@
           <a:p>
             <a:fld id="{CB7920DE-DA26-4201-A337-FC43B769B7CA}" type="slidenum">
               <a:rPr lang="en-US" smtClean="0"/>
-              <a:t>7</a:t>
+              <a:t>8</a:t>
             </a:fld>
             <a:endParaRPr lang="en-US"/>
           </a:p>
@@ -15221,8 +18417,8 @@
             </p:nvSpPr>
             <p:spPr>
               <a:xfrm>
-                <a:off x="6684590" y="4868683"/>
-                <a:ext cx="1914525" cy="369332"/>
+                <a:off x="6505291" y="4868683"/>
+                <a:ext cx="2273124" cy="369332"/>
               </a:xfrm>
               <a:prstGeom prst="rect">
                 <a:avLst/>
@@ -15257,8 +18453,8 @@
             </p:nvSpPr>
             <p:spPr>
               <a:xfrm>
-                <a:off x="6042641" y="3523136"/>
-                <a:ext cx="1314163" cy="369332"/>
+                <a:off x="5970792" y="3523136"/>
+                <a:ext cx="1457862" cy="369332"/>
               </a:xfrm>
               <a:prstGeom prst="rect">
                 <a:avLst/>
@@ -15439,7 +18635,7 @@
 </p:sld>
 </file>
 
-<file path=ppt/slides/slide8.xml><?xml version="1.0" encoding="utf-8"?>
+<file path=ppt/slides/slide9.xml><?xml version="1.0" encoding="utf-8"?>
 <p:sld xmlns:a="http://schemas.openxmlformats.org/drawingml/2006/main" xmlns:r="http://schemas.openxmlformats.org/officeDocument/2006/relationships" xmlns:p="http://schemas.openxmlformats.org/presentationml/2006/main">
   <p:cSld>
     <p:spTree>
@@ -15508,7 +18704,7 @@
           <a:p>
             <a:fld id="{3D38E89D-16A0-4C85-8400-9C86E1826DC0}" type="datetime4">
               <a:rPr lang="fr-FR" smtClean="0"/>
-              <a:t>26 septembre 2022</a:t>
+              <a:t>27 septembre 2022</a:t>
             </a:fld>
             <a:endParaRPr lang="en-US" dirty="0"/>
           </a:p>
@@ -15562,7 +18758,7 @@
           <a:p>
             <a:fld id="{CB7920DE-DA26-4201-A337-FC43B769B7CA}" type="slidenum">
               <a:rPr lang="en-US" smtClean="0"/>
-              <a:t>8</a:t>
+              <a:t>9</a:t>
             </a:fld>
             <a:endParaRPr lang="en-US"/>
           </a:p>
@@ -15938,1228 +19134,6 @@
     <p:extLst>
       <p:ext uri="{BB962C8B-B14F-4D97-AF65-F5344CB8AC3E}">
         <p14:creationId xmlns:p14="http://schemas.microsoft.com/office/powerpoint/2010/main" val="4028076316"/>
-      </p:ext>
-    </p:extLst>
-  </p:cSld>
-  <p:clrMapOvr>
-    <a:masterClrMapping/>
-  </p:clrMapOvr>
-</p:sld>
-</file>
-
-<file path=ppt/slides/slide9.xml><?xml version="1.0" encoding="utf-8"?>
-<p:sld xmlns:a="http://schemas.openxmlformats.org/drawingml/2006/main" xmlns:r="http://schemas.openxmlformats.org/officeDocument/2006/relationships" xmlns:p="http://schemas.openxmlformats.org/presentationml/2006/main">
-  <p:cSld>
-    <p:spTree>
-      <p:nvGrpSpPr>
-        <p:cNvPr id="1" name=""/>
-        <p:cNvGrpSpPr/>
-        <p:nvPr/>
-      </p:nvGrpSpPr>
-      <p:grpSpPr>
-        <a:xfrm>
-          <a:off x="0" y="0"/>
-          <a:ext cx="0" cy="0"/>
-          <a:chOff x="0" y="0"/>
-          <a:chExt cx="0" cy="0"/>
-        </a:xfrm>
-      </p:grpSpPr>
-      <p:sp>
-        <p:nvSpPr>
-          <p:cNvPr id="2" name="Titre 1">
-            <a:extLst>
-              <a:ext uri="{FF2B5EF4-FFF2-40B4-BE49-F238E27FC236}">
-                <a16:creationId xmlns:a16="http://schemas.microsoft.com/office/drawing/2014/main" id="{94788A94-466E-456C-9076-B31EEC656C2C}"/>
-              </a:ext>
-            </a:extLst>
-          </p:cNvPr>
-          <p:cNvSpPr>
-            <a:spLocks noGrp="1"/>
-          </p:cNvSpPr>
-          <p:nvPr>
-            <p:ph type="title"/>
-          </p:nvPr>
-        </p:nvSpPr>
-        <p:spPr/>
-        <p:txBody>
-          <a:bodyPr/>
-          <a:lstStyle/>
-          <a:p>
-            <a:r>
-              <a:rPr lang="fr-FR" dirty="0"/>
-              <a:t>Contexte - Solution</a:t>
-            </a:r>
-            <a:endParaRPr lang="en-US" dirty="0"/>
-          </a:p>
-        </p:txBody>
-      </p:sp>
-      <p:sp>
-        <p:nvSpPr>
-          <p:cNvPr id="4" name="Espace réservé de la date 3">
-            <a:extLst>
-              <a:ext uri="{FF2B5EF4-FFF2-40B4-BE49-F238E27FC236}">
-                <a16:creationId xmlns:a16="http://schemas.microsoft.com/office/drawing/2014/main" id="{02495090-DEE2-495F-8F24-4A9D42B74D07}"/>
-              </a:ext>
-            </a:extLst>
-          </p:cNvPr>
-          <p:cNvSpPr>
-            <a:spLocks noGrp="1"/>
-          </p:cNvSpPr>
-          <p:nvPr>
-            <p:ph type="dt" sz="half" idx="10"/>
-          </p:nvPr>
-        </p:nvSpPr>
-        <p:spPr/>
-        <p:txBody>
-          <a:bodyPr/>
-          <a:lstStyle/>
-          <a:p>
-            <a:fld id="{3D38E89D-16A0-4C85-8400-9C86E1826DC0}" type="datetime4">
-              <a:rPr lang="fr-FR" smtClean="0"/>
-              <a:t>26 septembre 2022</a:t>
-            </a:fld>
-            <a:endParaRPr lang="en-US" dirty="0"/>
-          </a:p>
-        </p:txBody>
-      </p:sp>
-      <p:sp>
-        <p:nvSpPr>
-          <p:cNvPr id="5" name="Espace réservé du pied de page 4">
-            <a:extLst>
-              <a:ext uri="{FF2B5EF4-FFF2-40B4-BE49-F238E27FC236}">
-                <a16:creationId xmlns:a16="http://schemas.microsoft.com/office/drawing/2014/main" id="{4CB21D7D-907E-45C2-BBEA-0C8BE8185AEE}"/>
-              </a:ext>
-            </a:extLst>
-          </p:cNvPr>
-          <p:cNvSpPr>
-            <a:spLocks noGrp="1"/>
-          </p:cNvSpPr>
-          <p:nvPr>
-            <p:ph type="ftr" sz="quarter" idx="11"/>
-          </p:nvPr>
-        </p:nvSpPr>
-        <p:spPr/>
-        <p:txBody>
-          <a:bodyPr/>
-          <a:lstStyle/>
-          <a:p>
-            <a:endParaRPr lang="en-US" dirty="0"/>
-          </a:p>
-        </p:txBody>
-      </p:sp>
-      <p:sp>
-        <p:nvSpPr>
-          <p:cNvPr id="6" name="Espace réservé du numéro de diapositive 5">
-            <a:extLst>
-              <a:ext uri="{FF2B5EF4-FFF2-40B4-BE49-F238E27FC236}">
-                <a16:creationId xmlns:a16="http://schemas.microsoft.com/office/drawing/2014/main" id="{F95226C0-CE23-4F80-B746-EC07610468B2}"/>
-              </a:ext>
-            </a:extLst>
-          </p:cNvPr>
-          <p:cNvSpPr>
-            <a:spLocks noGrp="1"/>
-          </p:cNvSpPr>
-          <p:nvPr>
-            <p:ph type="sldNum" sz="quarter" idx="12"/>
-          </p:nvPr>
-        </p:nvSpPr>
-        <p:spPr/>
-        <p:txBody>
-          <a:bodyPr/>
-          <a:lstStyle/>
-          <a:p>
-            <a:fld id="{CB7920DE-DA26-4201-A337-FC43B769B7CA}" type="slidenum">
-              <a:rPr lang="en-US" smtClean="0"/>
-              <a:t>9</a:t>
-            </a:fld>
-            <a:endParaRPr lang="en-US"/>
-          </a:p>
-        </p:txBody>
-      </p:sp>
-      <p:sp>
-        <p:nvSpPr>
-          <p:cNvPr id="28" name="Espace réservé du contenu 2">
-            <a:extLst>
-              <a:ext uri="{FF2B5EF4-FFF2-40B4-BE49-F238E27FC236}">
-                <a16:creationId xmlns:a16="http://schemas.microsoft.com/office/drawing/2014/main" id="{726E8AB0-21A3-48EA-AF6E-1CF4457620E2}"/>
-              </a:ext>
-            </a:extLst>
-          </p:cNvPr>
-          <p:cNvSpPr txBox="1">
-            <a:spLocks/>
-          </p:cNvSpPr>
-          <p:nvPr/>
-        </p:nvSpPr>
-        <p:spPr>
-          <a:xfrm>
-            <a:off x="1151999" y="1367999"/>
-            <a:ext cx="10512000" cy="3232575"/>
-          </a:xfrm>
-          <a:prstGeom prst="rect">
-            <a:avLst/>
-          </a:prstGeom>
-        </p:spPr>
-        <p:txBody>
-          <a:bodyPr vert="horz" lIns="91440" tIns="45720" rIns="91440" bIns="45720" rtlCol="0">
-            <a:normAutofit/>
-          </a:bodyPr>
-          <a:lstStyle>
-            <a:lvl1pPr marL="263525" indent="-263525" algn="l" defTabSz="914400" rtl="0" eaLnBrk="1" latinLnBrk="0" hangingPunct="1">
-              <a:lnSpc>
-                <a:spcPct val="90000"/>
-              </a:lnSpc>
-              <a:spcBef>
-                <a:spcPts val="1000"/>
-              </a:spcBef>
-              <a:buClr>
-                <a:schemeClr val="accent4"/>
-              </a:buClr>
-              <a:buFont typeface="Wingdings" panose="05000000000000000000" pitchFamily="2" charset="2"/>
-              <a:buChar char="§"/>
-              <a:defRPr sz="2800" kern="1200">
-                <a:solidFill>
-                  <a:schemeClr val="tx1"/>
-                </a:solidFill>
-                <a:latin typeface="Gilroy" panose="00000500000000000000" pitchFamily="50" charset="0"/>
-                <a:ea typeface="+mn-ea"/>
-                <a:cs typeface="+mn-cs"/>
-              </a:defRPr>
-            </a:lvl1pPr>
-            <a:lvl2pPr marL="803275" indent="-265113" algn="l" defTabSz="914400" rtl="0" eaLnBrk="1" latinLnBrk="0" hangingPunct="1">
-              <a:lnSpc>
-                <a:spcPct val="90000"/>
-              </a:lnSpc>
-              <a:spcBef>
-                <a:spcPts val="500"/>
-              </a:spcBef>
-              <a:buClr>
-                <a:schemeClr val="accent1"/>
-              </a:buClr>
-              <a:buFont typeface="Wingdings" panose="05000000000000000000" pitchFamily="2" charset="2"/>
-              <a:buChar char="§"/>
-              <a:defRPr sz="2400" kern="1200">
-                <a:solidFill>
-                  <a:schemeClr val="tx1"/>
-                </a:solidFill>
-                <a:latin typeface="Gilroy" panose="00000500000000000000" pitchFamily="50" charset="0"/>
-                <a:ea typeface="+mn-ea"/>
-                <a:cs typeface="+mn-cs"/>
-              </a:defRPr>
-            </a:lvl2pPr>
-            <a:lvl3pPr marL="1076325" indent="-265113" algn="l" defTabSz="914400" rtl="0" eaLnBrk="1" latinLnBrk="0" hangingPunct="1">
-              <a:lnSpc>
-                <a:spcPct val="90000"/>
-              </a:lnSpc>
-              <a:spcBef>
-                <a:spcPts val="500"/>
-              </a:spcBef>
-              <a:buClr>
-                <a:schemeClr val="tx2"/>
-              </a:buClr>
-              <a:buFont typeface="Wingdings" panose="05000000000000000000" pitchFamily="2" charset="2"/>
-              <a:buChar char="§"/>
-              <a:defRPr sz="2000" kern="1200">
-                <a:solidFill>
-                  <a:schemeClr val="tx1"/>
-                </a:solidFill>
-                <a:latin typeface="Gilroy" panose="00000500000000000000" pitchFamily="50" charset="0"/>
-                <a:ea typeface="+mn-ea"/>
-                <a:cs typeface="+mn-cs"/>
-              </a:defRPr>
-            </a:lvl3pPr>
-            <a:lvl4pPr marL="1341438" indent="-273050" algn="l" defTabSz="914400" rtl="0" eaLnBrk="1" latinLnBrk="0" hangingPunct="1">
-              <a:lnSpc>
-                <a:spcPct val="90000"/>
-              </a:lnSpc>
-              <a:spcBef>
-                <a:spcPts val="500"/>
-              </a:spcBef>
-              <a:buFont typeface="Wingdings" panose="05000000000000000000" pitchFamily="2" charset="2"/>
-              <a:buChar char="§"/>
-              <a:defRPr sz="1800" kern="1200">
-                <a:solidFill>
-                  <a:schemeClr val="tx1"/>
-                </a:solidFill>
-                <a:latin typeface="Gilroy" panose="00000500000000000000" pitchFamily="50" charset="0"/>
-                <a:ea typeface="+mn-ea"/>
-                <a:cs typeface="+mn-cs"/>
-              </a:defRPr>
-            </a:lvl4pPr>
-            <a:lvl5pPr marL="2057400" indent="-228600" algn="l" defTabSz="914400" rtl="0" eaLnBrk="1" latinLnBrk="0" hangingPunct="1">
-              <a:lnSpc>
-                <a:spcPct val="90000"/>
-              </a:lnSpc>
-              <a:spcBef>
-                <a:spcPts val="500"/>
-              </a:spcBef>
-              <a:buFont typeface="Arial" panose="020B0604020202020204" pitchFamily="34" charset="0"/>
-              <a:buChar char="•"/>
-              <a:defRPr sz="1800" kern="1200">
-                <a:solidFill>
-                  <a:schemeClr val="tx1"/>
-                </a:solidFill>
-                <a:latin typeface="Gilroy" panose="00000500000000000000" pitchFamily="50" charset="0"/>
-                <a:ea typeface="+mn-ea"/>
-                <a:cs typeface="+mn-cs"/>
-              </a:defRPr>
-            </a:lvl5pPr>
-            <a:lvl6pPr marL="2514600" indent="-228600" algn="l" defTabSz="914400" rtl="0" eaLnBrk="1" latinLnBrk="0" hangingPunct="1">
-              <a:lnSpc>
-                <a:spcPct val="90000"/>
-              </a:lnSpc>
-              <a:spcBef>
-                <a:spcPts val="500"/>
-              </a:spcBef>
-              <a:buFont typeface="Arial" panose="020B0604020202020204" pitchFamily="34" charset="0"/>
-              <a:buChar char="•"/>
-              <a:defRPr sz="1800" kern="1200">
-                <a:solidFill>
-                  <a:schemeClr val="tx1"/>
-                </a:solidFill>
-                <a:latin typeface="+mn-lt"/>
-                <a:ea typeface="+mn-ea"/>
-                <a:cs typeface="+mn-cs"/>
-              </a:defRPr>
-            </a:lvl6pPr>
-            <a:lvl7pPr marL="2971800" indent="-228600" algn="l" defTabSz="914400" rtl="0" eaLnBrk="1" latinLnBrk="0" hangingPunct="1">
-              <a:lnSpc>
-                <a:spcPct val="90000"/>
-              </a:lnSpc>
-              <a:spcBef>
-                <a:spcPts val="500"/>
-              </a:spcBef>
-              <a:buFont typeface="Arial" panose="020B0604020202020204" pitchFamily="34" charset="0"/>
-              <a:buChar char="•"/>
-              <a:defRPr sz="1800" kern="1200">
-                <a:solidFill>
-                  <a:schemeClr val="tx1"/>
-                </a:solidFill>
-                <a:latin typeface="+mn-lt"/>
-                <a:ea typeface="+mn-ea"/>
-                <a:cs typeface="+mn-cs"/>
-              </a:defRPr>
-            </a:lvl7pPr>
-            <a:lvl8pPr marL="3429000" indent="-228600" algn="l" defTabSz="914400" rtl="0" eaLnBrk="1" latinLnBrk="0" hangingPunct="1">
-              <a:lnSpc>
-                <a:spcPct val="90000"/>
-              </a:lnSpc>
-              <a:spcBef>
-                <a:spcPts val="500"/>
-              </a:spcBef>
-              <a:buFont typeface="Arial" panose="020B0604020202020204" pitchFamily="34" charset="0"/>
-              <a:buChar char="•"/>
-              <a:defRPr sz="1800" kern="1200">
-                <a:solidFill>
-                  <a:schemeClr val="tx1"/>
-                </a:solidFill>
-                <a:latin typeface="+mn-lt"/>
-                <a:ea typeface="+mn-ea"/>
-                <a:cs typeface="+mn-cs"/>
-              </a:defRPr>
-            </a:lvl8pPr>
-            <a:lvl9pPr marL="3886200" indent="-228600" algn="l" defTabSz="914400" rtl="0" eaLnBrk="1" latinLnBrk="0" hangingPunct="1">
-              <a:lnSpc>
-                <a:spcPct val="90000"/>
-              </a:lnSpc>
-              <a:spcBef>
-                <a:spcPts val="500"/>
-              </a:spcBef>
-              <a:buFont typeface="Arial" panose="020B0604020202020204" pitchFamily="34" charset="0"/>
-              <a:buChar char="•"/>
-              <a:defRPr sz="1800" kern="1200">
-                <a:solidFill>
-                  <a:schemeClr val="tx1"/>
-                </a:solidFill>
-                <a:latin typeface="+mn-lt"/>
-                <a:ea typeface="+mn-ea"/>
-                <a:cs typeface="+mn-cs"/>
-              </a:defRPr>
-            </a:lvl9pPr>
-          </a:lstStyle>
-          <a:p>
-            <a:r>
-              <a:rPr lang="fr-FR" dirty="0"/>
-              <a:t>Heureusement, j’ai mon collègue en face qui m’a dit :</a:t>
-            </a:r>
-          </a:p>
-          <a:p>
-            <a:pPr marL="0" indent="0" algn="ctr">
-              <a:buNone/>
-            </a:pPr>
-            <a:r>
-              <a:rPr lang="fr-FR" sz="4000" b="1" dirty="0"/>
-              <a:t>« C facile, je C faire ! »</a:t>
-            </a:r>
-          </a:p>
-          <a:p>
-            <a:endParaRPr lang="fr-FR" dirty="0"/>
-          </a:p>
-        </p:txBody>
-      </p:sp>
-      <p:grpSp>
-        <p:nvGrpSpPr>
-          <p:cNvPr id="29" name="Groupe 28">
-            <a:extLst>
-              <a:ext uri="{FF2B5EF4-FFF2-40B4-BE49-F238E27FC236}">
-                <a16:creationId xmlns:a16="http://schemas.microsoft.com/office/drawing/2014/main" id="{61ADFB60-C035-48C5-8292-E79BFC21C359}"/>
-              </a:ext>
-            </a:extLst>
-          </p:cNvPr>
-          <p:cNvGrpSpPr/>
-          <p:nvPr/>
-        </p:nvGrpSpPr>
-        <p:grpSpPr>
-          <a:xfrm>
-            <a:off x="5238572" y="4087208"/>
-            <a:ext cx="1780910" cy="2387360"/>
-            <a:chOff x="9582150" y="3657600"/>
-            <a:chExt cx="2276475" cy="2936936"/>
-          </a:xfrm>
-        </p:grpSpPr>
-        <p:sp>
-          <p:nvSpPr>
-            <p:cNvPr id="30" name="Rectangle 29">
-              <a:extLst>
-                <a:ext uri="{FF2B5EF4-FFF2-40B4-BE49-F238E27FC236}">
-                  <a16:creationId xmlns:a16="http://schemas.microsoft.com/office/drawing/2014/main" id="{7ED8ECF6-1F40-4A16-ACBD-AF3CE25CD873}"/>
-                </a:ext>
-              </a:extLst>
-            </p:cNvPr>
-            <p:cNvSpPr/>
-            <p:nvPr/>
-          </p:nvSpPr>
-          <p:spPr>
-            <a:xfrm>
-              <a:off x="9582150" y="3657600"/>
-              <a:ext cx="2276475" cy="2708340"/>
-            </a:xfrm>
-            <a:prstGeom prst="rect">
-              <a:avLst/>
-            </a:prstGeom>
-            <a:noFill/>
-            <a:ln>
-              <a:solidFill>
-                <a:srgbClr val="FF7854"/>
-              </a:solidFill>
-            </a:ln>
-          </p:spPr>
-          <p:style>
-            <a:lnRef idx="2">
-              <a:schemeClr val="accent1">
-                <a:shade val="50000"/>
-              </a:schemeClr>
-            </a:lnRef>
-            <a:fillRef idx="1">
-              <a:schemeClr val="accent1"/>
-            </a:fillRef>
-            <a:effectRef idx="0">
-              <a:schemeClr val="accent1"/>
-            </a:effectRef>
-            <a:fontRef idx="minor">
-              <a:schemeClr val="lt1"/>
-            </a:fontRef>
-          </p:style>
-          <p:txBody>
-            <a:bodyPr rtlCol="0" anchor="ctr"/>
-            <a:lstStyle/>
-            <a:p>
-              <a:pPr algn="ctr"/>
-              <a:endParaRPr lang="fr-FR"/>
-            </a:p>
-          </p:txBody>
-        </p:sp>
-        <p:sp>
-          <p:nvSpPr>
-            <p:cNvPr id="31" name="Rectangle 30">
-              <a:extLst>
-                <a:ext uri="{FF2B5EF4-FFF2-40B4-BE49-F238E27FC236}">
-                  <a16:creationId xmlns:a16="http://schemas.microsoft.com/office/drawing/2014/main" id="{ACEC7850-72D6-4B0B-8F1B-B0D6CC0D8409}"/>
-                </a:ext>
-              </a:extLst>
-            </p:cNvPr>
-            <p:cNvSpPr/>
-            <p:nvPr/>
-          </p:nvSpPr>
-          <p:spPr>
-            <a:xfrm>
-              <a:off x="9753600" y="3829050"/>
-              <a:ext cx="771525" cy="114300"/>
-            </a:xfrm>
-            <a:prstGeom prst="rect">
-              <a:avLst/>
-            </a:prstGeom>
-            <a:solidFill>
-              <a:srgbClr val="FF7854"/>
-            </a:solidFill>
-            <a:ln>
-              <a:solidFill>
-                <a:srgbClr val="FF7854"/>
-              </a:solidFill>
-            </a:ln>
-          </p:spPr>
-          <p:style>
-            <a:lnRef idx="2">
-              <a:schemeClr val="accent2">
-                <a:shade val="50000"/>
-              </a:schemeClr>
-            </a:lnRef>
-            <a:fillRef idx="1">
-              <a:schemeClr val="accent2"/>
-            </a:fillRef>
-            <a:effectRef idx="0">
-              <a:schemeClr val="accent2"/>
-            </a:effectRef>
-            <a:fontRef idx="minor">
-              <a:schemeClr val="lt1"/>
-            </a:fontRef>
-          </p:style>
-          <p:txBody>
-            <a:bodyPr rtlCol="0" anchor="ctr"/>
-            <a:lstStyle/>
-            <a:p>
-              <a:pPr algn="ctr"/>
-              <a:endParaRPr lang="fr-FR"/>
-            </a:p>
-          </p:txBody>
-        </p:sp>
-        <p:sp>
-          <p:nvSpPr>
-            <p:cNvPr id="32" name="Rectangle 31">
-              <a:extLst>
-                <a:ext uri="{FF2B5EF4-FFF2-40B4-BE49-F238E27FC236}">
-                  <a16:creationId xmlns:a16="http://schemas.microsoft.com/office/drawing/2014/main" id="{A3F52402-14A8-4391-BA8F-F725339C1AE8}"/>
-                </a:ext>
-              </a:extLst>
-            </p:cNvPr>
-            <p:cNvSpPr/>
-            <p:nvPr/>
-          </p:nvSpPr>
-          <p:spPr>
-            <a:xfrm>
-              <a:off x="10067925" y="4100512"/>
-              <a:ext cx="326231" cy="114300"/>
-            </a:xfrm>
-            <a:prstGeom prst="rect">
-              <a:avLst/>
-            </a:prstGeom>
-            <a:solidFill>
-              <a:srgbClr val="FF7854"/>
-            </a:solidFill>
-            <a:ln>
-              <a:solidFill>
-                <a:srgbClr val="FF7854"/>
-              </a:solidFill>
-            </a:ln>
-          </p:spPr>
-          <p:style>
-            <a:lnRef idx="2">
-              <a:schemeClr val="accent2">
-                <a:shade val="50000"/>
-              </a:schemeClr>
-            </a:lnRef>
-            <a:fillRef idx="1">
-              <a:schemeClr val="accent2"/>
-            </a:fillRef>
-            <a:effectRef idx="0">
-              <a:schemeClr val="accent2"/>
-            </a:effectRef>
-            <a:fontRef idx="minor">
-              <a:schemeClr val="lt1"/>
-            </a:fontRef>
-          </p:style>
-          <p:txBody>
-            <a:bodyPr rtlCol="0" anchor="ctr"/>
-            <a:lstStyle/>
-            <a:p>
-              <a:pPr algn="ctr"/>
-              <a:endParaRPr lang="fr-FR"/>
-            </a:p>
-          </p:txBody>
-        </p:sp>
-        <p:sp>
-          <p:nvSpPr>
-            <p:cNvPr id="33" name="Rectangle 32">
-              <a:extLst>
-                <a:ext uri="{FF2B5EF4-FFF2-40B4-BE49-F238E27FC236}">
-                  <a16:creationId xmlns:a16="http://schemas.microsoft.com/office/drawing/2014/main" id="{1EC53332-7994-4D4A-851E-FACA1DBE9525}"/>
-                </a:ext>
-              </a:extLst>
-            </p:cNvPr>
-            <p:cNvSpPr/>
-            <p:nvPr/>
-          </p:nvSpPr>
-          <p:spPr>
-            <a:xfrm>
-              <a:off x="10301129" y="4322303"/>
-              <a:ext cx="481171" cy="114300"/>
-            </a:xfrm>
-            <a:prstGeom prst="rect">
-              <a:avLst/>
-            </a:prstGeom>
-            <a:solidFill>
-              <a:srgbClr val="FF7854"/>
-            </a:solidFill>
-            <a:ln>
-              <a:solidFill>
-                <a:srgbClr val="FF7854"/>
-              </a:solidFill>
-            </a:ln>
-          </p:spPr>
-          <p:style>
-            <a:lnRef idx="2">
-              <a:schemeClr val="accent2">
-                <a:shade val="50000"/>
-              </a:schemeClr>
-            </a:lnRef>
-            <a:fillRef idx="1">
-              <a:schemeClr val="accent2"/>
-            </a:fillRef>
-            <a:effectRef idx="0">
-              <a:schemeClr val="accent2"/>
-            </a:effectRef>
-            <a:fontRef idx="minor">
-              <a:schemeClr val="lt1"/>
-            </a:fontRef>
-          </p:style>
-          <p:txBody>
-            <a:bodyPr rtlCol="0" anchor="ctr"/>
-            <a:lstStyle/>
-            <a:p>
-              <a:pPr algn="ctr"/>
-              <a:endParaRPr lang="fr-FR"/>
-            </a:p>
-          </p:txBody>
-        </p:sp>
-        <p:sp>
-          <p:nvSpPr>
-            <p:cNvPr id="34" name="Rectangle 33">
-              <a:extLst>
-                <a:ext uri="{FF2B5EF4-FFF2-40B4-BE49-F238E27FC236}">
-                  <a16:creationId xmlns:a16="http://schemas.microsoft.com/office/drawing/2014/main" id="{45EA8EA2-6F74-4BDA-A4F6-54C5AAF9A5BA}"/>
-                </a:ext>
-              </a:extLst>
-            </p:cNvPr>
-            <p:cNvSpPr/>
-            <p:nvPr/>
-          </p:nvSpPr>
-          <p:spPr>
-            <a:xfrm>
-              <a:off x="10928509" y="4322303"/>
-              <a:ext cx="481171" cy="114300"/>
-            </a:xfrm>
-            <a:prstGeom prst="rect">
-              <a:avLst/>
-            </a:prstGeom>
-            <a:solidFill>
-              <a:srgbClr val="FF7854"/>
-            </a:solidFill>
-            <a:ln>
-              <a:solidFill>
-                <a:srgbClr val="FF7854"/>
-              </a:solidFill>
-            </a:ln>
-          </p:spPr>
-          <p:style>
-            <a:lnRef idx="2">
-              <a:schemeClr val="accent2">
-                <a:shade val="50000"/>
-              </a:schemeClr>
-            </a:lnRef>
-            <a:fillRef idx="1">
-              <a:schemeClr val="accent2"/>
-            </a:fillRef>
-            <a:effectRef idx="0">
-              <a:schemeClr val="accent2"/>
-            </a:effectRef>
-            <a:fontRef idx="minor">
-              <a:schemeClr val="lt1"/>
-            </a:fontRef>
-          </p:style>
-          <p:txBody>
-            <a:bodyPr rtlCol="0" anchor="ctr"/>
-            <a:lstStyle/>
-            <a:p>
-              <a:pPr algn="ctr"/>
-              <a:endParaRPr lang="fr-FR"/>
-            </a:p>
-          </p:txBody>
-        </p:sp>
-        <p:sp>
-          <p:nvSpPr>
-            <p:cNvPr id="35" name="Rectangle 34">
-              <a:extLst>
-                <a:ext uri="{FF2B5EF4-FFF2-40B4-BE49-F238E27FC236}">
-                  <a16:creationId xmlns:a16="http://schemas.microsoft.com/office/drawing/2014/main" id="{BFB0C220-556A-44D7-907D-01B59BCA13EE}"/>
-                </a:ext>
-              </a:extLst>
-            </p:cNvPr>
-            <p:cNvSpPr/>
-            <p:nvPr/>
-          </p:nvSpPr>
-          <p:spPr>
-            <a:xfrm>
-              <a:off x="10301129" y="4563364"/>
-              <a:ext cx="1326515" cy="114300"/>
-            </a:xfrm>
-            <a:prstGeom prst="rect">
-              <a:avLst/>
-            </a:prstGeom>
-            <a:solidFill>
-              <a:srgbClr val="FF7854"/>
-            </a:solidFill>
-            <a:ln>
-              <a:solidFill>
-                <a:srgbClr val="FF7854"/>
-              </a:solidFill>
-            </a:ln>
-          </p:spPr>
-          <p:style>
-            <a:lnRef idx="2">
-              <a:schemeClr val="accent2">
-                <a:shade val="50000"/>
-              </a:schemeClr>
-            </a:lnRef>
-            <a:fillRef idx="1">
-              <a:schemeClr val="accent2"/>
-            </a:fillRef>
-            <a:effectRef idx="0">
-              <a:schemeClr val="accent2"/>
-            </a:effectRef>
-            <a:fontRef idx="minor">
-              <a:schemeClr val="lt1"/>
-            </a:fontRef>
-          </p:style>
-          <p:txBody>
-            <a:bodyPr rtlCol="0" anchor="ctr"/>
-            <a:lstStyle/>
-            <a:p>
-              <a:pPr algn="ctr"/>
-              <a:endParaRPr lang="fr-FR"/>
-            </a:p>
-          </p:txBody>
-        </p:sp>
-        <p:sp>
-          <p:nvSpPr>
-            <p:cNvPr id="36" name="Rectangle 35">
-              <a:extLst>
-                <a:ext uri="{FF2B5EF4-FFF2-40B4-BE49-F238E27FC236}">
-                  <a16:creationId xmlns:a16="http://schemas.microsoft.com/office/drawing/2014/main" id="{D9F5FA9F-9761-4F3B-B1A3-622F1B5530AE}"/>
-                </a:ext>
-              </a:extLst>
-            </p:cNvPr>
-            <p:cNvSpPr/>
-            <p:nvPr/>
-          </p:nvSpPr>
-          <p:spPr>
-            <a:xfrm>
-              <a:off x="10301128" y="4791964"/>
-              <a:ext cx="814547" cy="114300"/>
-            </a:xfrm>
-            <a:prstGeom prst="rect">
-              <a:avLst/>
-            </a:prstGeom>
-            <a:solidFill>
-              <a:srgbClr val="FF7854"/>
-            </a:solidFill>
-            <a:ln>
-              <a:solidFill>
-                <a:srgbClr val="FF7854"/>
-              </a:solidFill>
-            </a:ln>
-          </p:spPr>
-          <p:style>
-            <a:lnRef idx="2">
-              <a:schemeClr val="accent2">
-                <a:shade val="50000"/>
-              </a:schemeClr>
-            </a:lnRef>
-            <a:fillRef idx="1">
-              <a:schemeClr val="accent2"/>
-            </a:fillRef>
-            <a:effectRef idx="0">
-              <a:schemeClr val="accent2"/>
-            </a:effectRef>
-            <a:fontRef idx="minor">
-              <a:schemeClr val="lt1"/>
-            </a:fontRef>
-          </p:style>
-          <p:txBody>
-            <a:bodyPr rtlCol="0" anchor="ctr"/>
-            <a:lstStyle/>
-            <a:p>
-              <a:pPr algn="ctr"/>
-              <a:endParaRPr lang="fr-FR"/>
-            </a:p>
-          </p:txBody>
-        </p:sp>
-        <p:sp>
-          <p:nvSpPr>
-            <p:cNvPr id="37" name="Rectangle 36">
-              <a:extLst>
-                <a:ext uri="{FF2B5EF4-FFF2-40B4-BE49-F238E27FC236}">
-                  <a16:creationId xmlns:a16="http://schemas.microsoft.com/office/drawing/2014/main" id="{A0F64F7F-52EF-4E34-9B02-24F00E0AC355}"/>
-                </a:ext>
-              </a:extLst>
-            </p:cNvPr>
-            <p:cNvSpPr/>
-            <p:nvPr/>
-          </p:nvSpPr>
-          <p:spPr>
-            <a:xfrm>
-              <a:off x="11204377" y="4791964"/>
-              <a:ext cx="205304" cy="114300"/>
-            </a:xfrm>
-            <a:prstGeom prst="rect">
-              <a:avLst/>
-            </a:prstGeom>
-            <a:solidFill>
-              <a:srgbClr val="FF7854"/>
-            </a:solidFill>
-            <a:ln>
-              <a:solidFill>
-                <a:srgbClr val="FF7854"/>
-              </a:solidFill>
-            </a:ln>
-          </p:spPr>
-          <p:style>
-            <a:lnRef idx="2">
-              <a:schemeClr val="accent2">
-                <a:shade val="50000"/>
-              </a:schemeClr>
-            </a:lnRef>
-            <a:fillRef idx="1">
-              <a:schemeClr val="accent2"/>
-            </a:fillRef>
-            <a:effectRef idx="0">
-              <a:schemeClr val="accent2"/>
-            </a:effectRef>
-            <a:fontRef idx="minor">
-              <a:schemeClr val="lt1"/>
-            </a:fontRef>
-          </p:style>
-          <p:txBody>
-            <a:bodyPr rtlCol="0" anchor="ctr"/>
-            <a:lstStyle/>
-            <a:p>
-              <a:pPr algn="ctr"/>
-              <a:endParaRPr lang="fr-FR"/>
-            </a:p>
-          </p:txBody>
-        </p:sp>
-        <p:sp>
-          <p:nvSpPr>
-            <p:cNvPr id="38" name="Rectangle 37">
-              <a:extLst>
-                <a:ext uri="{FF2B5EF4-FFF2-40B4-BE49-F238E27FC236}">
-                  <a16:creationId xmlns:a16="http://schemas.microsoft.com/office/drawing/2014/main" id="{6D6930CB-DE8F-4E01-A81D-6591A1EF9625}"/>
-                </a:ext>
-              </a:extLst>
-            </p:cNvPr>
-            <p:cNvSpPr/>
-            <p:nvPr/>
-          </p:nvSpPr>
-          <p:spPr>
-            <a:xfrm>
-              <a:off x="10067925" y="5006276"/>
-              <a:ext cx="481171" cy="114300"/>
-            </a:xfrm>
-            <a:prstGeom prst="rect">
-              <a:avLst/>
-            </a:prstGeom>
-            <a:solidFill>
-              <a:srgbClr val="FF7854"/>
-            </a:solidFill>
-            <a:ln>
-              <a:solidFill>
-                <a:srgbClr val="FF7854"/>
-              </a:solidFill>
-            </a:ln>
-          </p:spPr>
-          <p:style>
-            <a:lnRef idx="2">
-              <a:schemeClr val="accent2">
-                <a:shade val="50000"/>
-              </a:schemeClr>
-            </a:lnRef>
-            <a:fillRef idx="1">
-              <a:schemeClr val="accent2"/>
-            </a:fillRef>
-            <a:effectRef idx="0">
-              <a:schemeClr val="accent2"/>
-            </a:effectRef>
-            <a:fontRef idx="minor">
-              <a:schemeClr val="lt1"/>
-            </a:fontRef>
-          </p:style>
-          <p:txBody>
-            <a:bodyPr rtlCol="0" anchor="ctr"/>
-            <a:lstStyle/>
-            <a:p>
-              <a:pPr algn="ctr"/>
-              <a:endParaRPr lang="fr-FR"/>
-            </a:p>
-          </p:txBody>
-        </p:sp>
-        <p:sp>
-          <p:nvSpPr>
-            <p:cNvPr id="39" name="Rectangle 38">
-              <a:extLst>
-                <a:ext uri="{FF2B5EF4-FFF2-40B4-BE49-F238E27FC236}">
-                  <a16:creationId xmlns:a16="http://schemas.microsoft.com/office/drawing/2014/main" id="{C05081E0-2224-4283-B9AE-F720370B4BA4}"/>
-                </a:ext>
-              </a:extLst>
-            </p:cNvPr>
-            <p:cNvSpPr/>
-            <p:nvPr/>
-          </p:nvSpPr>
-          <p:spPr>
-            <a:xfrm>
-              <a:off x="10060542" y="5228067"/>
-              <a:ext cx="778908" cy="114300"/>
-            </a:xfrm>
-            <a:prstGeom prst="rect">
-              <a:avLst/>
-            </a:prstGeom>
-            <a:solidFill>
-              <a:srgbClr val="FF7854"/>
-            </a:solidFill>
-            <a:ln>
-              <a:solidFill>
-                <a:srgbClr val="FF7854"/>
-              </a:solidFill>
-            </a:ln>
-          </p:spPr>
-          <p:style>
-            <a:lnRef idx="2">
-              <a:schemeClr val="accent2">
-                <a:shade val="50000"/>
-              </a:schemeClr>
-            </a:lnRef>
-            <a:fillRef idx="1">
-              <a:schemeClr val="accent2"/>
-            </a:fillRef>
-            <a:effectRef idx="0">
-              <a:schemeClr val="accent2"/>
-            </a:effectRef>
-            <a:fontRef idx="minor">
-              <a:schemeClr val="lt1"/>
-            </a:fontRef>
-          </p:style>
-          <p:txBody>
-            <a:bodyPr rtlCol="0" anchor="ctr"/>
-            <a:lstStyle/>
-            <a:p>
-              <a:pPr algn="ctr"/>
-              <a:endParaRPr lang="fr-FR"/>
-            </a:p>
-          </p:txBody>
-        </p:sp>
-        <p:sp>
-          <p:nvSpPr>
-            <p:cNvPr id="40" name="Rectangle 39">
-              <a:extLst>
-                <a:ext uri="{FF2B5EF4-FFF2-40B4-BE49-F238E27FC236}">
-                  <a16:creationId xmlns:a16="http://schemas.microsoft.com/office/drawing/2014/main" id="{410C426D-2769-44C1-A439-4DF8B13DA68E}"/>
-                </a:ext>
-              </a:extLst>
-            </p:cNvPr>
-            <p:cNvSpPr/>
-            <p:nvPr/>
-          </p:nvSpPr>
-          <p:spPr>
-            <a:xfrm>
-              <a:off x="9750979" y="5526278"/>
-              <a:ext cx="778908" cy="114300"/>
-            </a:xfrm>
-            <a:prstGeom prst="rect">
-              <a:avLst/>
-            </a:prstGeom>
-            <a:solidFill>
-              <a:srgbClr val="FF7854"/>
-            </a:solidFill>
-            <a:ln>
-              <a:solidFill>
-                <a:srgbClr val="FF7854"/>
-              </a:solidFill>
-            </a:ln>
-          </p:spPr>
-          <p:style>
-            <a:lnRef idx="2">
-              <a:schemeClr val="accent2">
-                <a:shade val="50000"/>
-              </a:schemeClr>
-            </a:lnRef>
-            <a:fillRef idx="1">
-              <a:schemeClr val="accent2"/>
-            </a:fillRef>
-            <a:effectRef idx="0">
-              <a:schemeClr val="accent2"/>
-            </a:effectRef>
-            <a:fontRef idx="minor">
-              <a:schemeClr val="lt1"/>
-            </a:fontRef>
-          </p:style>
-          <p:txBody>
-            <a:bodyPr rtlCol="0" anchor="ctr"/>
-            <a:lstStyle/>
-            <a:p>
-              <a:pPr algn="ctr"/>
-              <a:endParaRPr lang="fr-FR"/>
-            </a:p>
-          </p:txBody>
-        </p:sp>
-        <p:sp>
-          <p:nvSpPr>
-            <p:cNvPr id="41" name="Rectangle 40">
-              <a:extLst>
-                <a:ext uri="{FF2B5EF4-FFF2-40B4-BE49-F238E27FC236}">
-                  <a16:creationId xmlns:a16="http://schemas.microsoft.com/office/drawing/2014/main" id="{6E581320-931C-4B87-BC65-707527BA09E8}"/>
-                </a:ext>
-              </a:extLst>
-            </p:cNvPr>
-            <p:cNvSpPr/>
-            <p:nvPr/>
-          </p:nvSpPr>
-          <p:spPr>
-            <a:xfrm>
-              <a:off x="9746217" y="5797003"/>
-              <a:ext cx="778908" cy="114300"/>
-            </a:xfrm>
-            <a:prstGeom prst="rect">
-              <a:avLst/>
-            </a:prstGeom>
-            <a:solidFill>
-              <a:srgbClr val="FF7854"/>
-            </a:solidFill>
-            <a:ln>
-              <a:solidFill>
-                <a:srgbClr val="FF7854"/>
-              </a:solidFill>
-            </a:ln>
-          </p:spPr>
-          <p:style>
-            <a:lnRef idx="2">
-              <a:schemeClr val="accent2">
-                <a:shade val="50000"/>
-              </a:schemeClr>
-            </a:lnRef>
-            <a:fillRef idx="1">
-              <a:schemeClr val="accent2"/>
-            </a:fillRef>
-            <a:effectRef idx="0">
-              <a:schemeClr val="accent2"/>
-            </a:effectRef>
-            <a:fontRef idx="minor">
-              <a:schemeClr val="lt1"/>
-            </a:fontRef>
-          </p:style>
-          <p:txBody>
-            <a:bodyPr rtlCol="0" anchor="ctr"/>
-            <a:lstStyle/>
-            <a:p>
-              <a:pPr algn="ctr"/>
-              <a:endParaRPr lang="fr-FR"/>
-            </a:p>
-          </p:txBody>
-        </p:sp>
-        <p:sp>
-          <p:nvSpPr>
-            <p:cNvPr id="42" name="ZoneTexte 41">
-              <a:extLst>
-                <a:ext uri="{FF2B5EF4-FFF2-40B4-BE49-F238E27FC236}">
-                  <a16:creationId xmlns:a16="http://schemas.microsoft.com/office/drawing/2014/main" id="{0EC38F6B-11C5-43CD-9688-78260BC74B41}"/>
-                </a:ext>
-              </a:extLst>
-            </p:cNvPr>
-            <p:cNvSpPr txBox="1"/>
-            <p:nvPr/>
-          </p:nvSpPr>
-          <p:spPr>
-            <a:xfrm>
-              <a:off x="11050266" y="5231484"/>
-              <a:ext cx="807741" cy="1363052"/>
-            </a:xfrm>
-            <a:prstGeom prst="rect">
-              <a:avLst/>
-            </a:prstGeom>
-            <a:noFill/>
-          </p:spPr>
-          <p:txBody>
-            <a:bodyPr wrap="none" rtlCol="0">
-              <a:spAutoFit/>
-            </a:bodyPr>
-            <a:lstStyle/>
-            <a:p>
-              <a:r>
-                <a:rPr lang="fr-FR" sz="6600" b="1" dirty="0">
-                  <a:solidFill>
-                    <a:srgbClr val="FF7854"/>
-                  </a:solidFill>
-                </a:rPr>
-                <a:t>C</a:t>
-              </a:r>
-              <a:endParaRPr lang="fr-FR" sz="1100" b="1" dirty="0">
-                <a:solidFill>
-                  <a:srgbClr val="FF7854"/>
-                </a:solidFill>
-              </a:endParaRPr>
-            </a:p>
-          </p:txBody>
-        </p:sp>
-      </p:grpSp>
-      <p:pic>
-        <p:nvPicPr>
-          <p:cNvPr id="43" name="Picture 20" descr="https://labviewwiki.org/w/images/thumb/2/2e/LabVIEWButton.png/90px-LabVIEWButton.png">
-            <a:extLst>
-              <a:ext uri="{FF2B5EF4-FFF2-40B4-BE49-F238E27FC236}">
-                <a16:creationId xmlns:a16="http://schemas.microsoft.com/office/drawing/2014/main" id="{00E614B2-90F7-4BE7-87FD-9B86B48CC41E}"/>
-              </a:ext>
-            </a:extLst>
-          </p:cNvPr>
-          <p:cNvPicPr>
-            <a:picLocks noChangeAspect="1" noChangeArrowheads="1"/>
-          </p:cNvPicPr>
-          <p:nvPr/>
-        </p:nvPicPr>
-        <p:blipFill>
-          <a:blip r:embed="rId2">
-            <a:extLst>
-              <a:ext uri="{28A0092B-C50C-407E-A947-70E740481C1C}">
-                <a14:useLocalDpi xmlns:a14="http://schemas.microsoft.com/office/drawing/2010/main" val="0"/>
-              </a:ext>
-            </a:extLst>
-          </a:blip>
-          <a:srcRect/>
-          <a:stretch>
-            <a:fillRect/>
-          </a:stretch>
-        </p:blipFill>
-        <p:spPr bwMode="auto">
-          <a:xfrm>
-            <a:off x="2615156" y="4766548"/>
-            <a:ext cx="857250" cy="857250"/>
-          </a:xfrm>
-          <a:prstGeom prst="rect">
-            <a:avLst/>
-          </a:prstGeom>
-          <a:noFill/>
-          <a:extLst>
-            <a:ext uri="{909E8E84-426E-40DD-AFC4-6F175D3DCCD1}">
-              <a14:hiddenFill xmlns:a14="http://schemas.microsoft.com/office/drawing/2010/main">
-                <a:solidFill>
-                  <a:srgbClr val="FFFFFF"/>
-                </a:solidFill>
-              </a14:hiddenFill>
-            </a:ext>
-          </a:extLst>
-        </p:spPr>
-      </p:pic>
-      <p:sp>
-        <p:nvSpPr>
-          <p:cNvPr id="44" name="ZoneTexte 43">
-            <a:extLst>
-              <a:ext uri="{FF2B5EF4-FFF2-40B4-BE49-F238E27FC236}">
-                <a16:creationId xmlns:a16="http://schemas.microsoft.com/office/drawing/2014/main" id="{4925B1A7-7770-4144-B87C-FB461418AF91}"/>
-              </a:ext>
-            </a:extLst>
-          </p:cNvPr>
-          <p:cNvSpPr txBox="1"/>
-          <p:nvPr/>
-        </p:nvSpPr>
-        <p:spPr>
-          <a:xfrm>
-            <a:off x="3956180" y="4410343"/>
-            <a:ext cx="798617" cy="1569660"/>
-          </a:xfrm>
-          <a:prstGeom prst="rect">
-            <a:avLst/>
-          </a:prstGeom>
-          <a:noFill/>
-        </p:spPr>
-        <p:txBody>
-          <a:bodyPr wrap="none" rtlCol="0">
-            <a:spAutoFit/>
-          </a:bodyPr>
-          <a:lstStyle/>
-          <a:p>
-            <a:r>
-              <a:rPr lang="fr-FR" sz="9600" b="1" dirty="0"/>
-              <a:t>+</a:t>
-            </a:r>
-            <a:endParaRPr lang="fr-FR" b="1" dirty="0"/>
-          </a:p>
-        </p:txBody>
-      </p:sp>
-      <p:pic>
-        <p:nvPicPr>
-          <p:cNvPr id="9" name="Image 8">
-            <a:extLst>
-              <a:ext uri="{FF2B5EF4-FFF2-40B4-BE49-F238E27FC236}">
-                <a16:creationId xmlns:a16="http://schemas.microsoft.com/office/drawing/2014/main" id="{2EF5EEBD-9C55-42C1-95B2-2CB9F7FDB357}"/>
-              </a:ext>
-            </a:extLst>
-          </p:cNvPr>
-          <p:cNvPicPr>
-            <a:picLocks noChangeAspect="1"/>
-          </p:cNvPicPr>
-          <p:nvPr/>
-        </p:nvPicPr>
-        <p:blipFill>
-          <a:blip r:embed="rId3"/>
-          <a:stretch>
-            <a:fillRect/>
-          </a:stretch>
-        </p:blipFill>
-        <p:spPr>
-          <a:xfrm>
-            <a:off x="8694745" y="4941049"/>
-            <a:ext cx="856057" cy="577838"/>
-          </a:xfrm>
-          <a:prstGeom prst="rect">
-            <a:avLst/>
-          </a:prstGeom>
-        </p:spPr>
-      </p:pic>
-      <p:sp>
-        <p:nvSpPr>
-          <p:cNvPr id="47" name="ZoneTexte 46">
-            <a:extLst>
-              <a:ext uri="{FF2B5EF4-FFF2-40B4-BE49-F238E27FC236}">
-                <a16:creationId xmlns:a16="http://schemas.microsoft.com/office/drawing/2014/main" id="{F8FBD735-B39C-4CFF-85ED-5CD4FD9065C0}"/>
-              </a:ext>
-            </a:extLst>
-          </p:cNvPr>
-          <p:cNvSpPr txBox="1"/>
-          <p:nvPr/>
-        </p:nvSpPr>
-        <p:spPr>
-          <a:xfrm>
-            <a:off x="7426095" y="4410343"/>
-            <a:ext cx="798617" cy="1569660"/>
-          </a:xfrm>
-          <a:prstGeom prst="rect">
-            <a:avLst/>
-          </a:prstGeom>
-          <a:noFill/>
-        </p:spPr>
-        <p:txBody>
-          <a:bodyPr wrap="none" rtlCol="0">
-            <a:spAutoFit/>
-          </a:bodyPr>
-          <a:lstStyle/>
-          <a:p>
-            <a:r>
-              <a:rPr lang="fr-FR" sz="9600" b="1" dirty="0"/>
-              <a:t>+</a:t>
-            </a:r>
-            <a:endParaRPr lang="fr-FR" b="1" dirty="0"/>
-          </a:p>
-        </p:txBody>
-      </p:sp>
-    </p:spTree>
-    <p:extLst>
-      <p:ext uri="{BB962C8B-B14F-4D97-AF65-F5344CB8AC3E}">
-        <p14:creationId xmlns:p14="http://schemas.microsoft.com/office/powerpoint/2010/main" val="452172400"/>
       </p:ext>
     </p:extLst>
   </p:cSld>

--- a/Interaction événementielle entre du code C et LabVIEW.pptx
+++ b/Interaction événementielle entre du code C et LabVIEW.pptx
@@ -4613,7 +4613,7 @@
         <p:spPr/>
         <p:txBody>
           <a:bodyPr>
-            <a:normAutofit fontScale="92500"/>
+            <a:normAutofit/>
           </a:bodyPr>
           <a:lstStyle/>
           <a:p>
@@ -4643,7 +4643,7 @@
         <p:spPr/>
         <p:txBody>
           <a:bodyPr>
-            <a:normAutofit fontScale="85000" lnSpcReduction="10000"/>
+            <a:normAutofit/>
           </a:bodyPr>
           <a:lstStyle/>
           <a:p>
@@ -12940,6 +12940,171 @@
           </a:p>
         </p:txBody>
       </p:sp>
+      <p:sp>
+        <p:nvSpPr>
+          <p:cNvPr id="4" name="StartListener">
+            <a:extLst>
+              <a:ext uri="{FF2B5EF4-FFF2-40B4-BE49-F238E27FC236}">
+                <a16:creationId xmlns:a16="http://schemas.microsoft.com/office/drawing/2014/main" id="{07CB9221-DDB0-4B6A-895F-7EAB8BC5BA3C}"/>
+              </a:ext>
+            </a:extLst>
+          </p:cNvPr>
+          <p:cNvSpPr/>
+          <p:nvPr/>
+        </p:nvSpPr>
+        <p:spPr>
+          <a:xfrm>
+            <a:off x="3994150" y="3686558"/>
+            <a:ext cx="313200" cy="313200"/>
+          </a:xfrm>
+          <a:prstGeom prst="rect">
+            <a:avLst/>
+          </a:prstGeom>
+          <a:blipFill>
+            <a:blip r:embed="rId4"/>
+            <a:stretch>
+              <a:fillRect/>
+            </a:stretch>
+          </a:blipFill>
+          <a:ln>
+            <a:noFill/>
+          </a:ln>
+        </p:spPr>
+        <p:style>
+          <a:lnRef idx="2">
+            <a:schemeClr val="accent1">
+              <a:shade val="50000"/>
+            </a:schemeClr>
+          </a:lnRef>
+          <a:fillRef idx="1">
+            <a:schemeClr val="accent1"/>
+          </a:fillRef>
+          <a:effectRef idx="0">
+            <a:schemeClr val="accent1"/>
+          </a:effectRef>
+          <a:fontRef idx="minor">
+            <a:schemeClr val="lt1"/>
+          </a:fontRef>
+        </p:style>
+        <p:txBody>
+          <a:bodyPr rtlCol="0" anchor="ctr"/>
+          <a:lstStyle/>
+          <a:p>
+            <a:pPr algn="ctr"/>
+            <a:endParaRPr lang="fr-FR"/>
+          </a:p>
+        </p:txBody>
+      </p:sp>
+      <p:sp>
+        <p:nvSpPr>
+          <p:cNvPr id="6" name="StopListener">
+            <a:extLst>
+              <a:ext uri="{FF2B5EF4-FFF2-40B4-BE49-F238E27FC236}">
+                <a16:creationId xmlns:a16="http://schemas.microsoft.com/office/drawing/2014/main" id="{03C6E69F-7CEA-4A42-AC3E-96E8847ECA75}"/>
+              </a:ext>
+            </a:extLst>
+          </p:cNvPr>
+          <p:cNvSpPr/>
+          <p:nvPr/>
+        </p:nvSpPr>
+        <p:spPr>
+          <a:xfrm>
+            <a:off x="10699883" y="3686558"/>
+            <a:ext cx="313200" cy="313200"/>
+          </a:xfrm>
+          <a:prstGeom prst="rect">
+            <a:avLst/>
+          </a:prstGeom>
+          <a:blipFill>
+            <a:blip r:embed="rId5"/>
+            <a:stretch>
+              <a:fillRect/>
+            </a:stretch>
+          </a:blipFill>
+          <a:ln>
+            <a:noFill/>
+          </a:ln>
+        </p:spPr>
+        <p:style>
+          <a:lnRef idx="2">
+            <a:schemeClr val="accent1">
+              <a:shade val="50000"/>
+            </a:schemeClr>
+          </a:lnRef>
+          <a:fillRef idx="1">
+            <a:schemeClr val="accent1"/>
+          </a:fillRef>
+          <a:effectRef idx="0">
+            <a:schemeClr val="accent1"/>
+          </a:effectRef>
+          <a:fontRef idx="minor">
+            <a:schemeClr val="lt1"/>
+          </a:fontRef>
+        </p:style>
+        <p:txBody>
+          <a:bodyPr rtlCol="0" anchor="ctr"/>
+          <a:lstStyle/>
+          <a:p>
+            <a:pPr algn="ctr"/>
+            <a:endParaRPr lang="fr-FR"/>
+          </a:p>
+        </p:txBody>
+      </p:sp>
+      <p:sp>
+        <p:nvSpPr>
+          <p:cNvPr id="10" name="Rectangle 9">
+            <a:extLst>
+              <a:ext uri="{FF2B5EF4-FFF2-40B4-BE49-F238E27FC236}">
+                <a16:creationId xmlns:a16="http://schemas.microsoft.com/office/drawing/2014/main" id="{C8D185A9-CF47-44EC-A121-A59F1DB0DD5E}"/>
+              </a:ext>
+            </a:extLst>
+          </p:cNvPr>
+          <p:cNvSpPr/>
+          <p:nvPr/>
+        </p:nvSpPr>
+        <p:spPr>
+          <a:xfrm>
+            <a:off x="10994035" y="2595562"/>
+            <a:ext cx="162000" cy="162000"/>
+          </a:xfrm>
+          <a:prstGeom prst="rect">
+            <a:avLst/>
+          </a:prstGeom>
+          <a:blipFill>
+            <a:blip r:embed="rId6"/>
+            <a:stretch>
+              <a:fillRect/>
+            </a:stretch>
+          </a:blipFill>
+          <a:ln>
+            <a:noFill/>
+          </a:ln>
+        </p:spPr>
+        <p:style>
+          <a:lnRef idx="2">
+            <a:schemeClr val="accent1">
+              <a:shade val="50000"/>
+            </a:schemeClr>
+          </a:lnRef>
+          <a:fillRef idx="1">
+            <a:schemeClr val="accent1"/>
+          </a:fillRef>
+          <a:effectRef idx="0">
+            <a:schemeClr val="accent1"/>
+          </a:effectRef>
+          <a:fontRef idx="minor">
+            <a:schemeClr val="lt1"/>
+          </a:fontRef>
+        </p:style>
+        <p:txBody>
+          <a:bodyPr rtlCol="0" anchor="ctr"/>
+          <a:lstStyle/>
+          <a:p>
+            <a:pPr algn="ctr"/>
+            <a:endParaRPr lang="fr-FR"/>
+          </a:p>
+        </p:txBody>
+      </p:sp>
     </p:spTree>
     <p:extLst>
       <p:ext uri="{BB962C8B-B14F-4D97-AF65-F5344CB8AC3E}">
@@ -13001,6 +13166,14 @@
           <a:prstGeom prst="rect">
             <a:avLst/>
           </a:prstGeom>
+          <a:effectLst>
+            <a:glow>
+              <a:schemeClr val="accent1">
+                <a:alpha val="99000"/>
+              </a:schemeClr>
+            </a:glow>
+            <a:softEdge rad="127000"/>
+          </a:effectLst>
         </p:spPr>
       </p:pic>
       <p:sp>
@@ -13208,7 +13381,7 @@
           <a:prstGeom prst="straightConnector1">
             <a:avLst/>
           </a:prstGeom>
-          <a:ln>
+          <a:ln w="15875">
             <a:solidFill>
               <a:srgbClr val="FF7854"/>
             </a:solidFill>
@@ -13253,7 +13426,7 @@
           <a:prstGeom prst="straightConnector1">
             <a:avLst/>
           </a:prstGeom>
-          <a:ln>
+          <a:ln w="15875">
             <a:solidFill>
               <a:srgbClr val="FF7854"/>
             </a:solidFill>
@@ -13297,7 +13470,7 @@
           <a:prstGeom prst="straightConnector1">
             <a:avLst/>
           </a:prstGeom>
-          <a:ln>
+          <a:ln w="15875">
             <a:solidFill>
               <a:srgbClr val="FF7854"/>
             </a:solidFill>
@@ -13319,6 +13492,397 @@
           </a:fontRef>
         </p:style>
       </p:cxnSp>
+      <p:sp>
+        <p:nvSpPr>
+          <p:cNvPr id="4" name="DestroyUserEvent">
+            <a:extLst>
+              <a:ext uri="{FF2B5EF4-FFF2-40B4-BE49-F238E27FC236}">
+                <a16:creationId xmlns:a16="http://schemas.microsoft.com/office/drawing/2014/main" id="{A47414D8-CED2-4DDF-96AF-E2FE14472018}"/>
+              </a:ext>
+            </a:extLst>
+          </p:cNvPr>
+          <p:cNvSpPr/>
+          <p:nvPr/>
+        </p:nvSpPr>
+        <p:spPr>
+          <a:xfrm>
+            <a:off x="11158951" y="4719638"/>
+            <a:ext cx="205200" cy="201600"/>
+          </a:xfrm>
+          <a:prstGeom prst="rect">
+            <a:avLst/>
+          </a:prstGeom>
+          <a:blipFill>
+            <a:blip r:embed="rId7"/>
+            <a:stretch>
+              <a:fillRect/>
+            </a:stretch>
+          </a:blipFill>
+          <a:ln>
+            <a:noFill/>
+          </a:ln>
+          <a:effectLst>
+            <a:softEdge rad="127000"/>
+          </a:effectLst>
+        </p:spPr>
+        <p:style>
+          <a:lnRef idx="2">
+            <a:schemeClr val="accent1">
+              <a:shade val="50000"/>
+            </a:schemeClr>
+          </a:lnRef>
+          <a:fillRef idx="1">
+            <a:schemeClr val="accent1"/>
+          </a:fillRef>
+          <a:effectRef idx="0">
+            <a:schemeClr val="accent1"/>
+          </a:effectRef>
+          <a:fontRef idx="minor">
+            <a:schemeClr val="lt1"/>
+          </a:fontRef>
+        </p:style>
+        <p:txBody>
+          <a:bodyPr rtlCol="0" anchor="ctr"/>
+          <a:lstStyle/>
+          <a:p>
+            <a:pPr algn="ctr"/>
+            <a:endParaRPr lang="fr-FR"/>
+          </a:p>
+        </p:txBody>
+      </p:sp>
+      <p:sp>
+        <p:nvSpPr>
+          <p:cNvPr id="6" name="StartThread">
+            <a:extLst>
+              <a:ext uri="{FF2B5EF4-FFF2-40B4-BE49-F238E27FC236}">
+                <a16:creationId xmlns:a16="http://schemas.microsoft.com/office/drawing/2014/main" id="{25D0F4DE-A401-4F61-BD36-4FDA6303778D}"/>
+              </a:ext>
+            </a:extLst>
+          </p:cNvPr>
+          <p:cNvSpPr/>
+          <p:nvPr/>
+        </p:nvSpPr>
+        <p:spPr>
+          <a:xfrm>
+            <a:off x="4871562" y="5563411"/>
+            <a:ext cx="205200" cy="201600"/>
+          </a:xfrm>
+          <a:prstGeom prst="rect">
+            <a:avLst/>
+          </a:prstGeom>
+          <a:blipFill>
+            <a:blip r:embed="rId8"/>
+            <a:stretch>
+              <a:fillRect/>
+            </a:stretch>
+          </a:blipFill>
+          <a:ln>
+            <a:noFill/>
+          </a:ln>
+          <a:effectLst>
+            <a:softEdge rad="0"/>
+          </a:effectLst>
+        </p:spPr>
+        <p:style>
+          <a:lnRef idx="2">
+            <a:schemeClr val="accent1">
+              <a:shade val="50000"/>
+            </a:schemeClr>
+          </a:lnRef>
+          <a:fillRef idx="1">
+            <a:schemeClr val="accent1"/>
+          </a:fillRef>
+          <a:effectRef idx="0">
+            <a:schemeClr val="accent1"/>
+          </a:effectRef>
+          <a:fontRef idx="minor">
+            <a:schemeClr val="lt1"/>
+          </a:fontRef>
+        </p:style>
+        <p:txBody>
+          <a:bodyPr rtlCol="0" anchor="ctr"/>
+          <a:lstStyle/>
+          <a:p>
+            <a:pPr algn="ctr"/>
+            <a:endParaRPr lang="fr-FR" dirty="0"/>
+          </a:p>
+        </p:txBody>
+      </p:sp>
+      <p:sp>
+        <p:nvSpPr>
+          <p:cNvPr id="7" name="StopThread">
+            <a:extLst>
+              <a:ext uri="{FF2B5EF4-FFF2-40B4-BE49-F238E27FC236}">
+                <a16:creationId xmlns:a16="http://schemas.microsoft.com/office/drawing/2014/main" id="{DFE90E26-2D4C-498F-B0E5-00A5147B19D4}"/>
+              </a:ext>
+            </a:extLst>
+          </p:cNvPr>
+          <p:cNvSpPr/>
+          <p:nvPr/>
+        </p:nvSpPr>
+        <p:spPr>
+          <a:xfrm>
+            <a:off x="9295393" y="5563411"/>
+            <a:ext cx="201600" cy="198000"/>
+          </a:xfrm>
+          <a:prstGeom prst="rect">
+            <a:avLst/>
+          </a:prstGeom>
+          <a:blipFill>
+            <a:blip r:embed="rId9"/>
+            <a:stretch>
+              <a:fillRect/>
+            </a:stretch>
+          </a:blipFill>
+          <a:ln>
+            <a:noFill/>
+          </a:ln>
+        </p:spPr>
+        <p:style>
+          <a:lnRef idx="2">
+            <a:schemeClr val="accent1">
+              <a:shade val="50000"/>
+            </a:schemeClr>
+          </a:lnRef>
+          <a:fillRef idx="1">
+            <a:schemeClr val="accent1"/>
+          </a:fillRef>
+          <a:effectRef idx="0">
+            <a:schemeClr val="accent1"/>
+          </a:effectRef>
+          <a:fontRef idx="minor">
+            <a:schemeClr val="lt1"/>
+          </a:fontRef>
+        </p:style>
+        <p:txBody>
+          <a:bodyPr rtlCol="0" anchor="ctr"/>
+          <a:lstStyle/>
+          <a:p>
+            <a:pPr algn="ctr"/>
+            <a:endParaRPr lang="fr-FR"/>
+          </a:p>
+        </p:txBody>
+      </p:sp>
+      <p:sp>
+        <p:nvSpPr>
+          <p:cNvPr id="16" name="StartListener">
+            <a:extLst>
+              <a:ext uri="{FF2B5EF4-FFF2-40B4-BE49-F238E27FC236}">
+                <a16:creationId xmlns:a16="http://schemas.microsoft.com/office/drawing/2014/main" id="{D69B3CC7-B784-4F05-948F-0D90C1643704}"/>
+              </a:ext>
+            </a:extLst>
+          </p:cNvPr>
+          <p:cNvSpPr/>
+          <p:nvPr/>
+        </p:nvSpPr>
+        <p:spPr>
+          <a:xfrm>
+            <a:off x="3641858" y="1354379"/>
+            <a:ext cx="306000" cy="306000"/>
+          </a:xfrm>
+          <a:prstGeom prst="rect">
+            <a:avLst/>
+          </a:prstGeom>
+          <a:blipFill>
+            <a:blip r:embed="rId10"/>
+            <a:stretch>
+              <a:fillRect/>
+            </a:stretch>
+          </a:blipFill>
+          <a:ln>
+            <a:noFill/>
+          </a:ln>
+        </p:spPr>
+        <p:style>
+          <a:lnRef idx="2">
+            <a:schemeClr val="accent1">
+              <a:shade val="50000"/>
+            </a:schemeClr>
+          </a:lnRef>
+          <a:fillRef idx="1">
+            <a:schemeClr val="accent1"/>
+          </a:fillRef>
+          <a:effectRef idx="0">
+            <a:schemeClr val="accent1"/>
+          </a:effectRef>
+          <a:fontRef idx="minor">
+            <a:schemeClr val="lt1"/>
+          </a:fontRef>
+        </p:style>
+        <p:txBody>
+          <a:bodyPr rtlCol="0" anchor="ctr"/>
+          <a:lstStyle/>
+          <a:p>
+            <a:pPr algn="ctr"/>
+            <a:endParaRPr lang="fr-FR" dirty="0"/>
+          </a:p>
+        </p:txBody>
+      </p:sp>
+      <p:sp>
+        <p:nvSpPr>
+          <p:cNvPr id="17" name="StopListener">
+            <a:extLst>
+              <a:ext uri="{FF2B5EF4-FFF2-40B4-BE49-F238E27FC236}">
+                <a16:creationId xmlns:a16="http://schemas.microsoft.com/office/drawing/2014/main" id="{218907A5-CDC4-4514-894F-D4AE8510C4EB}"/>
+              </a:ext>
+            </a:extLst>
+          </p:cNvPr>
+          <p:cNvSpPr/>
+          <p:nvPr/>
+        </p:nvSpPr>
+        <p:spPr>
+          <a:xfrm>
+            <a:off x="9842258" y="1357667"/>
+            <a:ext cx="313200" cy="306000"/>
+          </a:xfrm>
+          <a:prstGeom prst="rect">
+            <a:avLst/>
+          </a:prstGeom>
+          <a:blipFill>
+            <a:blip r:embed="rId11"/>
+            <a:stretch>
+              <a:fillRect/>
+            </a:stretch>
+          </a:blipFill>
+          <a:ln>
+            <a:noFill/>
+          </a:ln>
+        </p:spPr>
+        <p:style>
+          <a:lnRef idx="2">
+            <a:schemeClr val="accent1">
+              <a:shade val="50000"/>
+            </a:schemeClr>
+          </a:lnRef>
+          <a:fillRef idx="1">
+            <a:schemeClr val="accent1"/>
+          </a:fillRef>
+          <a:effectRef idx="0">
+            <a:schemeClr val="accent1"/>
+          </a:effectRef>
+          <a:fontRef idx="minor">
+            <a:schemeClr val="lt1"/>
+          </a:fontRef>
+        </p:style>
+        <p:txBody>
+          <a:bodyPr rtlCol="0" anchor="ctr"/>
+          <a:lstStyle/>
+          <a:p>
+            <a:pPr algn="ctr"/>
+            <a:endParaRPr lang="fr-FR"/>
+          </a:p>
+        </p:txBody>
+      </p:sp>
+      <p:sp>
+        <p:nvSpPr>
+          <p:cNvPr id="18" name="Rectangle 17">
+            <a:extLst>
+              <a:ext uri="{FF2B5EF4-FFF2-40B4-BE49-F238E27FC236}">
+                <a16:creationId xmlns:a16="http://schemas.microsoft.com/office/drawing/2014/main" id="{8D48C4C2-87B8-4792-AF38-AC7C4B32650F}"/>
+              </a:ext>
+            </a:extLst>
+          </p:cNvPr>
+          <p:cNvSpPr/>
+          <p:nvPr/>
+        </p:nvSpPr>
+        <p:spPr>
+          <a:xfrm>
+            <a:off x="6810909" y="1349631"/>
+            <a:ext cx="313200" cy="306000"/>
+          </a:xfrm>
+          <a:prstGeom prst="rect">
+            <a:avLst/>
+          </a:prstGeom>
+          <a:blipFill>
+            <a:blip r:embed="rId12"/>
+            <a:stretch>
+              <a:fillRect/>
+            </a:stretch>
+          </a:blipFill>
+          <a:ln>
+            <a:noFill/>
+          </a:ln>
+        </p:spPr>
+        <p:style>
+          <a:lnRef idx="2">
+            <a:schemeClr val="accent1">
+              <a:shade val="50000"/>
+            </a:schemeClr>
+          </a:lnRef>
+          <a:fillRef idx="1">
+            <a:schemeClr val="accent1"/>
+          </a:fillRef>
+          <a:effectRef idx="0">
+            <a:schemeClr val="accent1"/>
+          </a:effectRef>
+          <a:fontRef idx="minor">
+            <a:schemeClr val="lt1"/>
+          </a:fontRef>
+        </p:style>
+        <p:txBody>
+          <a:bodyPr rtlCol="0" anchor="ctr"/>
+          <a:lstStyle/>
+          <a:p>
+            <a:pPr algn="ctr"/>
+            <a:endParaRPr lang="fr-FR"/>
+          </a:p>
+        </p:txBody>
+      </p:sp>
+      <p:sp>
+        <p:nvSpPr>
+          <p:cNvPr id="8" name="Rectangle 7">
+            <a:extLst>
+              <a:ext uri="{FF2B5EF4-FFF2-40B4-BE49-F238E27FC236}">
+                <a16:creationId xmlns:a16="http://schemas.microsoft.com/office/drawing/2014/main" id="{4D96C289-CA8E-4531-B997-2FA81075AD52}"/>
+              </a:ext>
+            </a:extLst>
+          </p:cNvPr>
+          <p:cNvSpPr/>
+          <p:nvPr/>
+        </p:nvSpPr>
+        <p:spPr>
+          <a:xfrm>
+            <a:off x="2616359" y="4720444"/>
+            <a:ext cx="205200" cy="201600"/>
+          </a:xfrm>
+          <a:prstGeom prst="rect">
+            <a:avLst/>
+          </a:prstGeom>
+          <a:blipFill>
+            <a:blip r:embed="rId13"/>
+            <a:stretch>
+              <a:fillRect/>
+            </a:stretch>
+          </a:blipFill>
+          <a:ln>
+            <a:noFill/>
+          </a:ln>
+        </p:spPr>
+        <p:style>
+          <a:lnRef idx="2">
+            <a:schemeClr val="accent1">
+              <a:shade val="50000"/>
+            </a:schemeClr>
+          </a:lnRef>
+          <a:fillRef idx="1">
+            <a:schemeClr val="accent1"/>
+          </a:fillRef>
+          <a:effectRef idx="0">
+            <a:schemeClr val="accent1"/>
+          </a:effectRef>
+          <a:fontRef idx="minor">
+            <a:schemeClr val="lt1"/>
+          </a:fontRef>
+        </p:style>
+        <p:txBody>
+          <a:bodyPr rtlCol="0" anchor="ctr"/>
+          <a:lstStyle/>
+          <a:p>
+            <a:pPr algn="ctr"/>
+            <a:endParaRPr lang="fr-FR"/>
+          </a:p>
+        </p:txBody>
+      </p:sp>
     </p:spTree>
     <p:extLst>
       <p:ext uri="{BB962C8B-B14F-4D97-AF65-F5344CB8AC3E}">
@@ -13329,6 +13893,18 @@
   <p:clrMapOvr>
     <a:masterClrMapping/>
   </p:clrMapOvr>
+  <mc:AlternateContent xmlns:mc="http://schemas.openxmlformats.org/markup-compatibility/2006">
+    <mc:Choice xmlns:p159="http://schemas.microsoft.com/office/powerpoint/2015/09/main" Requires="p159">
+      <p:transition xmlns:p14="http://schemas.microsoft.com/office/powerpoint/2010/main" spd="slow" p14:dur="2000">
+        <p159:morph option="byObject"/>
+      </p:transition>
+    </mc:Choice>
+    <mc:Fallback>
+      <p:transition spd="slow">
+        <p:fade/>
+      </p:transition>
+    </mc:Fallback>
+  </mc:AlternateContent>
 </p:sld>
 </file>
 
@@ -14329,6 +14905,229 @@
           </a:fontRef>
         </p:style>
       </p:cxnSp>
+      <p:sp>
+        <p:nvSpPr>
+          <p:cNvPr id="18" name="DestroyUserEvent">
+            <a:extLst>
+              <a:ext uri="{FF2B5EF4-FFF2-40B4-BE49-F238E27FC236}">
+                <a16:creationId xmlns:a16="http://schemas.microsoft.com/office/drawing/2014/main" id="{8ADA48C3-D487-4CED-8F95-D541A0355741}"/>
+              </a:ext>
+            </a:extLst>
+          </p:cNvPr>
+          <p:cNvSpPr/>
+          <p:nvPr/>
+        </p:nvSpPr>
+        <p:spPr>
+          <a:xfrm>
+            <a:off x="8461052" y="5511991"/>
+            <a:ext cx="313200" cy="306000"/>
+          </a:xfrm>
+          <a:prstGeom prst="rect">
+            <a:avLst/>
+          </a:prstGeom>
+          <a:blipFill>
+            <a:blip r:embed="rId7"/>
+            <a:stretch>
+              <a:fillRect/>
+            </a:stretch>
+          </a:blipFill>
+          <a:ln>
+            <a:noFill/>
+          </a:ln>
+        </p:spPr>
+        <p:style>
+          <a:lnRef idx="2">
+            <a:schemeClr val="accent1">
+              <a:shade val="50000"/>
+            </a:schemeClr>
+          </a:lnRef>
+          <a:fillRef idx="1">
+            <a:schemeClr val="accent1"/>
+          </a:fillRef>
+          <a:effectRef idx="0">
+            <a:schemeClr val="accent1"/>
+          </a:effectRef>
+          <a:fontRef idx="minor">
+            <a:schemeClr val="lt1"/>
+          </a:fontRef>
+        </p:style>
+        <p:txBody>
+          <a:bodyPr rtlCol="0" anchor="ctr"/>
+          <a:lstStyle/>
+          <a:p>
+            <a:pPr algn="ctr"/>
+            <a:endParaRPr lang="fr-FR"/>
+          </a:p>
+        </p:txBody>
+      </p:sp>
+      <p:sp>
+        <p:nvSpPr>
+          <p:cNvPr id="19" name="StartThread">
+            <a:extLst>
+              <a:ext uri="{FF2B5EF4-FFF2-40B4-BE49-F238E27FC236}">
+                <a16:creationId xmlns:a16="http://schemas.microsoft.com/office/drawing/2014/main" id="{AB62527B-9E1C-4212-B28C-FED7859F3CEC}"/>
+              </a:ext>
+            </a:extLst>
+          </p:cNvPr>
+          <p:cNvSpPr/>
+          <p:nvPr/>
+        </p:nvSpPr>
+        <p:spPr>
+          <a:xfrm>
+            <a:off x="8603366" y="1970477"/>
+            <a:ext cx="313200" cy="306000"/>
+          </a:xfrm>
+          <a:prstGeom prst="rect">
+            <a:avLst/>
+          </a:prstGeom>
+          <a:blipFill>
+            <a:blip r:embed="rId8"/>
+            <a:stretch>
+              <a:fillRect/>
+            </a:stretch>
+          </a:blipFill>
+          <a:ln>
+            <a:noFill/>
+          </a:ln>
+          <a:effectLst>
+            <a:softEdge rad="0"/>
+          </a:effectLst>
+        </p:spPr>
+        <p:style>
+          <a:lnRef idx="2">
+            <a:schemeClr val="accent1">
+              <a:shade val="50000"/>
+            </a:schemeClr>
+          </a:lnRef>
+          <a:fillRef idx="1">
+            <a:schemeClr val="accent1"/>
+          </a:fillRef>
+          <a:effectRef idx="0">
+            <a:schemeClr val="accent1"/>
+          </a:effectRef>
+          <a:fontRef idx="minor">
+            <a:schemeClr val="lt1"/>
+          </a:fontRef>
+        </p:style>
+        <p:txBody>
+          <a:bodyPr rtlCol="0" anchor="ctr"/>
+          <a:lstStyle/>
+          <a:p>
+            <a:pPr algn="ctr"/>
+            <a:endParaRPr lang="fr-FR"/>
+          </a:p>
+        </p:txBody>
+      </p:sp>
+      <p:sp>
+        <p:nvSpPr>
+          <p:cNvPr id="20" name="StopThread">
+            <a:extLst>
+              <a:ext uri="{FF2B5EF4-FFF2-40B4-BE49-F238E27FC236}">
+                <a16:creationId xmlns:a16="http://schemas.microsoft.com/office/drawing/2014/main" id="{933571A0-5485-40D8-A7F4-2FEC40DC4DFB}"/>
+              </a:ext>
+            </a:extLst>
+          </p:cNvPr>
+          <p:cNvSpPr/>
+          <p:nvPr/>
+        </p:nvSpPr>
+        <p:spPr>
+          <a:xfrm>
+            <a:off x="3560489" y="5507229"/>
+            <a:ext cx="313200" cy="306000"/>
+          </a:xfrm>
+          <a:prstGeom prst="rect">
+            <a:avLst/>
+          </a:prstGeom>
+          <a:blipFill>
+            <a:blip r:embed="rId9"/>
+            <a:stretch>
+              <a:fillRect/>
+            </a:stretch>
+          </a:blipFill>
+          <a:ln>
+            <a:noFill/>
+          </a:ln>
+        </p:spPr>
+        <p:style>
+          <a:lnRef idx="2">
+            <a:schemeClr val="accent1">
+              <a:shade val="50000"/>
+            </a:schemeClr>
+          </a:lnRef>
+          <a:fillRef idx="1">
+            <a:schemeClr val="accent1"/>
+          </a:fillRef>
+          <a:effectRef idx="0">
+            <a:schemeClr val="accent1"/>
+          </a:effectRef>
+          <a:fontRef idx="minor">
+            <a:schemeClr val="lt1"/>
+          </a:fontRef>
+        </p:style>
+        <p:txBody>
+          <a:bodyPr rtlCol="0" anchor="ctr"/>
+          <a:lstStyle/>
+          <a:p>
+            <a:pPr algn="ctr"/>
+            <a:endParaRPr lang="fr-FR"/>
+          </a:p>
+        </p:txBody>
+      </p:sp>
+      <p:sp>
+        <p:nvSpPr>
+          <p:cNvPr id="21" name="Rectangle 20">
+            <a:extLst>
+              <a:ext uri="{FF2B5EF4-FFF2-40B4-BE49-F238E27FC236}">
+                <a16:creationId xmlns:a16="http://schemas.microsoft.com/office/drawing/2014/main" id="{CF464CC7-5C34-4E6C-B8B0-F5FC8F92505A}"/>
+              </a:ext>
+            </a:extLst>
+          </p:cNvPr>
+          <p:cNvSpPr/>
+          <p:nvPr/>
+        </p:nvSpPr>
+        <p:spPr>
+          <a:xfrm>
+            <a:off x="3705184" y="1992506"/>
+            <a:ext cx="313200" cy="306000"/>
+          </a:xfrm>
+          <a:prstGeom prst="rect">
+            <a:avLst/>
+          </a:prstGeom>
+          <a:blipFill>
+            <a:blip r:embed="rId10"/>
+            <a:stretch>
+              <a:fillRect/>
+            </a:stretch>
+          </a:blipFill>
+          <a:ln>
+            <a:noFill/>
+          </a:ln>
+        </p:spPr>
+        <p:style>
+          <a:lnRef idx="2">
+            <a:schemeClr val="accent1">
+              <a:shade val="50000"/>
+            </a:schemeClr>
+          </a:lnRef>
+          <a:fillRef idx="1">
+            <a:schemeClr val="accent1"/>
+          </a:fillRef>
+          <a:effectRef idx="0">
+            <a:schemeClr val="accent1"/>
+          </a:effectRef>
+          <a:fontRef idx="minor">
+            <a:schemeClr val="lt1"/>
+          </a:fontRef>
+        </p:style>
+        <p:txBody>
+          <a:bodyPr rtlCol="0" anchor="ctr"/>
+          <a:lstStyle/>
+          <a:p>
+            <a:pPr algn="ctr"/>
+            <a:endParaRPr lang="fr-FR"/>
+          </a:p>
+        </p:txBody>
+      </p:sp>
     </p:spTree>
     <p:extLst>
       <p:ext uri="{BB962C8B-B14F-4D97-AF65-F5344CB8AC3E}">
@@ -14339,13 +15138,13 @@
   <p:clrMapOvr>
     <a:masterClrMapping/>
   </p:clrMapOvr>
-  <mc:AlternateContent xmlns:mc="http://schemas.openxmlformats.org/markup-compatibility/2006">
-    <mc:Choice xmlns:p159="http://schemas.microsoft.com/office/powerpoint/2015/09/main" Requires="p159">
+  <mc:AlternateContent xmlns:mc="http://schemas.openxmlformats.org/markup-compatibility/2006" xmlns:p159="http://schemas.microsoft.com/office/powerpoint/2015/09/main">
+    <mc:Choice Requires="p159">
       <p:transition xmlns:p14="http://schemas.microsoft.com/office/powerpoint/2010/main" spd="slow" p14:dur="2000">
         <p159:morph option="byObject"/>
       </p:transition>
     </mc:Choice>
-    <mc:Fallback>
+    <mc:Fallback xmlns="">
       <p:transition spd="slow">
         <p:fade/>
       </p:transition>
@@ -15111,7 +15910,7 @@
             </p:pic>
             <p:pic>
               <p:nvPicPr>
-                <p:cNvPr id="7" name="Image 7">
+                <p:cNvPr id="4" name="Image 4">
                   <a:hlinkClick r:id="rId10" action="ppaction://hlinksldjump"/>
                 </p:cNvPr>
                 <p:cNvPicPr>
@@ -15142,7 +15941,7 @@
             </p:pic>
             <p:pic>
               <p:nvPicPr>
-                <p:cNvPr id="10" name="Image 10">
+                <p:cNvPr id="6" name="Image 6">
                   <a:hlinkClick r:id="rId11" action="ppaction://hlinksldjump"/>
                 </p:cNvPr>
                 <p:cNvPicPr>
@@ -15173,7 +15972,7 @@
             </p:pic>
             <p:pic>
               <p:nvPicPr>
-                <p:cNvPr id="11" name="Image 11">
+                <p:cNvPr id="7" name="Image 7">
                   <a:hlinkClick r:id="rId12" action="ppaction://hlinksldjump"/>
                 </p:cNvPr>
                 <p:cNvPicPr>
@@ -15204,7 +16003,7 @@
             </p:pic>
             <p:pic>
               <p:nvPicPr>
-                <p:cNvPr id="12" name="Image 12">
+                <p:cNvPr id="10" name="Image 10">
                   <a:hlinkClick r:id="rId13" action="ppaction://hlinksldjump"/>
                 </p:cNvPr>
                 <p:cNvPicPr>
@@ -15235,7 +16034,7 @@
             </p:pic>
             <p:pic>
               <p:nvPicPr>
-                <p:cNvPr id="13" name="Image 13">
+                <p:cNvPr id="11" name="Image 11">
                   <a:hlinkClick r:id="rId14" action="ppaction://hlinksldjump"/>
                 </p:cNvPr>
                 <p:cNvPicPr>
@@ -15266,7 +16065,7 @@
             </p:pic>
             <p:pic>
               <p:nvPicPr>
-                <p:cNvPr id="14" name="Image 14">
+                <p:cNvPr id="12" name="Image 12">
                   <a:hlinkClick r:id="rId15" action="ppaction://hlinksldjump"/>
                 </p:cNvPr>
                 <p:cNvPicPr>
@@ -16658,7 +17457,7 @@
           </p:spPr>
           <p:txBody>
             <a:bodyPr wrap="square" rtlCol="0">
-              <a:normAutofit fontScale="70000" lnSpcReduction="20000"/>
+              <a:normAutofit fontScale="77500" lnSpcReduction="20000"/>
             </a:bodyPr>
             <a:lstStyle/>
             <a:p>
@@ -18323,13 +19122,13 @@
   <p:clrMapOvr>
     <a:masterClrMapping/>
   </p:clrMapOvr>
-  <mc:AlternateContent xmlns:mc="http://schemas.openxmlformats.org/markup-compatibility/2006">
-    <mc:Choice xmlns:p159="http://schemas.microsoft.com/office/powerpoint/2015/09/main" Requires="p159">
+  <mc:AlternateContent xmlns:mc="http://schemas.openxmlformats.org/markup-compatibility/2006" xmlns:p159="http://schemas.microsoft.com/office/powerpoint/2015/09/main">
+    <mc:Choice Requires="p159">
       <p:transition xmlns:p14="http://schemas.microsoft.com/office/powerpoint/2010/main" spd="slow" p14:dur="2000">
         <p159:morph option="byWord"/>
       </p:transition>
     </mc:Choice>
-    <mc:Fallback>
+    <mc:Fallback xmlns="">
       <p:transition spd="slow">
         <p:fade/>
       </p:transition>
@@ -18727,13 +19526,13 @@
   <p:clrMapOvr>
     <a:masterClrMapping/>
   </p:clrMapOvr>
-  <mc:AlternateContent xmlns:mc="http://schemas.openxmlformats.org/markup-compatibility/2006">
-    <mc:Choice xmlns:p159="http://schemas.microsoft.com/office/powerpoint/2015/09/main" Requires="p159">
+  <mc:AlternateContent xmlns:mc="http://schemas.openxmlformats.org/markup-compatibility/2006" xmlns:p159="http://schemas.microsoft.com/office/powerpoint/2015/09/main">
+    <mc:Choice Requires="p159">
       <p:transition xmlns:p14="http://schemas.microsoft.com/office/powerpoint/2010/main" spd="slow" p14:dur="2000">
         <p159:morph option="byObject"/>
       </p:transition>
     </mc:Choice>
-    <mc:Fallback>
+    <mc:Fallback xmlns="">
       <p:transition spd="slow">
         <p:fade/>
       </p:transition>

--- a/Interaction événementielle entre du code C et LabVIEW.pptx
+++ b/Interaction événementielle entre du code C et LabVIEW.pptx
@@ -43,8 +43,8 @@
     <p:sldId id="287" r:id="rId31"/>
     <p:sldId id="285" r:id="rId32"/>
     <p:sldId id="324" r:id="rId33"/>
-    <p:sldId id="309" r:id="rId34"/>
-    <p:sldId id="311" r:id="rId35"/>
+    <p:sldId id="311" r:id="rId34"/>
+    <p:sldId id="309" r:id="rId35"/>
     <p:sldId id="277" r:id="rId36"/>
   </p:sldIdLst>
   <p:sldSz cx="12192000" cy="6858000"/>
@@ -212,8 +212,8 @@
             <p14:sldId id="287"/>
             <p14:sldId id="285"/>
             <p14:sldId id="324"/>
+            <p14:sldId id="311"/>
             <p14:sldId id="309"/>
-            <p14:sldId id="311"/>
             <p14:sldId id="277"/>
           </p14:sldIdLst>
         </p14:section>
@@ -334,7 +334,7 @@
           <a:p>
             <a:fld id="{4591CB16-4673-4930-B6FC-25856395063D}" type="datetimeFigureOut">
               <a:rPr lang="en-US" smtClean="0"/>
-              <a:t>9/28/2022</a:t>
+              <a:t>9/29/2022</a:t>
             </a:fld>
             <a:endParaRPr lang="en-US"/>
           </a:p>
@@ -511,7 +511,7 @@
           <a:p>
             <a:fld id="{AE7EC601-48D3-4B8F-A8E3-6ABADF8AF347}" type="datetimeFigureOut">
               <a:rPr lang="en-US" smtClean="0"/>
-              <a:t>9/28/2022</a:t>
+              <a:t>9/29/2022</a:t>
             </a:fld>
             <a:endParaRPr lang="en-US"/>
           </a:p>
@@ -4560,7 +4560,7 @@
           <a:lstStyle/>
           <a:p>
             <a:r>
-              <a:rPr lang="fr-FR" sz="4400" dirty="0"/>
+              <a:rPr lang="fr-FR" sz="3600" dirty="0"/>
               <a:t>Interaction événementielle entre du code C et LabVIEW</a:t>
             </a:r>
           </a:p>
@@ -4613,7 +4613,7 @@
         <p:spPr/>
         <p:txBody>
           <a:bodyPr>
-            <a:normAutofit/>
+            <a:normAutofit fontScale="92500"/>
           </a:bodyPr>
           <a:lstStyle/>
           <a:p>
@@ -4640,17 +4640,22 @@
             <p:ph type="body" sz="quarter" idx="15"/>
           </p:nvPr>
         </p:nvSpPr>
-        <p:spPr/>
+        <p:spPr>
+          <a:xfrm>
+            <a:off x="10080000" y="6300000"/>
+            <a:ext cx="1596669" cy="344487"/>
+          </a:xfrm>
+        </p:spPr>
         <p:txBody>
           <a:bodyPr>
-            <a:normAutofit/>
+            <a:normAutofit fontScale="85000" lnSpcReduction="10000"/>
           </a:bodyPr>
           <a:lstStyle/>
           <a:p>
             <a:fld id="{3D38E89D-16A0-4C85-8400-9C86E1826DC0}" type="datetime4">
               <a:rPr lang="fr-FR" smtClean="0"/>
               <a:pPr/>
-              <a:t>28 septembre 2022</a:t>
+              <a:t>29 septembre 2022</a:t>
             </a:fld>
             <a:endParaRPr lang="en-US" dirty="0"/>
           </a:p>
@@ -9536,7 +9541,7 @@
         </p:blipFill>
         <p:spPr bwMode="auto">
           <a:xfrm>
-            <a:off x="9953405" y="910150"/>
+            <a:off x="10652653" y="910150"/>
             <a:ext cx="1347909" cy="1347909"/>
           </a:xfrm>
           <a:prstGeom prst="rect">
@@ -9597,7 +9602,7 @@
         </p:blipFill>
         <p:spPr bwMode="auto">
           <a:xfrm>
-            <a:off x="8478288" y="910149"/>
+            <a:off x="9177536" y="910149"/>
             <a:ext cx="1347909" cy="1347909"/>
           </a:xfrm>
           <a:prstGeom prst="rect">
@@ -9783,7 +9788,7 @@
         </p:blipFill>
         <p:spPr bwMode="auto">
           <a:xfrm>
-            <a:off x="9090762" y="1271236"/>
+            <a:off x="9646575" y="1271236"/>
             <a:ext cx="596701" cy="596701"/>
           </a:xfrm>
           <a:prstGeom prst="rect">
@@ -9841,7 +9846,7 @@
         </p:blipFill>
         <p:spPr bwMode="auto">
           <a:xfrm>
-            <a:off x="8478288" y="1271236"/>
+            <a:off x="9034101" y="1271236"/>
             <a:ext cx="596701" cy="596701"/>
           </a:xfrm>
           <a:prstGeom prst="rect">
@@ -10005,7 +10010,7 @@
         </p:nvSpPr>
         <p:spPr>
           <a:xfrm>
-            <a:off x="1217433" y="1623474"/>
+            <a:off x="1307080" y="1001473"/>
             <a:ext cx="5545317" cy="4844001"/>
           </a:xfrm>
           <a:prstGeom prst="rect">
@@ -10448,11 +10453,41 @@
       </p:pic>
       <p:pic>
         <p:nvPicPr>
-          <p:cNvPr id="21" name="Picture 2" descr="Afficher l’image source">
-            <a:hlinkClick r:id="rId3"/>
-            <a:extLst>
-              <a:ext uri="{FF2B5EF4-FFF2-40B4-BE49-F238E27FC236}">
-                <a16:creationId xmlns:a16="http://schemas.microsoft.com/office/drawing/2014/main" id="{D0596E21-B2D7-4713-A103-2BFDB9164C32}"/>
+          <p:cNvPr id="24" name="Image 23">
+            <a:extLst>
+              <a:ext uri="{FF2B5EF4-FFF2-40B4-BE49-F238E27FC236}">
+                <a16:creationId xmlns:a16="http://schemas.microsoft.com/office/drawing/2014/main" id="{DA48A239-5D94-4DCD-A3ED-0F7BAEEB5F90}"/>
+              </a:ext>
+            </a:extLst>
+          </p:cNvPr>
+          <p:cNvPicPr>
+            <a:picLocks noChangeAspect="1"/>
+          </p:cNvPicPr>
+          <p:nvPr/>
+        </p:nvPicPr>
+        <p:blipFill>
+          <a:blip r:embed="rId3"/>
+          <a:stretch>
+            <a:fillRect/>
+          </a:stretch>
+        </p:blipFill>
+        <p:spPr>
+          <a:xfrm>
+            <a:off x="4886825" y="1794101"/>
+            <a:ext cx="1209175" cy="705796"/>
+          </a:xfrm>
+          <a:prstGeom prst="rect">
+            <a:avLst/>
+          </a:prstGeom>
+        </p:spPr>
+      </p:pic>
+      <p:pic>
+        <p:nvPicPr>
+          <p:cNvPr id="10" name="Picture 2" descr="Afficher l’image source">
+            <a:hlinkClick r:id="rId4"/>
+            <a:extLst>
+              <a:ext uri="{FF2B5EF4-FFF2-40B4-BE49-F238E27FC236}">
+                <a16:creationId xmlns:a16="http://schemas.microsoft.com/office/drawing/2014/main" id="{FE33E40E-3988-4F4A-8635-B2A2E271DF3D}"/>
               </a:ext>
             </a:extLst>
           </p:cNvPr>
@@ -10462,7 +10497,17 @@
           <p:nvPr/>
         </p:nvPicPr>
         <p:blipFill>
-          <a:blip r:embed="rId4">
+          <a:blip r:embed="rId5">
+            <a:clrChange>
+              <a:clrFrom>
+                <a:srgbClr val="FFFFFF"/>
+              </a:clrFrom>
+              <a:clrTo>
+                <a:srgbClr val="FFFFFF">
+                  <a:alpha val="0"/>
+                </a:srgbClr>
+              </a:clrTo>
+            </a:clrChange>
             <a:extLst>
               <a:ext uri="{28A0092B-C50C-407E-A947-70E740481C1C}">
                 <a14:useLocalDpi xmlns:a14="http://schemas.microsoft.com/office/drawing/2010/main" val="0"/>
@@ -10476,7 +10521,7 @@
         </p:blipFill>
         <p:spPr bwMode="auto">
           <a:xfrm>
-            <a:off x="9090762" y="1271236"/>
+            <a:off x="9646575" y="1271236"/>
             <a:ext cx="596701" cy="596701"/>
           </a:xfrm>
           <a:prstGeom prst="rect">
@@ -10496,11 +10541,11 @@
       </p:pic>
       <p:pic>
         <p:nvPicPr>
-          <p:cNvPr id="22" name="Picture 4" descr="Afficher l’image source">
-            <a:hlinkClick r:id="rId5"/>
-            <a:extLst>
-              <a:ext uri="{FF2B5EF4-FFF2-40B4-BE49-F238E27FC236}">
-                <a16:creationId xmlns:a16="http://schemas.microsoft.com/office/drawing/2014/main" id="{A1A15CC0-9FAD-42ED-A9A7-3B81A5642F20}"/>
+          <p:cNvPr id="11" name="Picture 4" descr="Afficher l’image source">
+            <a:hlinkClick r:id="rId6"/>
+            <a:extLst>
+              <a:ext uri="{FF2B5EF4-FFF2-40B4-BE49-F238E27FC236}">
+                <a16:creationId xmlns:a16="http://schemas.microsoft.com/office/drawing/2014/main" id="{376E5BFB-CDA1-46C6-A894-6791A936E59B}"/>
               </a:ext>
             </a:extLst>
           </p:cNvPr>
@@ -10510,7 +10555,17 @@
           <p:nvPr/>
         </p:nvPicPr>
         <p:blipFill>
-          <a:blip r:embed="rId6">
+          <a:blip r:embed="rId7">
+            <a:clrChange>
+              <a:clrFrom>
+                <a:srgbClr val="FFFFFF"/>
+              </a:clrFrom>
+              <a:clrTo>
+                <a:srgbClr val="FFFFFF">
+                  <a:alpha val="0"/>
+                </a:srgbClr>
+              </a:clrTo>
+            </a:clrChange>
             <a:extLst>
               <a:ext uri="{28A0092B-C50C-407E-A947-70E740481C1C}">
                 <a14:useLocalDpi xmlns:a14="http://schemas.microsoft.com/office/drawing/2010/main" val="0"/>
@@ -10524,7 +10579,7 @@
         </p:blipFill>
         <p:spPr bwMode="auto">
           <a:xfrm>
-            <a:off x="8478288" y="1271236"/>
+            <a:off x="9034101" y="1271236"/>
             <a:ext cx="596701" cy="596701"/>
           </a:xfrm>
           <a:prstGeom prst="rect">
@@ -10540,36 +10595,6 @@
               </a14:hiddenFill>
             </a:ext>
           </a:extLst>
-        </p:spPr>
-      </p:pic>
-      <p:pic>
-        <p:nvPicPr>
-          <p:cNvPr id="24" name="Image 23">
-            <a:extLst>
-              <a:ext uri="{FF2B5EF4-FFF2-40B4-BE49-F238E27FC236}">
-                <a16:creationId xmlns:a16="http://schemas.microsoft.com/office/drawing/2014/main" id="{DA48A239-5D94-4DCD-A3ED-0F7BAEEB5F90}"/>
-              </a:ext>
-            </a:extLst>
-          </p:cNvPr>
-          <p:cNvPicPr>
-            <a:picLocks noChangeAspect="1"/>
-          </p:cNvPicPr>
-          <p:nvPr/>
-        </p:nvPicPr>
-        <p:blipFill>
-          <a:blip r:embed="rId7"/>
-          <a:stretch>
-            <a:fillRect/>
-          </a:stretch>
-        </p:blipFill>
-        <p:spPr>
-          <a:xfrm>
-            <a:off x="4886825" y="1794101"/>
-            <a:ext cx="1209175" cy="705796"/>
-          </a:xfrm>
-          <a:prstGeom prst="rect">
-            <a:avLst/>
-          </a:prstGeom>
         </p:spPr>
       </p:pic>
     </p:spTree>
@@ -13893,13 +13918,13 @@
   <p:clrMapOvr>
     <a:masterClrMapping/>
   </p:clrMapOvr>
-  <mc:AlternateContent xmlns:mc="http://schemas.openxmlformats.org/markup-compatibility/2006">
-    <mc:Choice xmlns:p159="http://schemas.microsoft.com/office/powerpoint/2015/09/main" Requires="p159">
+  <mc:AlternateContent xmlns:mc="http://schemas.openxmlformats.org/markup-compatibility/2006" xmlns:p159="http://schemas.microsoft.com/office/powerpoint/2015/09/main">
+    <mc:Choice Requires="p159">
       <p:transition xmlns:p14="http://schemas.microsoft.com/office/powerpoint/2010/main" spd="slow" p14:dur="2000">
         <p159:morph option="byObject"/>
       </p:transition>
     </mc:Choice>
-    <mc:Fallback>
+    <mc:Fallback xmlns="">
       <p:transition spd="slow">
         <p:fade/>
       </p:transition>
@@ -13970,7 +13995,12 @@
             <p:ph sz="half" idx="2"/>
           </p:nvPr>
         </p:nvSpPr>
-        <p:spPr/>
+        <p:spPr>
+          <a:xfrm>
+            <a:off x="1152000" y="2196000"/>
+            <a:ext cx="5040000" cy="4140000"/>
+          </a:xfrm>
+        </p:spPr>
         <p:txBody>
           <a:bodyPr/>
           <a:lstStyle/>
@@ -14668,7 +14698,7 @@
         <p:spPr>
           <a:xfrm>
             <a:off x="2004734" y="5144724"/>
-            <a:ext cx="2287987" cy="276999"/>
+            <a:ext cx="2594160" cy="276999"/>
           </a:xfrm>
           <a:prstGeom prst="rect">
             <a:avLst/>
@@ -15579,6 +15609,342 @@
 </file>
 
 <file path=ppt/slides/slide33.xml><?xml version="1.0" encoding="utf-8"?>
+<p:sld xmlns:a="http://schemas.openxmlformats.org/drawingml/2006/main" xmlns:r="http://schemas.openxmlformats.org/officeDocument/2006/relationships" xmlns:p="http://schemas.openxmlformats.org/presentationml/2006/main">
+  <p:cSld>
+    <p:spTree>
+      <p:nvGrpSpPr>
+        <p:cNvPr id="1" name=""/>
+        <p:cNvGrpSpPr/>
+        <p:nvPr/>
+      </p:nvGrpSpPr>
+      <p:grpSpPr>
+        <a:xfrm>
+          <a:off x="0" y="0"/>
+          <a:ext cx="0" cy="0"/>
+          <a:chOff x="0" y="0"/>
+          <a:chExt cx="0" cy="0"/>
+        </a:xfrm>
+      </p:grpSpPr>
+      <p:sp>
+        <p:nvSpPr>
+          <p:cNvPr id="2" name="Titre 1">
+            <a:extLst>
+              <a:ext uri="{FF2B5EF4-FFF2-40B4-BE49-F238E27FC236}">
+                <a16:creationId xmlns:a16="http://schemas.microsoft.com/office/drawing/2014/main" id="{DBD78476-12A2-4774-A0F7-CA0BFD9BAD62}"/>
+              </a:ext>
+            </a:extLst>
+          </p:cNvPr>
+          <p:cNvSpPr>
+            <a:spLocks noGrp="1"/>
+          </p:cNvSpPr>
+          <p:nvPr>
+            <p:ph type="title"/>
+          </p:nvPr>
+        </p:nvSpPr>
+        <p:spPr/>
+        <p:txBody>
+          <a:bodyPr/>
+          <a:lstStyle/>
+          <a:p>
+            <a:r>
+              <a:rPr lang="fr-FR" dirty="0"/>
+              <a:t>Références</a:t>
+            </a:r>
+          </a:p>
+        </p:txBody>
+      </p:sp>
+      <p:sp>
+        <p:nvSpPr>
+          <p:cNvPr id="3" name="Espace réservé du contenu 2">
+            <a:extLst>
+              <a:ext uri="{FF2B5EF4-FFF2-40B4-BE49-F238E27FC236}">
+                <a16:creationId xmlns:a16="http://schemas.microsoft.com/office/drawing/2014/main" id="{B715F61D-E626-49FB-96B6-2C4C4D7B89D9}"/>
+              </a:ext>
+            </a:extLst>
+          </p:cNvPr>
+          <p:cNvSpPr>
+            <a:spLocks noGrp="1"/>
+          </p:cNvSpPr>
+          <p:nvPr>
+            <p:ph idx="1"/>
+          </p:nvPr>
+        </p:nvSpPr>
+        <p:spPr>
+          <a:xfrm>
+            <a:off x="1152000" y="1368000"/>
+            <a:ext cx="10512000" cy="5040000"/>
+          </a:xfrm>
+        </p:spPr>
+        <p:txBody>
+          <a:bodyPr/>
+          <a:lstStyle/>
+          <a:p>
+            <a:r>
+              <a:rPr lang="fr-FR" dirty="0"/>
+              <a:t>LUGE</a:t>
+            </a:r>
+          </a:p>
+          <a:p>
+            <a:pPr lvl="1"/>
+            <a:r>
+              <a:rPr lang="fr-FR" dirty="0"/>
+              <a:t>Forum</a:t>
+            </a:r>
+            <a:r>
+              <a:rPr lang="fr-FR" dirty="0">
+                <a:hlinkClick r:id="rId2"/>
+              </a:rPr>
+              <a:t> </a:t>
+            </a:r>
+            <a:endParaRPr lang="fr-FR" dirty="0"/>
+          </a:p>
+          <a:p>
+            <a:pPr lvl="1"/>
+            <a:r>
+              <a:rPr lang="fr-FR" dirty="0"/>
+              <a:t>Chaîne YouTube</a:t>
+            </a:r>
+          </a:p>
+          <a:p>
+            <a:r>
+              <a:rPr lang="fr-FR" dirty="0"/>
+              <a:t>Code source démonstration</a:t>
+            </a:r>
+          </a:p>
+          <a:p>
+            <a:r>
+              <a:rPr lang="fr-FR" dirty="0"/>
+              <a:t>Support divers</a:t>
+            </a:r>
+          </a:p>
+          <a:p>
+            <a:pPr lvl="1"/>
+            <a:r>
+              <a:rPr lang="fr-FR" dirty="0">
+                <a:hlinkClick r:id="rId3"/>
+              </a:rPr>
+              <a:t>LXI</a:t>
+            </a:r>
+            <a:endParaRPr lang="fr-FR" dirty="0"/>
+          </a:p>
+          <a:p>
+            <a:pPr lvl="1"/>
+            <a:r>
+              <a:rPr lang="fr-FR" dirty="0" err="1">
+                <a:hlinkClick r:id="rId4"/>
+              </a:rPr>
+              <a:t>mDNS</a:t>
+            </a:r>
+            <a:endParaRPr lang="fr-FR" dirty="0"/>
+          </a:p>
+          <a:p>
+            <a:pPr lvl="1"/>
+            <a:r>
+              <a:rPr lang="fr-FR" dirty="0" err="1">
+                <a:hlinkClick r:id="rId5"/>
+              </a:rPr>
+              <a:t>PostLVUserEvent</a:t>
+            </a:r>
+            <a:r>
+              <a:rPr lang="fr-FR" dirty="0">
+                <a:hlinkClick r:id="rId5"/>
+              </a:rPr>
+              <a:t> exemple pour C++</a:t>
+            </a:r>
+            <a:endParaRPr lang="fr-FR" dirty="0"/>
+          </a:p>
+          <a:p>
+            <a:pPr lvl="1"/>
+            <a:endParaRPr lang="fr-FR" dirty="0"/>
+          </a:p>
+        </p:txBody>
+      </p:sp>
+      <p:sp>
+        <p:nvSpPr>
+          <p:cNvPr id="5" name="Espace réservé du pied de page 4">
+            <a:extLst>
+              <a:ext uri="{FF2B5EF4-FFF2-40B4-BE49-F238E27FC236}">
+                <a16:creationId xmlns:a16="http://schemas.microsoft.com/office/drawing/2014/main" id="{D8A78AE1-49D0-41B4-8D03-CAEE7B1CE146}"/>
+              </a:ext>
+            </a:extLst>
+          </p:cNvPr>
+          <p:cNvSpPr>
+            <a:spLocks noGrp="1"/>
+          </p:cNvSpPr>
+          <p:nvPr>
+            <p:ph type="ftr" sz="quarter" idx="11"/>
+          </p:nvPr>
+        </p:nvSpPr>
+        <p:spPr/>
+        <p:txBody>
+          <a:bodyPr/>
+          <a:lstStyle/>
+          <a:p>
+            <a:r>
+              <a:rPr lang="en-US"/>
+              <a:t>LUGE 2022.3</a:t>
+            </a:r>
+          </a:p>
+        </p:txBody>
+      </p:sp>
+      <p:pic>
+        <p:nvPicPr>
+          <p:cNvPr id="7" name="Picture 4" descr="Afficher l’image source">
+            <a:hlinkClick r:id="rId6"/>
+            <a:extLst>
+              <a:ext uri="{FF2B5EF4-FFF2-40B4-BE49-F238E27FC236}">
+                <a16:creationId xmlns:a16="http://schemas.microsoft.com/office/drawing/2014/main" id="{23FDBF9A-D0C8-48AC-AFF2-2E73596D4A28}"/>
+              </a:ext>
+            </a:extLst>
+          </p:cNvPr>
+          <p:cNvPicPr>
+            <a:picLocks noChangeAspect="1" noChangeArrowheads="1"/>
+          </p:cNvPicPr>
+          <p:nvPr/>
+        </p:nvPicPr>
+        <p:blipFill>
+          <a:blip r:embed="rId7">
+            <a:extLst>
+              <a:ext uri="{28A0092B-C50C-407E-A947-70E740481C1C}">
+                <a14:useLocalDpi xmlns:a14="http://schemas.microsoft.com/office/drawing/2010/main" val="0"/>
+              </a:ext>
+            </a:extLst>
+          </a:blip>
+          <a:srcRect/>
+          <a:stretch>
+            <a:fillRect/>
+          </a:stretch>
+        </p:blipFill>
+        <p:spPr bwMode="auto">
+          <a:xfrm>
+            <a:off x="4834052" y="2110078"/>
+            <a:ext cx="596701" cy="596701"/>
+          </a:xfrm>
+          <a:prstGeom prst="rect">
+            <a:avLst/>
+          </a:prstGeom>
+          <a:noFill/>
+          <a:extLst>
+            <a:ext uri="{909E8E84-426E-40DD-AFC4-6F175D3DCCD1}">
+              <a14:hiddenFill xmlns:a14="http://schemas.microsoft.com/office/drawing/2010/main">
+                <a:solidFill>
+                  <a:srgbClr val="FFFFFF"/>
+                </a:solidFill>
+              </a14:hiddenFill>
+            </a:ext>
+          </a:extLst>
+        </p:spPr>
+      </p:pic>
+      <p:pic>
+        <p:nvPicPr>
+          <p:cNvPr id="8" name="Picture 22" descr="https://www.wovalab.com/wp-content/uploads/2019/02/Logo-LUG-Rhone-Alpes.png">
+            <a:hlinkClick r:id="rId2"/>
+            <a:extLst>
+              <a:ext uri="{FF2B5EF4-FFF2-40B4-BE49-F238E27FC236}">
+                <a16:creationId xmlns:a16="http://schemas.microsoft.com/office/drawing/2014/main" id="{EB61EEBD-A0E6-43E5-810B-894FD7D3DD9C}"/>
+              </a:ext>
+            </a:extLst>
+          </p:cNvPr>
+          <p:cNvPicPr>
+            <a:picLocks noChangeAspect="1" noChangeArrowheads="1"/>
+          </p:cNvPicPr>
+          <p:nvPr/>
+        </p:nvPicPr>
+        <p:blipFill>
+          <a:blip r:embed="rId8">
+            <a:extLst>
+              <a:ext uri="{28A0092B-C50C-407E-A947-70E740481C1C}">
+                <a14:useLocalDpi xmlns:a14="http://schemas.microsoft.com/office/drawing/2010/main" val="0"/>
+              </a:ext>
+            </a:extLst>
+          </a:blip>
+          <a:srcRect/>
+          <a:stretch>
+            <a:fillRect/>
+          </a:stretch>
+        </p:blipFill>
+        <p:spPr bwMode="auto">
+          <a:xfrm>
+            <a:off x="4691716" y="1819002"/>
+            <a:ext cx="881372" cy="357912"/>
+          </a:xfrm>
+          <a:prstGeom prst="rect">
+            <a:avLst/>
+          </a:prstGeom>
+          <a:noFill/>
+          <a:extLst>
+            <a:ext uri="{909E8E84-426E-40DD-AFC4-6F175D3DCCD1}">
+              <a14:hiddenFill xmlns:a14="http://schemas.microsoft.com/office/drawing/2010/main">
+                <a:solidFill>
+                  <a:srgbClr val="FFFFFF"/>
+                </a:solidFill>
+              </a14:hiddenFill>
+            </a:ext>
+          </a:extLst>
+        </p:spPr>
+      </p:pic>
+      <p:pic>
+        <p:nvPicPr>
+          <p:cNvPr id="1026" name="Picture 2" descr="Afficher l’image source">
+            <a:hlinkClick r:id="rId9"/>
+            <a:extLst>
+              <a:ext uri="{FF2B5EF4-FFF2-40B4-BE49-F238E27FC236}">
+                <a16:creationId xmlns:a16="http://schemas.microsoft.com/office/drawing/2014/main" id="{A80C167D-97D3-4492-B6B5-7B732F459AED}"/>
+              </a:ext>
+            </a:extLst>
+          </p:cNvPr>
+          <p:cNvPicPr>
+            <a:picLocks noChangeAspect="1" noChangeArrowheads="1"/>
+          </p:cNvPicPr>
+          <p:nvPr/>
+        </p:nvPicPr>
+        <p:blipFill>
+          <a:blip r:embed="rId10">
+            <a:extLst>
+              <a:ext uri="{28A0092B-C50C-407E-A947-70E740481C1C}">
+                <a14:useLocalDpi xmlns:a14="http://schemas.microsoft.com/office/drawing/2010/main" val="0"/>
+              </a:ext>
+            </a:extLst>
+          </a:blip>
+          <a:srcRect/>
+          <a:stretch>
+            <a:fillRect/>
+          </a:stretch>
+        </p:blipFill>
+        <p:spPr bwMode="auto">
+          <a:xfrm>
+            <a:off x="6314920" y="2713490"/>
+            <a:ext cx="363787" cy="354914"/>
+          </a:xfrm>
+          <a:prstGeom prst="rect">
+            <a:avLst/>
+          </a:prstGeom>
+          <a:noFill/>
+          <a:extLst>
+            <a:ext uri="{909E8E84-426E-40DD-AFC4-6F175D3DCCD1}">
+              <a14:hiddenFill xmlns:a14="http://schemas.microsoft.com/office/drawing/2010/main">
+                <a:solidFill>
+                  <a:srgbClr val="FFFFFF"/>
+                </a:solidFill>
+              </a14:hiddenFill>
+            </a:ext>
+          </a:extLst>
+        </p:spPr>
+      </p:pic>
+    </p:spTree>
+    <p:extLst>
+      <p:ext uri="{BB962C8B-B14F-4D97-AF65-F5344CB8AC3E}">
+        <p14:creationId xmlns:p14="http://schemas.microsoft.com/office/powerpoint/2010/main" val="156193312"/>
+      </p:ext>
+    </p:extLst>
+  </p:cSld>
+  <p:clrMapOvr>
+    <a:masterClrMapping/>
+  </p:clrMapOvr>
+</p:sld>
+</file>
+
+<file path=ppt/slides/slide34.xml><?xml version="1.0" encoding="utf-8"?>
 <p:sld xmlns:a="http://schemas.openxmlformats.org/drawingml/2006/main" xmlns:r="http://schemas.openxmlformats.org/officeDocument/2006/relationships" xmlns:p="http://schemas.openxmlformats.org/presentationml/2006/main">
   <p:cSld>
     <p:spTree>
@@ -16157,342 +16523,6 @@
 </p:sld>
 </file>
 
-<file path=ppt/slides/slide34.xml><?xml version="1.0" encoding="utf-8"?>
-<p:sld xmlns:a="http://schemas.openxmlformats.org/drawingml/2006/main" xmlns:r="http://schemas.openxmlformats.org/officeDocument/2006/relationships" xmlns:p="http://schemas.openxmlformats.org/presentationml/2006/main">
-  <p:cSld>
-    <p:spTree>
-      <p:nvGrpSpPr>
-        <p:cNvPr id="1" name=""/>
-        <p:cNvGrpSpPr/>
-        <p:nvPr/>
-      </p:nvGrpSpPr>
-      <p:grpSpPr>
-        <a:xfrm>
-          <a:off x="0" y="0"/>
-          <a:ext cx="0" cy="0"/>
-          <a:chOff x="0" y="0"/>
-          <a:chExt cx="0" cy="0"/>
-        </a:xfrm>
-      </p:grpSpPr>
-      <p:sp>
-        <p:nvSpPr>
-          <p:cNvPr id="2" name="Titre 1">
-            <a:extLst>
-              <a:ext uri="{FF2B5EF4-FFF2-40B4-BE49-F238E27FC236}">
-                <a16:creationId xmlns:a16="http://schemas.microsoft.com/office/drawing/2014/main" id="{DBD78476-12A2-4774-A0F7-CA0BFD9BAD62}"/>
-              </a:ext>
-            </a:extLst>
-          </p:cNvPr>
-          <p:cNvSpPr>
-            <a:spLocks noGrp="1"/>
-          </p:cNvSpPr>
-          <p:nvPr>
-            <p:ph type="title"/>
-          </p:nvPr>
-        </p:nvSpPr>
-        <p:spPr/>
-        <p:txBody>
-          <a:bodyPr/>
-          <a:lstStyle/>
-          <a:p>
-            <a:r>
-              <a:rPr lang="fr-FR" dirty="0"/>
-              <a:t>Références</a:t>
-            </a:r>
-          </a:p>
-        </p:txBody>
-      </p:sp>
-      <p:sp>
-        <p:nvSpPr>
-          <p:cNvPr id="3" name="Espace réservé du contenu 2">
-            <a:extLst>
-              <a:ext uri="{FF2B5EF4-FFF2-40B4-BE49-F238E27FC236}">
-                <a16:creationId xmlns:a16="http://schemas.microsoft.com/office/drawing/2014/main" id="{B715F61D-E626-49FB-96B6-2C4C4D7B89D9}"/>
-              </a:ext>
-            </a:extLst>
-          </p:cNvPr>
-          <p:cNvSpPr>
-            <a:spLocks noGrp="1"/>
-          </p:cNvSpPr>
-          <p:nvPr>
-            <p:ph idx="1"/>
-          </p:nvPr>
-        </p:nvSpPr>
-        <p:spPr>
-          <a:xfrm>
-            <a:off x="1152000" y="1368000"/>
-            <a:ext cx="10512000" cy="5040000"/>
-          </a:xfrm>
-        </p:spPr>
-        <p:txBody>
-          <a:bodyPr/>
-          <a:lstStyle/>
-          <a:p>
-            <a:r>
-              <a:rPr lang="fr-FR" dirty="0"/>
-              <a:t>LUGE</a:t>
-            </a:r>
-          </a:p>
-          <a:p>
-            <a:pPr lvl="1"/>
-            <a:r>
-              <a:rPr lang="fr-FR" dirty="0"/>
-              <a:t>Forum</a:t>
-            </a:r>
-            <a:r>
-              <a:rPr lang="fr-FR" dirty="0">
-                <a:hlinkClick r:id="rId2"/>
-              </a:rPr>
-              <a:t> </a:t>
-            </a:r>
-            <a:endParaRPr lang="fr-FR" dirty="0"/>
-          </a:p>
-          <a:p>
-            <a:pPr lvl="1"/>
-            <a:r>
-              <a:rPr lang="fr-FR" dirty="0"/>
-              <a:t>Chaîne YouTube</a:t>
-            </a:r>
-          </a:p>
-          <a:p>
-            <a:r>
-              <a:rPr lang="fr-FR" dirty="0"/>
-              <a:t>Code source démonstration</a:t>
-            </a:r>
-          </a:p>
-          <a:p>
-            <a:r>
-              <a:rPr lang="fr-FR" dirty="0"/>
-              <a:t>Support divers</a:t>
-            </a:r>
-          </a:p>
-          <a:p>
-            <a:pPr lvl="1"/>
-            <a:r>
-              <a:rPr lang="fr-FR" dirty="0">
-                <a:hlinkClick r:id="rId3"/>
-              </a:rPr>
-              <a:t>LXI</a:t>
-            </a:r>
-            <a:endParaRPr lang="fr-FR" dirty="0"/>
-          </a:p>
-          <a:p>
-            <a:pPr lvl="1"/>
-            <a:r>
-              <a:rPr lang="fr-FR" dirty="0" err="1">
-                <a:hlinkClick r:id="rId4"/>
-              </a:rPr>
-              <a:t>mDNS</a:t>
-            </a:r>
-            <a:endParaRPr lang="fr-FR" dirty="0"/>
-          </a:p>
-          <a:p>
-            <a:pPr lvl="1"/>
-            <a:r>
-              <a:rPr lang="fr-FR" dirty="0" err="1">
-                <a:hlinkClick r:id="rId5"/>
-              </a:rPr>
-              <a:t>PostLVUserEvent</a:t>
-            </a:r>
-            <a:r>
-              <a:rPr lang="fr-FR" dirty="0">
-                <a:hlinkClick r:id="rId5"/>
-              </a:rPr>
-              <a:t> exemple pour C++</a:t>
-            </a:r>
-            <a:endParaRPr lang="fr-FR" dirty="0"/>
-          </a:p>
-          <a:p>
-            <a:pPr lvl="1"/>
-            <a:endParaRPr lang="fr-FR" dirty="0"/>
-          </a:p>
-        </p:txBody>
-      </p:sp>
-      <p:sp>
-        <p:nvSpPr>
-          <p:cNvPr id="5" name="Espace réservé du pied de page 4">
-            <a:extLst>
-              <a:ext uri="{FF2B5EF4-FFF2-40B4-BE49-F238E27FC236}">
-                <a16:creationId xmlns:a16="http://schemas.microsoft.com/office/drawing/2014/main" id="{D8A78AE1-49D0-41B4-8D03-CAEE7B1CE146}"/>
-              </a:ext>
-            </a:extLst>
-          </p:cNvPr>
-          <p:cNvSpPr>
-            <a:spLocks noGrp="1"/>
-          </p:cNvSpPr>
-          <p:nvPr>
-            <p:ph type="ftr" sz="quarter" idx="11"/>
-          </p:nvPr>
-        </p:nvSpPr>
-        <p:spPr/>
-        <p:txBody>
-          <a:bodyPr/>
-          <a:lstStyle/>
-          <a:p>
-            <a:r>
-              <a:rPr lang="en-US"/>
-              <a:t>LUGE 2022.3</a:t>
-            </a:r>
-          </a:p>
-        </p:txBody>
-      </p:sp>
-      <p:pic>
-        <p:nvPicPr>
-          <p:cNvPr id="7" name="Picture 4" descr="Afficher l’image source">
-            <a:hlinkClick r:id="rId6"/>
-            <a:extLst>
-              <a:ext uri="{FF2B5EF4-FFF2-40B4-BE49-F238E27FC236}">
-                <a16:creationId xmlns:a16="http://schemas.microsoft.com/office/drawing/2014/main" id="{23FDBF9A-D0C8-48AC-AFF2-2E73596D4A28}"/>
-              </a:ext>
-            </a:extLst>
-          </p:cNvPr>
-          <p:cNvPicPr>
-            <a:picLocks noChangeAspect="1" noChangeArrowheads="1"/>
-          </p:cNvPicPr>
-          <p:nvPr/>
-        </p:nvPicPr>
-        <p:blipFill>
-          <a:blip r:embed="rId7">
-            <a:extLst>
-              <a:ext uri="{28A0092B-C50C-407E-A947-70E740481C1C}">
-                <a14:useLocalDpi xmlns:a14="http://schemas.microsoft.com/office/drawing/2010/main" val="0"/>
-              </a:ext>
-            </a:extLst>
-          </a:blip>
-          <a:srcRect/>
-          <a:stretch>
-            <a:fillRect/>
-          </a:stretch>
-        </p:blipFill>
-        <p:spPr bwMode="auto">
-          <a:xfrm>
-            <a:off x="4251345" y="2110078"/>
-            <a:ext cx="596701" cy="596701"/>
-          </a:xfrm>
-          <a:prstGeom prst="rect">
-            <a:avLst/>
-          </a:prstGeom>
-          <a:noFill/>
-          <a:extLst>
-            <a:ext uri="{909E8E84-426E-40DD-AFC4-6F175D3DCCD1}">
-              <a14:hiddenFill xmlns:a14="http://schemas.microsoft.com/office/drawing/2010/main">
-                <a:solidFill>
-                  <a:srgbClr val="FFFFFF"/>
-                </a:solidFill>
-              </a14:hiddenFill>
-            </a:ext>
-          </a:extLst>
-        </p:spPr>
-      </p:pic>
-      <p:pic>
-        <p:nvPicPr>
-          <p:cNvPr id="8" name="Picture 22" descr="https://www.wovalab.com/wp-content/uploads/2019/02/Logo-LUG-Rhone-Alpes.png">
-            <a:hlinkClick r:id="rId2"/>
-            <a:extLst>
-              <a:ext uri="{FF2B5EF4-FFF2-40B4-BE49-F238E27FC236}">
-                <a16:creationId xmlns:a16="http://schemas.microsoft.com/office/drawing/2014/main" id="{EB61EEBD-A0E6-43E5-810B-894FD7D3DD9C}"/>
-              </a:ext>
-            </a:extLst>
-          </p:cNvPr>
-          <p:cNvPicPr>
-            <a:picLocks noChangeAspect="1" noChangeArrowheads="1"/>
-          </p:cNvPicPr>
-          <p:nvPr/>
-        </p:nvPicPr>
-        <p:blipFill>
-          <a:blip r:embed="rId8">
-            <a:extLst>
-              <a:ext uri="{28A0092B-C50C-407E-A947-70E740481C1C}">
-                <a14:useLocalDpi xmlns:a14="http://schemas.microsoft.com/office/drawing/2010/main" val="0"/>
-              </a:ext>
-            </a:extLst>
-          </a:blip>
-          <a:srcRect/>
-          <a:stretch>
-            <a:fillRect/>
-          </a:stretch>
-        </p:blipFill>
-        <p:spPr bwMode="auto">
-          <a:xfrm>
-            <a:off x="4109009" y="1819002"/>
-            <a:ext cx="881372" cy="357912"/>
-          </a:xfrm>
-          <a:prstGeom prst="rect">
-            <a:avLst/>
-          </a:prstGeom>
-          <a:noFill/>
-          <a:extLst>
-            <a:ext uri="{909E8E84-426E-40DD-AFC4-6F175D3DCCD1}">
-              <a14:hiddenFill xmlns:a14="http://schemas.microsoft.com/office/drawing/2010/main">
-                <a:solidFill>
-                  <a:srgbClr val="FFFFFF"/>
-                </a:solidFill>
-              </a14:hiddenFill>
-            </a:ext>
-          </a:extLst>
-        </p:spPr>
-      </p:pic>
-      <p:pic>
-        <p:nvPicPr>
-          <p:cNvPr id="1026" name="Picture 2" descr="Afficher l’image source">
-            <a:hlinkClick r:id="rId9"/>
-            <a:extLst>
-              <a:ext uri="{FF2B5EF4-FFF2-40B4-BE49-F238E27FC236}">
-                <a16:creationId xmlns:a16="http://schemas.microsoft.com/office/drawing/2014/main" id="{A80C167D-97D3-4492-B6B5-7B732F459AED}"/>
-              </a:ext>
-            </a:extLst>
-          </p:cNvPr>
-          <p:cNvPicPr>
-            <a:picLocks noChangeAspect="1" noChangeArrowheads="1"/>
-          </p:cNvPicPr>
-          <p:nvPr/>
-        </p:nvPicPr>
-        <p:blipFill>
-          <a:blip r:embed="rId10">
-            <a:extLst>
-              <a:ext uri="{28A0092B-C50C-407E-A947-70E740481C1C}">
-                <a14:useLocalDpi xmlns:a14="http://schemas.microsoft.com/office/drawing/2010/main" val="0"/>
-              </a:ext>
-            </a:extLst>
-          </a:blip>
-          <a:srcRect/>
-          <a:stretch>
-            <a:fillRect/>
-          </a:stretch>
-        </p:blipFill>
-        <p:spPr bwMode="auto">
-          <a:xfrm>
-            <a:off x="5732213" y="2713490"/>
-            <a:ext cx="363787" cy="354914"/>
-          </a:xfrm>
-          <a:prstGeom prst="rect">
-            <a:avLst/>
-          </a:prstGeom>
-          <a:noFill/>
-          <a:extLst>
-            <a:ext uri="{909E8E84-426E-40DD-AFC4-6F175D3DCCD1}">
-              <a14:hiddenFill xmlns:a14="http://schemas.microsoft.com/office/drawing/2010/main">
-                <a:solidFill>
-                  <a:srgbClr val="FFFFFF"/>
-                </a:solidFill>
-              </a14:hiddenFill>
-            </a:ext>
-          </a:extLst>
-        </p:spPr>
-      </p:pic>
-    </p:spTree>
-    <p:extLst>
-      <p:ext uri="{BB962C8B-B14F-4D97-AF65-F5344CB8AC3E}">
-        <p14:creationId xmlns:p14="http://schemas.microsoft.com/office/powerpoint/2010/main" val="156193312"/>
-      </p:ext>
-    </p:extLst>
-  </p:cSld>
-  <p:clrMapOvr>
-    <a:masterClrMapping/>
-  </p:clrMapOvr>
-</p:sld>
-</file>
-
 <file path=ppt/slides/slide35.xml><?xml version="1.0" encoding="utf-8"?>
 <p:sld xmlns:a="http://schemas.openxmlformats.org/drawingml/2006/main" xmlns:r="http://schemas.openxmlformats.org/officeDocument/2006/relationships" xmlns:p="http://schemas.openxmlformats.org/presentationml/2006/main">
   <p:cSld>
@@ -16615,7 +16645,7 @@
         </p:nvGrpSpPr>
         <p:grpSpPr>
           <a:xfrm>
-            <a:off x="6279342" y="4033627"/>
+            <a:off x="6279342" y="3854515"/>
             <a:ext cx="2383220" cy="2486493"/>
             <a:chOff x="2584634" y="2780350"/>
             <a:chExt cx="2383220" cy="2486493"/>
@@ -17290,7 +17320,7 @@
         </p:nvSpPr>
         <p:spPr>
           <a:xfrm>
-            <a:off x="948100" y="5627276"/>
+            <a:off x="948100" y="6002311"/>
             <a:ext cx="6149130" cy="738664"/>
           </a:xfrm>
           <a:prstGeom prst="rect">
@@ -17357,9 +17387,9 @@
         <p:grpSpPr>
           <a:xfrm>
             <a:off x="3696986" y="1794289"/>
-            <a:ext cx="2387600" cy="2510925"/>
+            <a:ext cx="2387600" cy="2623188"/>
             <a:chOff x="196974" y="3899433"/>
-            <a:chExt cx="2387600" cy="2510925"/>
+            <a:chExt cx="2387600" cy="2623188"/>
           </a:xfrm>
         </p:grpSpPr>
         <p:pic>
@@ -17448,7 +17478,7 @@
           <p:spPr>
             <a:xfrm>
               <a:off x="196974" y="5293117"/>
-              <a:ext cx="2365728" cy="1107081"/>
+              <a:ext cx="2365728" cy="1229504"/>
             </a:xfrm>
             <a:prstGeom prst="rect">
               <a:avLst/>
@@ -17457,7 +17487,7 @@
           </p:spPr>
           <p:txBody>
             <a:bodyPr wrap="square" rtlCol="0">
-              <a:normAutofit fontScale="77500" lnSpcReduction="20000"/>
+              <a:normAutofit/>
             </a:bodyPr>
             <a:lstStyle/>
             <a:p>
@@ -17468,19 +17498,16 @@
               </a:pPr>
               <a:r>
                 <a:rPr lang="fr-FR" dirty="0">
+                  <a:solidFill>
+                    <a:schemeClr val="tx1">
+                      <a:lumMod val="85000"/>
+                      <a:lumOff val="15000"/>
+                    </a:schemeClr>
+                  </a:solidFill>
                   <a:latin typeface="Gilroy Bold" panose="00000800000000000000" pitchFamily="50" charset="0"/>
                 </a:rPr>
                 <a:t>Microscope électrochimique</a:t>
               </a:r>
-              <a:endParaRPr lang="fr-FR" dirty="0">
-                <a:solidFill>
-                  <a:schemeClr val="tx1">
-                    <a:lumMod val="85000"/>
-                    <a:lumOff val="15000"/>
-                  </a:schemeClr>
-                </a:solidFill>
-                <a:latin typeface="Gilroy Bold" panose="00000800000000000000" pitchFamily="50" charset="0"/>
-              </a:endParaRPr>
             </a:p>
             <a:p>
               <a:pPr>
@@ -17489,7 +17516,7 @@
                 </a:lnSpc>
               </a:pPr>
               <a:r>
-                <a:rPr lang="fr-FR" sz="1600" dirty="0">
+                <a:rPr lang="fr-FR" sz="1100" dirty="0">
                   <a:latin typeface="Gilroy" pitchFamily="2" charset="77"/>
                 </a:rPr>
                 <a:t>Stations de haute résolution, compactes ou modulaires, pour la mesure de l'activité électrochimique locale</a:t>
